--- a/PP_presentation.pptx
+++ b/PP_presentation.pptx
@@ -7,17 +7,18 @@
     <p:sldMasterId id="2147483674" r:id="rId4"/>
     <p:sldMasterId id="2147483687" r:id="rId5"/>
     <p:sldMasterId id="2147483700" r:id="rId6"/>
+    <p:sldMasterId id="2147483713" r:id="rId7"/>
   </p:sldMasterIdLst>
   <p:sldIdLst>
-    <p:sldId id="256" r:id="rId7"/>
-    <p:sldId id="257" r:id="rId8"/>
-    <p:sldId id="258" r:id="rId9"/>
-    <p:sldId id="259" r:id="rId10"/>
-    <p:sldId id="260" r:id="rId11"/>
-    <p:sldId id="261" r:id="rId12"/>
-    <p:sldId id="262" r:id="rId13"/>
-    <p:sldId id="263" r:id="rId14"/>
-    <p:sldId id="264" r:id="rId15"/>
+    <p:sldId id="256" r:id="rId8"/>
+    <p:sldId id="257" r:id="rId9"/>
+    <p:sldId id="258" r:id="rId10"/>
+    <p:sldId id="259" r:id="rId11"/>
+    <p:sldId id="260" r:id="rId12"/>
+    <p:sldId id="261" r:id="rId13"/>
+    <p:sldId id="262" r:id="rId14"/>
+    <p:sldId id="263" r:id="rId15"/>
+    <p:sldId id="264" r:id="rId16"/>
   </p:sldIdLst>
   <p:sldSz cx="9144000" cy="5143500"/>
   <p:notesSz cx="7559675" cy="10691813"/>
@@ -7161,6 +7162,945 @@
 </p:sldLayout>
 </file>
 
+<file path=ppt/slideLayouts/slideLayout61.xml><?xml version="1.0" encoding="utf-8"?>
+<p:sldLayout xmlns:a="http://schemas.openxmlformats.org/drawingml/2006/main" xmlns:p="http://schemas.openxmlformats.org/presentationml/2006/main" xmlns:r="http://schemas.openxmlformats.org/officeDocument/2006/relationships" xmlns:p14="http://schemas.microsoft.com/office/powerpoint/2010/main" xmlns:p15="http://schemas.microsoft.com/office/powerpoint/2012/main" xmlns:mc="http://schemas.openxmlformats.org/markup-compatibility/2006" type="blank" preserve="1">
+  <p:cSld name="Blank Slide">
+    <p:spTree>
+      <p:nvGrpSpPr>
+        <p:cNvPr id="1" name=""/>
+        <p:cNvGrpSpPr/>
+        <p:nvPr/>
+      </p:nvGrpSpPr>
+      <p:grpSpPr>
+        <a:xfrm>
+          <a:off x="0" y="0"/>
+          <a:ext cx="0" cy="0"/>
+          <a:chOff x="0" y="0"/>
+          <a:chExt cx="0" cy="0"/>
+        </a:xfrm>
+      </p:grpSpPr>
+    </p:spTree>
+  </p:cSld>
+</p:sldLayout>
+</file>
+
+<file path=ppt/slideLayouts/slideLayout62.xml><?xml version="1.0" encoding="utf-8"?>
+<p:sldLayout xmlns:a="http://schemas.openxmlformats.org/drawingml/2006/main" xmlns:p="http://schemas.openxmlformats.org/presentationml/2006/main" xmlns:r="http://schemas.openxmlformats.org/officeDocument/2006/relationships" xmlns:p14="http://schemas.microsoft.com/office/powerpoint/2010/main" xmlns:p15="http://schemas.microsoft.com/office/powerpoint/2012/main" xmlns:mc="http://schemas.openxmlformats.org/markup-compatibility/2006" type="tx" preserve="1">
+  <p:cSld name="Title Slide">
+    <p:spTree>
+      <p:nvGrpSpPr>
+        <p:cNvPr id="1" name=""/>
+        <p:cNvGrpSpPr/>
+        <p:nvPr/>
+      </p:nvGrpSpPr>
+      <p:grpSpPr>
+        <a:xfrm>
+          <a:off x="0" y="0"/>
+          <a:ext cx="0" cy="0"/>
+          <a:chOff x="0" y="0"/>
+          <a:chExt cx="0" cy="0"/>
+        </a:xfrm>
+      </p:grpSpPr>
+      <p:sp>
+        <p:nvSpPr>
+          <p:cNvPr id="222" name="PlaceHolder 1"/>
+          <p:cNvSpPr>
+            <a:spLocks noGrp="1"/>
+          </p:cNvSpPr>
+          <p:nvPr>
+            <p:ph type="title"/>
+          </p:nvPr>
+        </p:nvSpPr>
+        <p:spPr>
+          <a:xfrm>
+            <a:off x="457200" y="205200"/>
+            <a:ext cx="8229240" cy="858600"/>
+          </a:xfrm>
+          <a:prstGeom prst="rect">
+            <a:avLst/>
+          </a:prstGeom>
+          <a:noFill/>
+          <a:ln w="0">
+            <a:noFill/>
+          </a:ln>
+        </p:spPr>
+        <p:txBody>
+          <a:bodyPr lIns="0" rIns="0" tIns="0" bIns="0" anchor="ctr">
+            <a:noAutofit/>
+          </a:bodyPr>
+          <a:p>
+            <a:pPr algn="ctr">
+              <a:buNone/>
+            </a:pPr>
+            <a:endParaRPr b="0" lang="en-US" sz="4400" spc="-1" strike="noStrike">
+              <a:latin typeface="Arial"/>
+            </a:endParaRPr>
+          </a:p>
+        </p:txBody>
+      </p:sp>
+      <p:sp>
+        <p:nvSpPr>
+          <p:cNvPr id="223" name="PlaceHolder 2"/>
+          <p:cNvSpPr>
+            <a:spLocks noGrp="1"/>
+          </p:cNvSpPr>
+          <p:nvPr>
+            <p:ph type="subTitle"/>
+          </p:nvPr>
+        </p:nvSpPr>
+        <p:spPr>
+          <a:xfrm>
+            <a:off x="457200" y="1203480"/>
+            <a:ext cx="8229240" cy="2982960"/>
+          </a:xfrm>
+          <a:prstGeom prst="rect">
+            <a:avLst/>
+          </a:prstGeom>
+          <a:noFill/>
+          <a:ln w="0">
+            <a:noFill/>
+          </a:ln>
+        </p:spPr>
+        <p:txBody>
+          <a:bodyPr lIns="0" rIns="0" tIns="0" bIns="0" anchor="ctr">
+            <a:noAutofit/>
+          </a:bodyPr>
+          <a:p>
+            <a:pPr algn="ctr">
+              <a:buNone/>
+            </a:pPr>
+            <a:endParaRPr b="0" lang="en-US" sz="3200" spc="-1" strike="noStrike">
+              <a:latin typeface="Arial"/>
+            </a:endParaRPr>
+          </a:p>
+        </p:txBody>
+      </p:sp>
+    </p:spTree>
+  </p:cSld>
+</p:sldLayout>
+</file>
+
+<file path=ppt/slideLayouts/slideLayout63.xml><?xml version="1.0" encoding="utf-8"?>
+<p:sldLayout xmlns:a="http://schemas.openxmlformats.org/drawingml/2006/main" xmlns:p="http://schemas.openxmlformats.org/presentationml/2006/main" xmlns:r="http://schemas.openxmlformats.org/officeDocument/2006/relationships" xmlns:p14="http://schemas.microsoft.com/office/powerpoint/2010/main" xmlns:p15="http://schemas.microsoft.com/office/powerpoint/2012/main" xmlns:mc="http://schemas.openxmlformats.org/markup-compatibility/2006" type="obj" preserve="1">
+  <p:cSld name="Title, Content">
+    <p:spTree>
+      <p:nvGrpSpPr>
+        <p:cNvPr id="1" name=""/>
+        <p:cNvGrpSpPr/>
+        <p:nvPr/>
+      </p:nvGrpSpPr>
+      <p:grpSpPr>
+        <a:xfrm>
+          <a:off x="0" y="0"/>
+          <a:ext cx="0" cy="0"/>
+          <a:chOff x="0" y="0"/>
+          <a:chExt cx="0" cy="0"/>
+        </a:xfrm>
+      </p:grpSpPr>
+      <p:sp>
+        <p:nvSpPr>
+          <p:cNvPr id="224" name="PlaceHolder 1"/>
+          <p:cNvSpPr>
+            <a:spLocks noGrp="1"/>
+          </p:cNvSpPr>
+          <p:nvPr>
+            <p:ph type="title"/>
+          </p:nvPr>
+        </p:nvSpPr>
+        <p:spPr>
+          <a:xfrm>
+            <a:off x="457200" y="205200"/>
+            <a:ext cx="8229240" cy="858600"/>
+          </a:xfrm>
+          <a:prstGeom prst="rect">
+            <a:avLst/>
+          </a:prstGeom>
+          <a:noFill/>
+          <a:ln w="0">
+            <a:noFill/>
+          </a:ln>
+        </p:spPr>
+        <p:txBody>
+          <a:bodyPr lIns="0" rIns="0" tIns="0" bIns="0" anchor="ctr">
+            <a:noAutofit/>
+          </a:bodyPr>
+          <a:p>
+            <a:pPr algn="ctr">
+              <a:buNone/>
+            </a:pPr>
+            <a:endParaRPr b="0" lang="en-US" sz="4400" spc="-1" strike="noStrike">
+              <a:latin typeface="Arial"/>
+            </a:endParaRPr>
+          </a:p>
+        </p:txBody>
+      </p:sp>
+      <p:sp>
+        <p:nvSpPr>
+          <p:cNvPr id="225" name="PlaceHolder 2"/>
+          <p:cNvSpPr>
+            <a:spLocks noGrp="1"/>
+          </p:cNvSpPr>
+          <p:nvPr>
+            <p:ph/>
+          </p:nvPr>
+        </p:nvSpPr>
+        <p:spPr>
+          <a:xfrm>
+            <a:off x="457200" y="1203480"/>
+            <a:ext cx="8229240" cy="2982960"/>
+          </a:xfrm>
+          <a:prstGeom prst="rect">
+            <a:avLst/>
+          </a:prstGeom>
+          <a:noFill/>
+          <a:ln w="0">
+            <a:noFill/>
+          </a:ln>
+        </p:spPr>
+        <p:txBody>
+          <a:bodyPr lIns="0" rIns="0" tIns="0" bIns="0" anchor="t">
+            <a:normAutofit/>
+          </a:bodyPr>
+          <a:p>
+            <a:endParaRPr b="0" lang="en-US" sz="3200" spc="-1" strike="noStrike">
+              <a:latin typeface="Arial"/>
+            </a:endParaRPr>
+          </a:p>
+        </p:txBody>
+      </p:sp>
+    </p:spTree>
+  </p:cSld>
+</p:sldLayout>
+</file>
+
+<file path=ppt/slideLayouts/slideLayout64.xml><?xml version="1.0" encoding="utf-8"?>
+<p:sldLayout xmlns:a="http://schemas.openxmlformats.org/drawingml/2006/main" xmlns:p="http://schemas.openxmlformats.org/presentationml/2006/main" xmlns:r="http://schemas.openxmlformats.org/officeDocument/2006/relationships" xmlns:p14="http://schemas.microsoft.com/office/powerpoint/2010/main" xmlns:p15="http://schemas.microsoft.com/office/powerpoint/2012/main" xmlns:mc="http://schemas.openxmlformats.org/markup-compatibility/2006" type="twoObj" preserve="1">
+  <p:cSld name="Title, 2 Content">
+    <p:spTree>
+      <p:nvGrpSpPr>
+        <p:cNvPr id="1" name=""/>
+        <p:cNvGrpSpPr/>
+        <p:nvPr/>
+      </p:nvGrpSpPr>
+      <p:grpSpPr>
+        <a:xfrm>
+          <a:off x="0" y="0"/>
+          <a:ext cx="0" cy="0"/>
+          <a:chOff x="0" y="0"/>
+          <a:chExt cx="0" cy="0"/>
+        </a:xfrm>
+      </p:grpSpPr>
+      <p:sp>
+        <p:nvSpPr>
+          <p:cNvPr id="226" name="PlaceHolder 1"/>
+          <p:cNvSpPr>
+            <a:spLocks noGrp="1"/>
+          </p:cNvSpPr>
+          <p:nvPr>
+            <p:ph type="title"/>
+          </p:nvPr>
+        </p:nvSpPr>
+        <p:spPr>
+          <a:xfrm>
+            <a:off x="457200" y="205200"/>
+            <a:ext cx="8229240" cy="858600"/>
+          </a:xfrm>
+          <a:prstGeom prst="rect">
+            <a:avLst/>
+          </a:prstGeom>
+          <a:noFill/>
+          <a:ln w="0">
+            <a:noFill/>
+          </a:ln>
+        </p:spPr>
+        <p:txBody>
+          <a:bodyPr lIns="0" rIns="0" tIns="0" bIns="0" anchor="ctr">
+            <a:noAutofit/>
+          </a:bodyPr>
+          <a:p>
+            <a:pPr algn="ctr">
+              <a:buNone/>
+            </a:pPr>
+            <a:endParaRPr b="0" lang="en-US" sz="4400" spc="-1" strike="noStrike">
+              <a:latin typeface="Arial"/>
+            </a:endParaRPr>
+          </a:p>
+        </p:txBody>
+      </p:sp>
+      <p:sp>
+        <p:nvSpPr>
+          <p:cNvPr id="227" name="PlaceHolder 2"/>
+          <p:cNvSpPr>
+            <a:spLocks noGrp="1"/>
+          </p:cNvSpPr>
+          <p:nvPr>
+            <p:ph/>
+          </p:nvPr>
+        </p:nvSpPr>
+        <p:spPr>
+          <a:xfrm>
+            <a:off x="457200" y="1203480"/>
+            <a:ext cx="4015800" cy="2982960"/>
+          </a:xfrm>
+          <a:prstGeom prst="rect">
+            <a:avLst/>
+          </a:prstGeom>
+          <a:noFill/>
+          <a:ln w="0">
+            <a:noFill/>
+          </a:ln>
+        </p:spPr>
+        <p:txBody>
+          <a:bodyPr lIns="0" rIns="0" tIns="0" bIns="0" anchor="t">
+            <a:normAutofit/>
+          </a:bodyPr>
+          <a:p>
+            <a:endParaRPr b="0" lang="en-US" sz="3200" spc="-1" strike="noStrike">
+              <a:latin typeface="Arial"/>
+            </a:endParaRPr>
+          </a:p>
+        </p:txBody>
+      </p:sp>
+      <p:sp>
+        <p:nvSpPr>
+          <p:cNvPr id="228" name="PlaceHolder 3"/>
+          <p:cNvSpPr>
+            <a:spLocks noGrp="1"/>
+          </p:cNvSpPr>
+          <p:nvPr>
+            <p:ph/>
+          </p:nvPr>
+        </p:nvSpPr>
+        <p:spPr>
+          <a:xfrm>
+            <a:off x="4674240" y="1203480"/>
+            <a:ext cx="4015800" cy="2982960"/>
+          </a:xfrm>
+          <a:prstGeom prst="rect">
+            <a:avLst/>
+          </a:prstGeom>
+          <a:noFill/>
+          <a:ln w="0">
+            <a:noFill/>
+          </a:ln>
+        </p:spPr>
+        <p:txBody>
+          <a:bodyPr lIns="0" rIns="0" tIns="0" bIns="0" anchor="t">
+            <a:normAutofit/>
+          </a:bodyPr>
+          <a:p>
+            <a:endParaRPr b="0" lang="en-US" sz="3200" spc="-1" strike="noStrike">
+              <a:latin typeface="Arial"/>
+            </a:endParaRPr>
+          </a:p>
+        </p:txBody>
+      </p:sp>
+    </p:spTree>
+  </p:cSld>
+</p:sldLayout>
+</file>
+
+<file path=ppt/slideLayouts/slideLayout65.xml><?xml version="1.0" encoding="utf-8"?>
+<p:sldLayout xmlns:a="http://schemas.openxmlformats.org/drawingml/2006/main" xmlns:p="http://schemas.openxmlformats.org/presentationml/2006/main" xmlns:r="http://schemas.openxmlformats.org/officeDocument/2006/relationships" xmlns:p14="http://schemas.microsoft.com/office/powerpoint/2010/main" xmlns:p15="http://schemas.microsoft.com/office/powerpoint/2012/main" xmlns:mc="http://schemas.openxmlformats.org/markup-compatibility/2006" type="titleOnly" preserve="1">
+  <p:cSld name="Title Only">
+    <p:spTree>
+      <p:nvGrpSpPr>
+        <p:cNvPr id="1" name=""/>
+        <p:cNvGrpSpPr/>
+        <p:nvPr/>
+      </p:nvGrpSpPr>
+      <p:grpSpPr>
+        <a:xfrm>
+          <a:off x="0" y="0"/>
+          <a:ext cx="0" cy="0"/>
+          <a:chOff x="0" y="0"/>
+          <a:chExt cx="0" cy="0"/>
+        </a:xfrm>
+      </p:grpSpPr>
+      <p:sp>
+        <p:nvSpPr>
+          <p:cNvPr id="229" name="PlaceHolder 1"/>
+          <p:cNvSpPr>
+            <a:spLocks noGrp="1"/>
+          </p:cNvSpPr>
+          <p:nvPr>
+            <p:ph type="title"/>
+          </p:nvPr>
+        </p:nvSpPr>
+        <p:spPr>
+          <a:xfrm>
+            <a:off x="457200" y="205200"/>
+            <a:ext cx="8229240" cy="858600"/>
+          </a:xfrm>
+          <a:prstGeom prst="rect">
+            <a:avLst/>
+          </a:prstGeom>
+          <a:noFill/>
+          <a:ln w="0">
+            <a:noFill/>
+          </a:ln>
+        </p:spPr>
+        <p:txBody>
+          <a:bodyPr lIns="0" rIns="0" tIns="0" bIns="0" anchor="ctr">
+            <a:noAutofit/>
+          </a:bodyPr>
+          <a:p>
+            <a:pPr algn="ctr">
+              <a:buNone/>
+            </a:pPr>
+            <a:endParaRPr b="0" lang="en-US" sz="4400" spc="-1" strike="noStrike">
+              <a:latin typeface="Arial"/>
+            </a:endParaRPr>
+          </a:p>
+        </p:txBody>
+      </p:sp>
+    </p:spTree>
+  </p:cSld>
+</p:sldLayout>
+</file>
+
+<file path=ppt/slideLayouts/slideLayout66.xml><?xml version="1.0" encoding="utf-8"?>
+<p:sldLayout xmlns:a="http://schemas.openxmlformats.org/drawingml/2006/main" xmlns:p="http://schemas.openxmlformats.org/presentationml/2006/main" xmlns:r="http://schemas.openxmlformats.org/officeDocument/2006/relationships" xmlns:p14="http://schemas.microsoft.com/office/powerpoint/2010/main" xmlns:p15="http://schemas.microsoft.com/office/powerpoint/2012/main" xmlns:mc="http://schemas.openxmlformats.org/markup-compatibility/2006" type="objOnly" preserve="1">
+  <p:cSld name="Centered Text">
+    <p:spTree>
+      <p:nvGrpSpPr>
+        <p:cNvPr id="1" name=""/>
+        <p:cNvGrpSpPr/>
+        <p:nvPr/>
+      </p:nvGrpSpPr>
+      <p:grpSpPr>
+        <a:xfrm>
+          <a:off x="0" y="0"/>
+          <a:ext cx="0" cy="0"/>
+          <a:chOff x="0" y="0"/>
+          <a:chExt cx="0" cy="0"/>
+        </a:xfrm>
+      </p:grpSpPr>
+      <p:sp>
+        <p:nvSpPr>
+          <p:cNvPr id="230" name="PlaceHolder 1"/>
+          <p:cNvSpPr>
+            <a:spLocks noGrp="1"/>
+          </p:cNvSpPr>
+          <p:nvPr>
+            <p:ph type="subTitle"/>
+          </p:nvPr>
+        </p:nvSpPr>
+        <p:spPr>
+          <a:xfrm>
+            <a:off x="457200" y="205200"/>
+            <a:ext cx="8229240" cy="3981240"/>
+          </a:xfrm>
+          <a:prstGeom prst="rect">
+            <a:avLst/>
+          </a:prstGeom>
+          <a:noFill/>
+          <a:ln w="0">
+            <a:noFill/>
+          </a:ln>
+        </p:spPr>
+        <p:txBody>
+          <a:bodyPr lIns="0" rIns="0" tIns="0" bIns="0" anchor="ctr">
+            <a:noAutofit/>
+          </a:bodyPr>
+          <a:p>
+            <a:pPr algn="ctr">
+              <a:buNone/>
+            </a:pPr>
+            <a:endParaRPr b="0" lang="en-US" sz="3200" spc="-1" strike="noStrike">
+              <a:latin typeface="Arial"/>
+            </a:endParaRPr>
+          </a:p>
+        </p:txBody>
+      </p:sp>
+    </p:spTree>
+  </p:cSld>
+</p:sldLayout>
+</file>
+
+<file path=ppt/slideLayouts/slideLayout67.xml><?xml version="1.0" encoding="utf-8"?>
+<p:sldLayout xmlns:a="http://schemas.openxmlformats.org/drawingml/2006/main" xmlns:p="http://schemas.openxmlformats.org/presentationml/2006/main" xmlns:r="http://schemas.openxmlformats.org/officeDocument/2006/relationships" xmlns:p14="http://schemas.microsoft.com/office/powerpoint/2010/main" xmlns:p15="http://schemas.microsoft.com/office/powerpoint/2012/main" xmlns:mc="http://schemas.openxmlformats.org/markup-compatibility/2006" type="twoObjAndObj" preserve="1">
+  <p:cSld name="Title, 2 Content and Content">
+    <p:spTree>
+      <p:nvGrpSpPr>
+        <p:cNvPr id="1" name=""/>
+        <p:cNvGrpSpPr/>
+        <p:nvPr/>
+      </p:nvGrpSpPr>
+      <p:grpSpPr>
+        <a:xfrm>
+          <a:off x="0" y="0"/>
+          <a:ext cx="0" cy="0"/>
+          <a:chOff x="0" y="0"/>
+          <a:chExt cx="0" cy="0"/>
+        </a:xfrm>
+      </p:grpSpPr>
+      <p:sp>
+        <p:nvSpPr>
+          <p:cNvPr id="231" name="PlaceHolder 1"/>
+          <p:cNvSpPr>
+            <a:spLocks noGrp="1"/>
+          </p:cNvSpPr>
+          <p:nvPr>
+            <p:ph type="title"/>
+          </p:nvPr>
+        </p:nvSpPr>
+        <p:spPr>
+          <a:xfrm>
+            <a:off x="457200" y="205200"/>
+            <a:ext cx="8229240" cy="858600"/>
+          </a:xfrm>
+          <a:prstGeom prst="rect">
+            <a:avLst/>
+          </a:prstGeom>
+          <a:noFill/>
+          <a:ln w="0">
+            <a:noFill/>
+          </a:ln>
+        </p:spPr>
+        <p:txBody>
+          <a:bodyPr lIns="0" rIns="0" tIns="0" bIns="0" anchor="ctr">
+            <a:noAutofit/>
+          </a:bodyPr>
+          <a:p>
+            <a:pPr algn="ctr">
+              <a:buNone/>
+            </a:pPr>
+            <a:endParaRPr b="0" lang="en-US" sz="4400" spc="-1" strike="noStrike">
+              <a:latin typeface="Arial"/>
+            </a:endParaRPr>
+          </a:p>
+        </p:txBody>
+      </p:sp>
+      <p:sp>
+        <p:nvSpPr>
+          <p:cNvPr id="232" name="PlaceHolder 2"/>
+          <p:cNvSpPr>
+            <a:spLocks noGrp="1"/>
+          </p:cNvSpPr>
+          <p:nvPr>
+            <p:ph/>
+          </p:nvPr>
+        </p:nvSpPr>
+        <p:spPr>
+          <a:xfrm>
+            <a:off x="457200" y="1203480"/>
+            <a:ext cx="4015800" cy="1422720"/>
+          </a:xfrm>
+          <a:prstGeom prst="rect">
+            <a:avLst/>
+          </a:prstGeom>
+          <a:noFill/>
+          <a:ln w="0">
+            <a:noFill/>
+          </a:ln>
+        </p:spPr>
+        <p:txBody>
+          <a:bodyPr lIns="0" rIns="0" tIns="0" bIns="0" anchor="t">
+            <a:normAutofit/>
+          </a:bodyPr>
+          <a:p>
+            <a:endParaRPr b="0" lang="en-US" sz="3200" spc="-1" strike="noStrike">
+              <a:latin typeface="Arial"/>
+            </a:endParaRPr>
+          </a:p>
+        </p:txBody>
+      </p:sp>
+      <p:sp>
+        <p:nvSpPr>
+          <p:cNvPr id="233" name="PlaceHolder 3"/>
+          <p:cNvSpPr>
+            <a:spLocks noGrp="1"/>
+          </p:cNvSpPr>
+          <p:nvPr>
+            <p:ph/>
+          </p:nvPr>
+        </p:nvSpPr>
+        <p:spPr>
+          <a:xfrm>
+            <a:off x="4674240" y="1203480"/>
+            <a:ext cx="4015800" cy="2982960"/>
+          </a:xfrm>
+          <a:prstGeom prst="rect">
+            <a:avLst/>
+          </a:prstGeom>
+          <a:noFill/>
+          <a:ln w="0">
+            <a:noFill/>
+          </a:ln>
+        </p:spPr>
+        <p:txBody>
+          <a:bodyPr lIns="0" rIns="0" tIns="0" bIns="0" anchor="t">
+            <a:normAutofit/>
+          </a:bodyPr>
+          <a:p>
+            <a:endParaRPr b="0" lang="en-US" sz="3200" spc="-1" strike="noStrike">
+              <a:latin typeface="Arial"/>
+            </a:endParaRPr>
+          </a:p>
+        </p:txBody>
+      </p:sp>
+      <p:sp>
+        <p:nvSpPr>
+          <p:cNvPr id="234" name="PlaceHolder 4"/>
+          <p:cNvSpPr>
+            <a:spLocks noGrp="1"/>
+          </p:cNvSpPr>
+          <p:nvPr>
+            <p:ph/>
+          </p:nvPr>
+        </p:nvSpPr>
+        <p:spPr>
+          <a:xfrm>
+            <a:off x="457200" y="2761920"/>
+            <a:ext cx="4015800" cy="1422720"/>
+          </a:xfrm>
+          <a:prstGeom prst="rect">
+            <a:avLst/>
+          </a:prstGeom>
+          <a:noFill/>
+          <a:ln w="0">
+            <a:noFill/>
+          </a:ln>
+        </p:spPr>
+        <p:txBody>
+          <a:bodyPr lIns="0" rIns="0" tIns="0" bIns="0" anchor="t">
+            <a:normAutofit/>
+          </a:bodyPr>
+          <a:p>
+            <a:endParaRPr b="0" lang="en-US" sz="3200" spc="-1" strike="noStrike">
+              <a:latin typeface="Arial"/>
+            </a:endParaRPr>
+          </a:p>
+        </p:txBody>
+      </p:sp>
+    </p:spTree>
+  </p:cSld>
+</p:sldLayout>
+</file>
+
+<file path=ppt/slideLayouts/slideLayout68.xml><?xml version="1.0" encoding="utf-8"?>
+<p:sldLayout xmlns:a="http://schemas.openxmlformats.org/drawingml/2006/main" xmlns:p="http://schemas.openxmlformats.org/presentationml/2006/main" xmlns:r="http://schemas.openxmlformats.org/officeDocument/2006/relationships" xmlns:p14="http://schemas.microsoft.com/office/powerpoint/2010/main" xmlns:p15="http://schemas.microsoft.com/office/powerpoint/2012/main" xmlns:mc="http://schemas.openxmlformats.org/markup-compatibility/2006" type="objAndTwoObj" preserve="1">
+  <p:cSld name="Title Content and 2 Content">
+    <p:spTree>
+      <p:nvGrpSpPr>
+        <p:cNvPr id="1" name=""/>
+        <p:cNvGrpSpPr/>
+        <p:nvPr/>
+      </p:nvGrpSpPr>
+      <p:grpSpPr>
+        <a:xfrm>
+          <a:off x="0" y="0"/>
+          <a:ext cx="0" cy="0"/>
+          <a:chOff x="0" y="0"/>
+          <a:chExt cx="0" cy="0"/>
+        </a:xfrm>
+      </p:grpSpPr>
+      <p:sp>
+        <p:nvSpPr>
+          <p:cNvPr id="235" name="PlaceHolder 1"/>
+          <p:cNvSpPr>
+            <a:spLocks noGrp="1"/>
+          </p:cNvSpPr>
+          <p:nvPr>
+            <p:ph type="title"/>
+          </p:nvPr>
+        </p:nvSpPr>
+        <p:spPr>
+          <a:xfrm>
+            <a:off x="457200" y="205200"/>
+            <a:ext cx="8229240" cy="858600"/>
+          </a:xfrm>
+          <a:prstGeom prst="rect">
+            <a:avLst/>
+          </a:prstGeom>
+          <a:noFill/>
+          <a:ln w="0">
+            <a:noFill/>
+          </a:ln>
+        </p:spPr>
+        <p:txBody>
+          <a:bodyPr lIns="0" rIns="0" tIns="0" bIns="0" anchor="ctr">
+            <a:noAutofit/>
+          </a:bodyPr>
+          <a:p>
+            <a:pPr algn="ctr">
+              <a:buNone/>
+            </a:pPr>
+            <a:endParaRPr b="0" lang="en-US" sz="4400" spc="-1" strike="noStrike">
+              <a:latin typeface="Arial"/>
+            </a:endParaRPr>
+          </a:p>
+        </p:txBody>
+      </p:sp>
+      <p:sp>
+        <p:nvSpPr>
+          <p:cNvPr id="236" name="PlaceHolder 2"/>
+          <p:cNvSpPr>
+            <a:spLocks noGrp="1"/>
+          </p:cNvSpPr>
+          <p:nvPr>
+            <p:ph/>
+          </p:nvPr>
+        </p:nvSpPr>
+        <p:spPr>
+          <a:xfrm>
+            <a:off x="457200" y="1203480"/>
+            <a:ext cx="4015800" cy="2982960"/>
+          </a:xfrm>
+          <a:prstGeom prst="rect">
+            <a:avLst/>
+          </a:prstGeom>
+          <a:noFill/>
+          <a:ln w="0">
+            <a:noFill/>
+          </a:ln>
+        </p:spPr>
+        <p:txBody>
+          <a:bodyPr lIns="0" rIns="0" tIns="0" bIns="0" anchor="t">
+            <a:normAutofit/>
+          </a:bodyPr>
+          <a:p>
+            <a:endParaRPr b="0" lang="en-US" sz="3200" spc="-1" strike="noStrike">
+              <a:latin typeface="Arial"/>
+            </a:endParaRPr>
+          </a:p>
+        </p:txBody>
+      </p:sp>
+      <p:sp>
+        <p:nvSpPr>
+          <p:cNvPr id="237" name="PlaceHolder 3"/>
+          <p:cNvSpPr>
+            <a:spLocks noGrp="1"/>
+          </p:cNvSpPr>
+          <p:nvPr>
+            <p:ph/>
+          </p:nvPr>
+        </p:nvSpPr>
+        <p:spPr>
+          <a:xfrm>
+            <a:off x="4674240" y="1203480"/>
+            <a:ext cx="4015800" cy="1422720"/>
+          </a:xfrm>
+          <a:prstGeom prst="rect">
+            <a:avLst/>
+          </a:prstGeom>
+          <a:noFill/>
+          <a:ln w="0">
+            <a:noFill/>
+          </a:ln>
+        </p:spPr>
+        <p:txBody>
+          <a:bodyPr lIns="0" rIns="0" tIns="0" bIns="0" anchor="t">
+            <a:normAutofit/>
+          </a:bodyPr>
+          <a:p>
+            <a:endParaRPr b="0" lang="en-US" sz="3200" spc="-1" strike="noStrike">
+              <a:latin typeface="Arial"/>
+            </a:endParaRPr>
+          </a:p>
+        </p:txBody>
+      </p:sp>
+      <p:sp>
+        <p:nvSpPr>
+          <p:cNvPr id="238" name="PlaceHolder 4"/>
+          <p:cNvSpPr>
+            <a:spLocks noGrp="1"/>
+          </p:cNvSpPr>
+          <p:nvPr>
+            <p:ph/>
+          </p:nvPr>
+        </p:nvSpPr>
+        <p:spPr>
+          <a:xfrm>
+            <a:off x="4674240" y="2761920"/>
+            <a:ext cx="4015800" cy="1422720"/>
+          </a:xfrm>
+          <a:prstGeom prst="rect">
+            <a:avLst/>
+          </a:prstGeom>
+          <a:noFill/>
+          <a:ln w="0">
+            <a:noFill/>
+          </a:ln>
+        </p:spPr>
+        <p:txBody>
+          <a:bodyPr lIns="0" rIns="0" tIns="0" bIns="0" anchor="t">
+            <a:normAutofit/>
+          </a:bodyPr>
+          <a:p>
+            <a:endParaRPr b="0" lang="en-US" sz="3200" spc="-1" strike="noStrike">
+              <a:latin typeface="Arial"/>
+            </a:endParaRPr>
+          </a:p>
+        </p:txBody>
+      </p:sp>
+    </p:spTree>
+  </p:cSld>
+</p:sldLayout>
+</file>
+
+<file path=ppt/slideLayouts/slideLayout69.xml><?xml version="1.0" encoding="utf-8"?>
+<p:sldLayout xmlns:a="http://schemas.openxmlformats.org/drawingml/2006/main" xmlns:p="http://schemas.openxmlformats.org/presentationml/2006/main" xmlns:r="http://schemas.openxmlformats.org/officeDocument/2006/relationships" xmlns:p14="http://schemas.microsoft.com/office/powerpoint/2010/main" xmlns:p15="http://schemas.microsoft.com/office/powerpoint/2012/main" xmlns:mc="http://schemas.openxmlformats.org/markup-compatibility/2006" type="twoObjOverTx" preserve="1">
+  <p:cSld name="Title, 2 Content over Content">
+    <p:spTree>
+      <p:nvGrpSpPr>
+        <p:cNvPr id="1" name=""/>
+        <p:cNvGrpSpPr/>
+        <p:nvPr/>
+      </p:nvGrpSpPr>
+      <p:grpSpPr>
+        <a:xfrm>
+          <a:off x="0" y="0"/>
+          <a:ext cx="0" cy="0"/>
+          <a:chOff x="0" y="0"/>
+          <a:chExt cx="0" cy="0"/>
+        </a:xfrm>
+      </p:grpSpPr>
+      <p:sp>
+        <p:nvSpPr>
+          <p:cNvPr id="239" name="PlaceHolder 1"/>
+          <p:cNvSpPr>
+            <a:spLocks noGrp="1"/>
+          </p:cNvSpPr>
+          <p:nvPr>
+            <p:ph type="title"/>
+          </p:nvPr>
+        </p:nvSpPr>
+        <p:spPr>
+          <a:xfrm>
+            <a:off x="457200" y="205200"/>
+            <a:ext cx="8229240" cy="858600"/>
+          </a:xfrm>
+          <a:prstGeom prst="rect">
+            <a:avLst/>
+          </a:prstGeom>
+          <a:noFill/>
+          <a:ln w="0">
+            <a:noFill/>
+          </a:ln>
+        </p:spPr>
+        <p:txBody>
+          <a:bodyPr lIns="0" rIns="0" tIns="0" bIns="0" anchor="ctr">
+            <a:noAutofit/>
+          </a:bodyPr>
+          <a:p>
+            <a:pPr algn="ctr">
+              <a:buNone/>
+            </a:pPr>
+            <a:endParaRPr b="0" lang="en-US" sz="4400" spc="-1" strike="noStrike">
+              <a:latin typeface="Arial"/>
+            </a:endParaRPr>
+          </a:p>
+        </p:txBody>
+      </p:sp>
+      <p:sp>
+        <p:nvSpPr>
+          <p:cNvPr id="240" name="PlaceHolder 2"/>
+          <p:cNvSpPr>
+            <a:spLocks noGrp="1"/>
+          </p:cNvSpPr>
+          <p:nvPr>
+            <p:ph/>
+          </p:nvPr>
+        </p:nvSpPr>
+        <p:spPr>
+          <a:xfrm>
+            <a:off x="457200" y="1203480"/>
+            <a:ext cx="4015800" cy="1422720"/>
+          </a:xfrm>
+          <a:prstGeom prst="rect">
+            <a:avLst/>
+          </a:prstGeom>
+          <a:noFill/>
+          <a:ln w="0">
+            <a:noFill/>
+          </a:ln>
+        </p:spPr>
+        <p:txBody>
+          <a:bodyPr lIns="0" rIns="0" tIns="0" bIns="0" anchor="t">
+            <a:normAutofit/>
+          </a:bodyPr>
+          <a:p>
+            <a:endParaRPr b="0" lang="en-US" sz="3200" spc="-1" strike="noStrike">
+              <a:latin typeface="Arial"/>
+            </a:endParaRPr>
+          </a:p>
+        </p:txBody>
+      </p:sp>
+      <p:sp>
+        <p:nvSpPr>
+          <p:cNvPr id="241" name="PlaceHolder 3"/>
+          <p:cNvSpPr>
+            <a:spLocks noGrp="1"/>
+          </p:cNvSpPr>
+          <p:nvPr>
+            <p:ph/>
+          </p:nvPr>
+        </p:nvSpPr>
+        <p:spPr>
+          <a:xfrm>
+            <a:off x="4674240" y="1203480"/>
+            <a:ext cx="4015800" cy="1422720"/>
+          </a:xfrm>
+          <a:prstGeom prst="rect">
+            <a:avLst/>
+          </a:prstGeom>
+          <a:noFill/>
+          <a:ln w="0">
+            <a:noFill/>
+          </a:ln>
+        </p:spPr>
+        <p:txBody>
+          <a:bodyPr lIns="0" rIns="0" tIns="0" bIns="0" anchor="t">
+            <a:normAutofit/>
+          </a:bodyPr>
+          <a:p>
+            <a:endParaRPr b="0" lang="en-US" sz="3200" spc="-1" strike="noStrike">
+              <a:latin typeface="Arial"/>
+            </a:endParaRPr>
+          </a:p>
+        </p:txBody>
+      </p:sp>
+      <p:sp>
+        <p:nvSpPr>
+          <p:cNvPr id="242" name="PlaceHolder 4"/>
+          <p:cNvSpPr>
+            <a:spLocks noGrp="1"/>
+          </p:cNvSpPr>
+          <p:nvPr>
+            <p:ph/>
+          </p:nvPr>
+        </p:nvSpPr>
+        <p:spPr>
+          <a:xfrm>
+            <a:off x="457200" y="2761920"/>
+            <a:ext cx="8229240" cy="1422720"/>
+          </a:xfrm>
+          <a:prstGeom prst="rect">
+            <a:avLst/>
+          </a:prstGeom>
+          <a:noFill/>
+          <a:ln w="0">
+            <a:noFill/>
+          </a:ln>
+        </p:spPr>
+        <p:txBody>
+          <a:bodyPr lIns="0" rIns="0" tIns="0" bIns="0" anchor="t">
+            <a:normAutofit/>
+          </a:bodyPr>
+          <a:p>
+            <a:endParaRPr b="0" lang="en-US" sz="3200" spc="-1" strike="noStrike">
+              <a:latin typeface="Arial"/>
+            </a:endParaRPr>
+          </a:p>
+        </p:txBody>
+      </p:sp>
+    </p:spTree>
+  </p:cSld>
+</p:sldLayout>
+</file>
+
 <file path=ppt/slideLayouts/slideLayout7.xml><?xml version="1.0" encoding="utf-8"?>
 <p:sldLayout xmlns:a="http://schemas.openxmlformats.org/drawingml/2006/main" xmlns:p="http://schemas.openxmlformats.org/presentationml/2006/main" xmlns:r="http://schemas.openxmlformats.org/officeDocument/2006/relationships" xmlns:p14="http://schemas.microsoft.com/office/powerpoint/2010/main" xmlns:p15="http://schemas.microsoft.com/office/powerpoint/2012/main" xmlns:mc="http://schemas.openxmlformats.org/markup-compatibility/2006" type="twoObjAndObj" preserve="1">
   <p:cSld name="Title, 2 Content and Content">
@@ -7297,6 +8237,591 @@
           <a:xfrm>
             <a:off x="457200" y="2761920"/>
             <a:ext cx="4015800" cy="1422720"/>
+          </a:xfrm>
+          <a:prstGeom prst="rect">
+            <a:avLst/>
+          </a:prstGeom>
+          <a:noFill/>
+          <a:ln w="0">
+            <a:noFill/>
+          </a:ln>
+        </p:spPr>
+        <p:txBody>
+          <a:bodyPr lIns="0" rIns="0" tIns="0" bIns="0" anchor="t">
+            <a:normAutofit/>
+          </a:bodyPr>
+          <a:p>
+            <a:endParaRPr b="0" lang="en-US" sz="3200" spc="-1" strike="noStrike">
+              <a:latin typeface="Arial"/>
+            </a:endParaRPr>
+          </a:p>
+        </p:txBody>
+      </p:sp>
+    </p:spTree>
+  </p:cSld>
+</p:sldLayout>
+</file>
+
+<file path=ppt/slideLayouts/slideLayout70.xml><?xml version="1.0" encoding="utf-8"?>
+<p:sldLayout xmlns:a="http://schemas.openxmlformats.org/drawingml/2006/main" xmlns:p="http://schemas.openxmlformats.org/presentationml/2006/main" xmlns:r="http://schemas.openxmlformats.org/officeDocument/2006/relationships" xmlns:p14="http://schemas.microsoft.com/office/powerpoint/2010/main" xmlns:p15="http://schemas.microsoft.com/office/powerpoint/2012/main" xmlns:mc="http://schemas.openxmlformats.org/markup-compatibility/2006" type="objOverTx" preserve="1">
+  <p:cSld name="Title, Content over Content">
+    <p:spTree>
+      <p:nvGrpSpPr>
+        <p:cNvPr id="1" name=""/>
+        <p:cNvGrpSpPr/>
+        <p:nvPr/>
+      </p:nvGrpSpPr>
+      <p:grpSpPr>
+        <a:xfrm>
+          <a:off x="0" y="0"/>
+          <a:ext cx="0" cy="0"/>
+          <a:chOff x="0" y="0"/>
+          <a:chExt cx="0" cy="0"/>
+        </a:xfrm>
+      </p:grpSpPr>
+      <p:sp>
+        <p:nvSpPr>
+          <p:cNvPr id="243" name="PlaceHolder 1"/>
+          <p:cNvSpPr>
+            <a:spLocks noGrp="1"/>
+          </p:cNvSpPr>
+          <p:nvPr>
+            <p:ph type="title"/>
+          </p:nvPr>
+        </p:nvSpPr>
+        <p:spPr>
+          <a:xfrm>
+            <a:off x="457200" y="205200"/>
+            <a:ext cx="8229240" cy="858600"/>
+          </a:xfrm>
+          <a:prstGeom prst="rect">
+            <a:avLst/>
+          </a:prstGeom>
+          <a:noFill/>
+          <a:ln w="0">
+            <a:noFill/>
+          </a:ln>
+        </p:spPr>
+        <p:txBody>
+          <a:bodyPr lIns="0" rIns="0" tIns="0" bIns="0" anchor="ctr">
+            <a:noAutofit/>
+          </a:bodyPr>
+          <a:p>
+            <a:pPr algn="ctr">
+              <a:buNone/>
+            </a:pPr>
+            <a:endParaRPr b="0" lang="en-US" sz="4400" spc="-1" strike="noStrike">
+              <a:latin typeface="Arial"/>
+            </a:endParaRPr>
+          </a:p>
+        </p:txBody>
+      </p:sp>
+      <p:sp>
+        <p:nvSpPr>
+          <p:cNvPr id="244" name="PlaceHolder 2"/>
+          <p:cNvSpPr>
+            <a:spLocks noGrp="1"/>
+          </p:cNvSpPr>
+          <p:nvPr>
+            <p:ph/>
+          </p:nvPr>
+        </p:nvSpPr>
+        <p:spPr>
+          <a:xfrm>
+            <a:off x="457200" y="1203480"/>
+            <a:ext cx="8229240" cy="1422720"/>
+          </a:xfrm>
+          <a:prstGeom prst="rect">
+            <a:avLst/>
+          </a:prstGeom>
+          <a:noFill/>
+          <a:ln w="0">
+            <a:noFill/>
+          </a:ln>
+        </p:spPr>
+        <p:txBody>
+          <a:bodyPr lIns="0" rIns="0" tIns="0" bIns="0" anchor="t">
+            <a:normAutofit/>
+          </a:bodyPr>
+          <a:p>
+            <a:endParaRPr b="0" lang="en-US" sz="3200" spc="-1" strike="noStrike">
+              <a:latin typeface="Arial"/>
+            </a:endParaRPr>
+          </a:p>
+        </p:txBody>
+      </p:sp>
+      <p:sp>
+        <p:nvSpPr>
+          <p:cNvPr id="245" name="PlaceHolder 3"/>
+          <p:cNvSpPr>
+            <a:spLocks noGrp="1"/>
+          </p:cNvSpPr>
+          <p:nvPr>
+            <p:ph/>
+          </p:nvPr>
+        </p:nvSpPr>
+        <p:spPr>
+          <a:xfrm>
+            <a:off x="457200" y="2761920"/>
+            <a:ext cx="8229240" cy="1422720"/>
+          </a:xfrm>
+          <a:prstGeom prst="rect">
+            <a:avLst/>
+          </a:prstGeom>
+          <a:noFill/>
+          <a:ln w="0">
+            <a:noFill/>
+          </a:ln>
+        </p:spPr>
+        <p:txBody>
+          <a:bodyPr lIns="0" rIns="0" tIns="0" bIns="0" anchor="t">
+            <a:normAutofit/>
+          </a:bodyPr>
+          <a:p>
+            <a:endParaRPr b="0" lang="en-US" sz="3200" spc="-1" strike="noStrike">
+              <a:latin typeface="Arial"/>
+            </a:endParaRPr>
+          </a:p>
+        </p:txBody>
+      </p:sp>
+    </p:spTree>
+  </p:cSld>
+</p:sldLayout>
+</file>
+
+<file path=ppt/slideLayouts/slideLayout71.xml><?xml version="1.0" encoding="utf-8"?>
+<p:sldLayout xmlns:a="http://schemas.openxmlformats.org/drawingml/2006/main" xmlns:p="http://schemas.openxmlformats.org/presentationml/2006/main" xmlns:r="http://schemas.openxmlformats.org/officeDocument/2006/relationships" xmlns:p14="http://schemas.microsoft.com/office/powerpoint/2010/main" xmlns:p15="http://schemas.microsoft.com/office/powerpoint/2012/main" xmlns:mc="http://schemas.openxmlformats.org/markup-compatibility/2006" type="fourObj" preserve="1">
+  <p:cSld name="Title, 4 Content">
+    <p:spTree>
+      <p:nvGrpSpPr>
+        <p:cNvPr id="1" name=""/>
+        <p:cNvGrpSpPr/>
+        <p:nvPr/>
+      </p:nvGrpSpPr>
+      <p:grpSpPr>
+        <a:xfrm>
+          <a:off x="0" y="0"/>
+          <a:ext cx="0" cy="0"/>
+          <a:chOff x="0" y="0"/>
+          <a:chExt cx="0" cy="0"/>
+        </a:xfrm>
+      </p:grpSpPr>
+      <p:sp>
+        <p:nvSpPr>
+          <p:cNvPr id="246" name="PlaceHolder 1"/>
+          <p:cNvSpPr>
+            <a:spLocks noGrp="1"/>
+          </p:cNvSpPr>
+          <p:nvPr>
+            <p:ph type="title"/>
+          </p:nvPr>
+        </p:nvSpPr>
+        <p:spPr>
+          <a:xfrm>
+            <a:off x="457200" y="205200"/>
+            <a:ext cx="8229240" cy="858600"/>
+          </a:xfrm>
+          <a:prstGeom prst="rect">
+            <a:avLst/>
+          </a:prstGeom>
+          <a:noFill/>
+          <a:ln w="0">
+            <a:noFill/>
+          </a:ln>
+        </p:spPr>
+        <p:txBody>
+          <a:bodyPr lIns="0" rIns="0" tIns="0" bIns="0" anchor="ctr">
+            <a:noAutofit/>
+          </a:bodyPr>
+          <a:p>
+            <a:pPr algn="ctr">
+              <a:buNone/>
+            </a:pPr>
+            <a:endParaRPr b="0" lang="en-US" sz="4400" spc="-1" strike="noStrike">
+              <a:latin typeface="Arial"/>
+            </a:endParaRPr>
+          </a:p>
+        </p:txBody>
+      </p:sp>
+      <p:sp>
+        <p:nvSpPr>
+          <p:cNvPr id="247" name="PlaceHolder 2"/>
+          <p:cNvSpPr>
+            <a:spLocks noGrp="1"/>
+          </p:cNvSpPr>
+          <p:nvPr>
+            <p:ph/>
+          </p:nvPr>
+        </p:nvSpPr>
+        <p:spPr>
+          <a:xfrm>
+            <a:off x="457200" y="1203480"/>
+            <a:ext cx="4015800" cy="1422720"/>
+          </a:xfrm>
+          <a:prstGeom prst="rect">
+            <a:avLst/>
+          </a:prstGeom>
+          <a:noFill/>
+          <a:ln w="0">
+            <a:noFill/>
+          </a:ln>
+        </p:spPr>
+        <p:txBody>
+          <a:bodyPr lIns="0" rIns="0" tIns="0" bIns="0" anchor="t">
+            <a:normAutofit/>
+          </a:bodyPr>
+          <a:p>
+            <a:endParaRPr b="0" lang="en-US" sz="3200" spc="-1" strike="noStrike">
+              <a:latin typeface="Arial"/>
+            </a:endParaRPr>
+          </a:p>
+        </p:txBody>
+      </p:sp>
+      <p:sp>
+        <p:nvSpPr>
+          <p:cNvPr id="248" name="PlaceHolder 3"/>
+          <p:cNvSpPr>
+            <a:spLocks noGrp="1"/>
+          </p:cNvSpPr>
+          <p:nvPr>
+            <p:ph/>
+          </p:nvPr>
+        </p:nvSpPr>
+        <p:spPr>
+          <a:xfrm>
+            <a:off x="4674240" y="1203480"/>
+            <a:ext cx="4015800" cy="1422720"/>
+          </a:xfrm>
+          <a:prstGeom prst="rect">
+            <a:avLst/>
+          </a:prstGeom>
+          <a:noFill/>
+          <a:ln w="0">
+            <a:noFill/>
+          </a:ln>
+        </p:spPr>
+        <p:txBody>
+          <a:bodyPr lIns="0" rIns="0" tIns="0" bIns="0" anchor="t">
+            <a:normAutofit/>
+          </a:bodyPr>
+          <a:p>
+            <a:endParaRPr b="0" lang="en-US" sz="3200" spc="-1" strike="noStrike">
+              <a:latin typeface="Arial"/>
+            </a:endParaRPr>
+          </a:p>
+        </p:txBody>
+      </p:sp>
+      <p:sp>
+        <p:nvSpPr>
+          <p:cNvPr id="249" name="PlaceHolder 4"/>
+          <p:cNvSpPr>
+            <a:spLocks noGrp="1"/>
+          </p:cNvSpPr>
+          <p:nvPr>
+            <p:ph/>
+          </p:nvPr>
+        </p:nvSpPr>
+        <p:spPr>
+          <a:xfrm>
+            <a:off x="457200" y="2761920"/>
+            <a:ext cx="4015800" cy="1422720"/>
+          </a:xfrm>
+          <a:prstGeom prst="rect">
+            <a:avLst/>
+          </a:prstGeom>
+          <a:noFill/>
+          <a:ln w="0">
+            <a:noFill/>
+          </a:ln>
+        </p:spPr>
+        <p:txBody>
+          <a:bodyPr lIns="0" rIns="0" tIns="0" bIns="0" anchor="t">
+            <a:normAutofit/>
+          </a:bodyPr>
+          <a:p>
+            <a:endParaRPr b="0" lang="en-US" sz="3200" spc="-1" strike="noStrike">
+              <a:latin typeface="Arial"/>
+            </a:endParaRPr>
+          </a:p>
+        </p:txBody>
+      </p:sp>
+      <p:sp>
+        <p:nvSpPr>
+          <p:cNvPr id="250" name="PlaceHolder 5"/>
+          <p:cNvSpPr>
+            <a:spLocks noGrp="1"/>
+          </p:cNvSpPr>
+          <p:nvPr>
+            <p:ph/>
+          </p:nvPr>
+        </p:nvSpPr>
+        <p:spPr>
+          <a:xfrm>
+            <a:off x="4674240" y="2761920"/>
+            <a:ext cx="4015800" cy="1422720"/>
+          </a:xfrm>
+          <a:prstGeom prst="rect">
+            <a:avLst/>
+          </a:prstGeom>
+          <a:noFill/>
+          <a:ln w="0">
+            <a:noFill/>
+          </a:ln>
+        </p:spPr>
+        <p:txBody>
+          <a:bodyPr lIns="0" rIns="0" tIns="0" bIns="0" anchor="t">
+            <a:normAutofit/>
+          </a:bodyPr>
+          <a:p>
+            <a:endParaRPr b="0" lang="en-US" sz="3200" spc="-1" strike="noStrike">
+              <a:latin typeface="Arial"/>
+            </a:endParaRPr>
+          </a:p>
+        </p:txBody>
+      </p:sp>
+    </p:spTree>
+  </p:cSld>
+</p:sldLayout>
+</file>
+
+<file path=ppt/slideLayouts/slideLayout72.xml><?xml version="1.0" encoding="utf-8"?>
+<p:sldLayout xmlns:a="http://schemas.openxmlformats.org/drawingml/2006/main" xmlns:p="http://schemas.openxmlformats.org/presentationml/2006/main" xmlns:r="http://schemas.openxmlformats.org/officeDocument/2006/relationships" xmlns:p14="http://schemas.microsoft.com/office/powerpoint/2010/main" xmlns:p15="http://schemas.microsoft.com/office/powerpoint/2012/main" xmlns:mc="http://schemas.openxmlformats.org/markup-compatibility/2006" type="blank" preserve="1">
+  <p:cSld name="Title, 6 Content">
+    <p:spTree>
+      <p:nvGrpSpPr>
+        <p:cNvPr id="1" name=""/>
+        <p:cNvGrpSpPr/>
+        <p:nvPr/>
+      </p:nvGrpSpPr>
+      <p:grpSpPr>
+        <a:xfrm>
+          <a:off x="0" y="0"/>
+          <a:ext cx="0" cy="0"/>
+          <a:chOff x="0" y="0"/>
+          <a:chExt cx="0" cy="0"/>
+        </a:xfrm>
+      </p:grpSpPr>
+      <p:sp>
+        <p:nvSpPr>
+          <p:cNvPr id="251" name="PlaceHolder 1"/>
+          <p:cNvSpPr>
+            <a:spLocks noGrp="1"/>
+          </p:cNvSpPr>
+          <p:nvPr>
+            <p:ph type="title"/>
+          </p:nvPr>
+        </p:nvSpPr>
+        <p:spPr>
+          <a:xfrm>
+            <a:off x="457200" y="205200"/>
+            <a:ext cx="8229240" cy="858600"/>
+          </a:xfrm>
+          <a:prstGeom prst="rect">
+            <a:avLst/>
+          </a:prstGeom>
+          <a:noFill/>
+          <a:ln w="0">
+            <a:noFill/>
+          </a:ln>
+        </p:spPr>
+        <p:txBody>
+          <a:bodyPr lIns="0" rIns="0" tIns="0" bIns="0" anchor="ctr">
+            <a:noAutofit/>
+          </a:bodyPr>
+          <a:p>
+            <a:pPr algn="ctr">
+              <a:buNone/>
+            </a:pPr>
+            <a:endParaRPr b="0" lang="en-US" sz="4400" spc="-1" strike="noStrike">
+              <a:latin typeface="Arial"/>
+            </a:endParaRPr>
+          </a:p>
+        </p:txBody>
+      </p:sp>
+      <p:sp>
+        <p:nvSpPr>
+          <p:cNvPr id="252" name="PlaceHolder 2"/>
+          <p:cNvSpPr>
+            <a:spLocks noGrp="1"/>
+          </p:cNvSpPr>
+          <p:nvPr>
+            <p:ph/>
+          </p:nvPr>
+        </p:nvSpPr>
+        <p:spPr>
+          <a:xfrm>
+            <a:off x="457200" y="1203480"/>
+            <a:ext cx="2649600" cy="1422720"/>
+          </a:xfrm>
+          <a:prstGeom prst="rect">
+            <a:avLst/>
+          </a:prstGeom>
+          <a:noFill/>
+          <a:ln w="0">
+            <a:noFill/>
+          </a:ln>
+        </p:spPr>
+        <p:txBody>
+          <a:bodyPr lIns="0" rIns="0" tIns="0" bIns="0" anchor="t">
+            <a:normAutofit/>
+          </a:bodyPr>
+          <a:p>
+            <a:endParaRPr b="0" lang="en-US" sz="3200" spc="-1" strike="noStrike">
+              <a:latin typeface="Arial"/>
+            </a:endParaRPr>
+          </a:p>
+        </p:txBody>
+      </p:sp>
+      <p:sp>
+        <p:nvSpPr>
+          <p:cNvPr id="253" name="PlaceHolder 3"/>
+          <p:cNvSpPr>
+            <a:spLocks noGrp="1"/>
+          </p:cNvSpPr>
+          <p:nvPr>
+            <p:ph/>
+          </p:nvPr>
+        </p:nvSpPr>
+        <p:spPr>
+          <a:xfrm>
+            <a:off x="3239640" y="1203480"/>
+            <a:ext cx="2649600" cy="1422720"/>
+          </a:xfrm>
+          <a:prstGeom prst="rect">
+            <a:avLst/>
+          </a:prstGeom>
+          <a:noFill/>
+          <a:ln w="0">
+            <a:noFill/>
+          </a:ln>
+        </p:spPr>
+        <p:txBody>
+          <a:bodyPr lIns="0" rIns="0" tIns="0" bIns="0" anchor="t">
+            <a:normAutofit/>
+          </a:bodyPr>
+          <a:p>
+            <a:endParaRPr b="0" lang="en-US" sz="3200" spc="-1" strike="noStrike">
+              <a:latin typeface="Arial"/>
+            </a:endParaRPr>
+          </a:p>
+        </p:txBody>
+      </p:sp>
+      <p:sp>
+        <p:nvSpPr>
+          <p:cNvPr id="254" name="PlaceHolder 4"/>
+          <p:cNvSpPr>
+            <a:spLocks noGrp="1"/>
+          </p:cNvSpPr>
+          <p:nvPr>
+            <p:ph/>
+          </p:nvPr>
+        </p:nvSpPr>
+        <p:spPr>
+          <a:xfrm>
+            <a:off x="6022080" y="1203480"/>
+            <a:ext cx="2649600" cy="1422720"/>
+          </a:xfrm>
+          <a:prstGeom prst="rect">
+            <a:avLst/>
+          </a:prstGeom>
+          <a:noFill/>
+          <a:ln w="0">
+            <a:noFill/>
+          </a:ln>
+        </p:spPr>
+        <p:txBody>
+          <a:bodyPr lIns="0" rIns="0" tIns="0" bIns="0" anchor="t">
+            <a:normAutofit/>
+          </a:bodyPr>
+          <a:p>
+            <a:endParaRPr b="0" lang="en-US" sz="3200" spc="-1" strike="noStrike">
+              <a:latin typeface="Arial"/>
+            </a:endParaRPr>
+          </a:p>
+        </p:txBody>
+      </p:sp>
+      <p:sp>
+        <p:nvSpPr>
+          <p:cNvPr id="255" name="PlaceHolder 5"/>
+          <p:cNvSpPr>
+            <a:spLocks noGrp="1"/>
+          </p:cNvSpPr>
+          <p:nvPr>
+            <p:ph/>
+          </p:nvPr>
+        </p:nvSpPr>
+        <p:spPr>
+          <a:xfrm>
+            <a:off x="457200" y="2761920"/>
+            <a:ext cx="2649600" cy="1422720"/>
+          </a:xfrm>
+          <a:prstGeom prst="rect">
+            <a:avLst/>
+          </a:prstGeom>
+          <a:noFill/>
+          <a:ln w="0">
+            <a:noFill/>
+          </a:ln>
+        </p:spPr>
+        <p:txBody>
+          <a:bodyPr lIns="0" rIns="0" tIns="0" bIns="0" anchor="t">
+            <a:normAutofit/>
+          </a:bodyPr>
+          <a:p>
+            <a:endParaRPr b="0" lang="en-US" sz="3200" spc="-1" strike="noStrike">
+              <a:latin typeface="Arial"/>
+            </a:endParaRPr>
+          </a:p>
+        </p:txBody>
+      </p:sp>
+      <p:sp>
+        <p:nvSpPr>
+          <p:cNvPr id="256" name="PlaceHolder 6"/>
+          <p:cNvSpPr>
+            <a:spLocks noGrp="1"/>
+          </p:cNvSpPr>
+          <p:nvPr>
+            <p:ph/>
+          </p:nvPr>
+        </p:nvSpPr>
+        <p:spPr>
+          <a:xfrm>
+            <a:off x="3239640" y="2761920"/>
+            <a:ext cx="2649600" cy="1422720"/>
+          </a:xfrm>
+          <a:prstGeom prst="rect">
+            <a:avLst/>
+          </a:prstGeom>
+          <a:noFill/>
+          <a:ln w="0">
+            <a:noFill/>
+          </a:ln>
+        </p:spPr>
+        <p:txBody>
+          <a:bodyPr lIns="0" rIns="0" tIns="0" bIns="0" anchor="t">
+            <a:normAutofit/>
+          </a:bodyPr>
+          <a:p>
+            <a:endParaRPr b="0" lang="en-US" sz="3200" spc="-1" strike="noStrike">
+              <a:latin typeface="Arial"/>
+            </a:endParaRPr>
+          </a:p>
+        </p:txBody>
+      </p:sp>
+      <p:sp>
+        <p:nvSpPr>
+          <p:cNvPr id="257" name="PlaceHolder 7"/>
+          <p:cNvSpPr>
+            <a:spLocks noGrp="1"/>
+          </p:cNvSpPr>
+          <p:nvPr>
+            <p:ph/>
+          </p:nvPr>
+        </p:nvSpPr>
+        <p:spPr>
+          <a:xfrm>
+            <a:off x="6022080" y="2761920"/>
+            <a:ext cx="2649600" cy="1422720"/>
           </a:xfrm>
           <a:prstGeom prst="rect">
             <a:avLst/>
@@ -7853,13 +9378,49 @@
               <a:rPr b="0" lang="en-US" sz="4400" spc="-1" strike="noStrike">
                 <a:latin typeface="Arial"/>
               </a:rPr>
-              <a:t>Click to edit the </a:t>
+              <a:t>Click </a:t>
             </a:r>
             <a:r>
               <a:rPr b="0" lang="en-US" sz="4400" spc="-1" strike="noStrike">
                 <a:latin typeface="Arial"/>
               </a:rPr>
-              <a:t>title text format</a:t>
+              <a:t>to </a:t>
+            </a:r>
+            <a:r>
+              <a:rPr b="0" lang="en-US" sz="4400" spc="-1" strike="noStrike">
+                <a:latin typeface="Arial"/>
+              </a:rPr>
+              <a:t>edit </a:t>
+            </a:r>
+            <a:r>
+              <a:rPr b="0" lang="en-US" sz="4400" spc="-1" strike="noStrike">
+                <a:latin typeface="Arial"/>
+              </a:rPr>
+              <a:t>the </a:t>
+            </a:r>
+            <a:r>
+              <a:rPr b="0" lang="en-US" sz="4400" spc="-1" strike="noStrike">
+                <a:latin typeface="Arial"/>
+              </a:rPr>
+              <a:t>title </a:t>
+            </a:r>
+            <a:r>
+              <a:rPr b="0" lang="en-US" sz="4400" spc="-1" strike="noStrike">
+                <a:latin typeface="Arial"/>
+              </a:rPr>
+              <a:t>text </a:t>
+            </a:r>
+            <a:r>
+              <a:rPr b="0" lang="en-US" sz="4400" spc="-1" strike="noStrike">
+                <a:latin typeface="Arial"/>
+              </a:rPr>
+              <a:t>form</a:t>
+            </a:r>
+            <a:r>
+              <a:rPr b="0" lang="en-US" sz="4400" spc="-1" strike="noStrike">
+                <a:latin typeface="Arial"/>
+              </a:rPr>
+              <a:t>at</a:t>
             </a:r>
             <a:endParaRPr b="0" lang="en-US" sz="4400" spc="-1" strike="noStrike">
               <a:latin typeface="Arial"/>
@@ -8337,7 +9898,7 @@
                 <a:tab algn="l" pos="0"/>
               </a:tabLst>
             </a:pPr>
-            <a:fld id="{60299042-88E8-4355-AEE5-56F9772AF5A8}" type="slidenum">
+            <a:fld id="{F3C4CC4B-669C-4D02-9D77-F4F905176C89}" type="slidenum">
               <a:rPr b="0" lang="ru" sz="1500" spc="-1" strike="noStrike">
                 <a:solidFill>
                   <a:srgbClr val="102d69"/>
@@ -8523,7 +10084,13 @@
               <a:rPr b="0" lang="en-US" sz="3200" spc="-1" strike="noStrike">
                 <a:latin typeface="Arial"/>
               </a:rPr>
-              <a:t>Click to edit the outline text format</a:t>
+              <a:t>Click to edit the </a:t>
+            </a:r>
+            <a:r>
+              <a:rPr b="0" lang="en-US" sz="3200" spc="-1" strike="noStrike">
+                <a:latin typeface="Arial"/>
+              </a:rPr>
+              <a:t>outline text format</a:t>
             </a:r>
             <a:endParaRPr b="0" lang="en-US" sz="3200" spc="-1" strike="noStrike">
               <a:latin typeface="Arial"/>
@@ -8545,7 +10112,13 @@
               <a:rPr b="0" lang="en-US" sz="2800" spc="-1" strike="noStrike">
                 <a:latin typeface="Arial"/>
               </a:rPr>
-              <a:t>Second Outline Level</a:t>
+              <a:t>Second Outline </a:t>
+            </a:r>
+            <a:r>
+              <a:rPr b="0" lang="en-US" sz="2800" spc="-1" strike="noStrike">
+                <a:latin typeface="Arial"/>
+              </a:rPr>
+              <a:t>Level</a:t>
             </a:r>
             <a:endParaRPr b="0" lang="en-US" sz="2800" spc="-1" strike="noStrike">
               <a:latin typeface="Arial"/>
@@ -8589,7 +10162,13 @@
               <a:rPr b="0" lang="en-US" sz="2000" spc="-1" strike="noStrike">
                 <a:latin typeface="Arial"/>
               </a:rPr>
-              <a:t>Fourth Outline Level</a:t>
+              <a:t>Fourth Outline </a:t>
+            </a:r>
+            <a:r>
+              <a:rPr b="0" lang="en-US" sz="2000" spc="-1" strike="noStrike">
+                <a:latin typeface="Arial"/>
+              </a:rPr>
+              <a:t>Level</a:t>
             </a:r>
             <a:endParaRPr b="0" lang="en-US" sz="2000" spc="-1" strike="noStrike">
               <a:latin typeface="Arial"/>
@@ -8611,7 +10190,13 @@
               <a:rPr b="0" lang="en-US" sz="2000" spc="-1" strike="noStrike">
                 <a:latin typeface="Arial"/>
               </a:rPr>
-              <a:t>Fifth Outline Level</a:t>
+              <a:t>Fifth Outline </a:t>
+            </a:r>
+            <a:r>
+              <a:rPr b="0" lang="en-US" sz="2000" spc="-1" strike="noStrike">
+                <a:latin typeface="Arial"/>
+              </a:rPr>
+              <a:t>Level</a:t>
             </a:r>
             <a:endParaRPr b="0" lang="en-US" sz="2000" spc="-1" strike="noStrike">
               <a:latin typeface="Arial"/>
@@ -8633,7 +10218,19 @@
               <a:rPr b="0" lang="en-US" sz="2000" spc="-1" strike="noStrike">
                 <a:latin typeface="Arial"/>
               </a:rPr>
-              <a:t>Sixth Outline Level</a:t>
+              <a:t>Sixth </a:t>
+            </a:r>
+            <a:r>
+              <a:rPr b="0" lang="en-US" sz="2000" spc="-1" strike="noStrike">
+                <a:latin typeface="Arial"/>
+              </a:rPr>
+              <a:t>Outline </a:t>
+            </a:r>
+            <a:r>
+              <a:rPr b="0" lang="en-US" sz="2000" spc="-1" strike="noStrike">
+                <a:latin typeface="Arial"/>
+              </a:rPr>
+              <a:t>Level</a:t>
             </a:r>
             <a:endParaRPr b="0" lang="en-US" sz="2000" spc="-1" strike="noStrike">
               <a:latin typeface="Arial"/>
@@ -8655,7 +10252,25 @@
               <a:rPr b="0" lang="en-US" sz="2000" spc="-1" strike="noStrike">
                 <a:latin typeface="Arial"/>
               </a:rPr>
-              <a:t>Seventh Outline Level</a:t>
+              <a:t>Sevent</a:t>
+            </a:r>
+            <a:r>
+              <a:rPr b="0" lang="en-US" sz="2000" spc="-1" strike="noStrike">
+                <a:latin typeface="Arial"/>
+              </a:rPr>
+              <a:t>h </a:t>
+            </a:r>
+            <a:r>
+              <a:rPr b="0" lang="en-US" sz="2000" spc="-1" strike="noStrike">
+                <a:latin typeface="Arial"/>
+              </a:rPr>
+              <a:t>Outline </a:t>
+            </a:r>
+            <a:r>
+              <a:rPr b="0" lang="en-US" sz="2000" spc="-1" strike="noStrike">
+                <a:latin typeface="Arial"/>
+              </a:rPr>
+              <a:t>Level</a:t>
             </a:r>
             <a:endParaRPr b="0" lang="en-US" sz="2000" spc="-1" strike="noStrike">
               <a:latin typeface="Arial"/>
@@ -8896,7 +10511,7 @@
                 <a:tab algn="l" pos="0"/>
               </a:tabLst>
             </a:pPr>
-            <a:fld id="{1AF44BE3-6C3D-4027-ACA3-E2700B47E1DA}" type="slidenum">
+            <a:fld id="{D1E427ED-D57A-4E8C-9456-DA97B44F27E4}" type="slidenum">
               <a:rPr b="0" lang="ru" sz="1500" spc="-1" strike="noStrike">
                 <a:solidFill>
                   <a:srgbClr val="102d69"/>
@@ -9082,7 +10697,13 @@
               <a:rPr b="0" lang="en-US" sz="3200" spc="-1" strike="noStrike">
                 <a:latin typeface="Arial"/>
               </a:rPr>
-              <a:t>Click to edit the outline text format</a:t>
+              <a:t>Click to edit the </a:t>
+            </a:r>
+            <a:r>
+              <a:rPr b="0" lang="en-US" sz="3200" spc="-1" strike="noStrike">
+                <a:latin typeface="Arial"/>
+              </a:rPr>
+              <a:t>outline text format</a:t>
             </a:r>
             <a:endParaRPr b="0" lang="en-US" sz="3200" spc="-1" strike="noStrike">
               <a:latin typeface="Arial"/>
@@ -9104,7 +10725,13 @@
               <a:rPr b="0" lang="en-US" sz="2800" spc="-1" strike="noStrike">
                 <a:latin typeface="Arial"/>
               </a:rPr>
-              <a:t>Second Outline Level</a:t>
+              <a:t>Second Outline </a:t>
+            </a:r>
+            <a:r>
+              <a:rPr b="0" lang="en-US" sz="2800" spc="-1" strike="noStrike">
+                <a:latin typeface="Arial"/>
+              </a:rPr>
+              <a:t>Level</a:t>
             </a:r>
             <a:endParaRPr b="0" lang="en-US" sz="2800" spc="-1" strike="noStrike">
               <a:latin typeface="Arial"/>
@@ -9148,7 +10775,13 @@
               <a:rPr b="0" lang="en-US" sz="2000" spc="-1" strike="noStrike">
                 <a:latin typeface="Arial"/>
               </a:rPr>
-              <a:t>Fourth Outline Level</a:t>
+              <a:t>Fourth Outline </a:t>
+            </a:r>
+            <a:r>
+              <a:rPr b="0" lang="en-US" sz="2000" spc="-1" strike="noStrike">
+                <a:latin typeface="Arial"/>
+              </a:rPr>
+              <a:t>Level</a:t>
             </a:r>
             <a:endParaRPr b="0" lang="en-US" sz="2000" spc="-1" strike="noStrike">
               <a:latin typeface="Arial"/>
@@ -9170,7 +10803,13 @@
               <a:rPr b="0" lang="en-US" sz="2000" spc="-1" strike="noStrike">
                 <a:latin typeface="Arial"/>
               </a:rPr>
-              <a:t>Fifth Outline Level</a:t>
+              <a:t>Fifth Outline </a:t>
+            </a:r>
+            <a:r>
+              <a:rPr b="0" lang="en-US" sz="2000" spc="-1" strike="noStrike">
+                <a:latin typeface="Arial"/>
+              </a:rPr>
+              <a:t>Level</a:t>
             </a:r>
             <a:endParaRPr b="0" lang="en-US" sz="2000" spc="-1" strike="noStrike">
               <a:latin typeface="Arial"/>
@@ -9192,7 +10831,19 @@
               <a:rPr b="0" lang="en-US" sz="2000" spc="-1" strike="noStrike">
                 <a:latin typeface="Arial"/>
               </a:rPr>
-              <a:t>Sixth Outline Level</a:t>
+              <a:t>Sixth </a:t>
+            </a:r>
+            <a:r>
+              <a:rPr b="0" lang="en-US" sz="2000" spc="-1" strike="noStrike">
+                <a:latin typeface="Arial"/>
+              </a:rPr>
+              <a:t>Outline </a:t>
+            </a:r>
+            <a:r>
+              <a:rPr b="0" lang="en-US" sz="2000" spc="-1" strike="noStrike">
+                <a:latin typeface="Arial"/>
+              </a:rPr>
+              <a:t>Level</a:t>
             </a:r>
             <a:endParaRPr b="0" lang="en-US" sz="2000" spc="-1" strike="noStrike">
               <a:latin typeface="Arial"/>
@@ -9214,7 +10865,25 @@
               <a:rPr b="0" lang="en-US" sz="2000" spc="-1" strike="noStrike">
                 <a:latin typeface="Arial"/>
               </a:rPr>
-              <a:t>Seventh Outline Level</a:t>
+              <a:t>Sevent</a:t>
+            </a:r>
+            <a:r>
+              <a:rPr b="0" lang="en-US" sz="2000" spc="-1" strike="noStrike">
+                <a:latin typeface="Arial"/>
+              </a:rPr>
+              <a:t>h </a:t>
+            </a:r>
+            <a:r>
+              <a:rPr b="0" lang="en-US" sz="2000" spc="-1" strike="noStrike">
+                <a:latin typeface="Arial"/>
+              </a:rPr>
+              <a:t>Outline </a:t>
+            </a:r>
+            <a:r>
+              <a:rPr b="0" lang="en-US" sz="2000" spc="-1" strike="noStrike">
+                <a:latin typeface="Arial"/>
+              </a:rPr>
+              <a:t>Level</a:t>
             </a:r>
             <a:endParaRPr b="0" lang="en-US" sz="2000" spc="-1" strike="noStrike">
               <a:latin typeface="Arial"/>
@@ -9455,7 +11124,7 @@
                 <a:tab algn="l" pos="0"/>
               </a:tabLst>
             </a:pPr>
-            <a:fld id="{76E1B2A4-086B-41A7-ADE0-F7FA970859E3}" type="slidenum">
+            <a:fld id="{32178195-2F53-4CAB-AD38-71B6660EDD1B}" type="slidenum">
               <a:rPr b="0" lang="ru" sz="1500" spc="-1" strike="noStrike">
                 <a:solidFill>
                   <a:srgbClr val="102d69"/>
@@ -9641,7 +11310,55 @@
               <a:rPr b="0" lang="en-US" sz="3200" spc="-1" strike="noStrike">
                 <a:latin typeface="Arial"/>
               </a:rPr>
-              <a:t>Click to edit the outline text format</a:t>
+              <a:t>Click </a:t>
+            </a:r>
+            <a:r>
+              <a:rPr b="0" lang="en-US" sz="3200" spc="-1" strike="noStrike">
+                <a:latin typeface="Arial"/>
+              </a:rPr>
+              <a:t>to </a:t>
+            </a:r>
+            <a:r>
+              <a:rPr b="0" lang="en-US" sz="3200" spc="-1" strike="noStrike">
+                <a:latin typeface="Arial"/>
+              </a:rPr>
+              <a:t>edit </a:t>
+            </a:r>
+            <a:r>
+              <a:rPr b="0" lang="en-US" sz="3200" spc="-1" strike="noStrike">
+                <a:latin typeface="Arial"/>
+              </a:rPr>
+              <a:t>the </a:t>
+            </a:r>
+            <a:r>
+              <a:rPr b="0" lang="en-US" sz="3200" spc="-1" strike="noStrike">
+                <a:latin typeface="Arial"/>
+              </a:rPr>
+              <a:t>outlin</a:t>
+            </a:r>
+            <a:r>
+              <a:rPr b="0" lang="en-US" sz="3200" spc="-1" strike="noStrike">
+                <a:latin typeface="Arial"/>
+              </a:rPr>
+              <a:t>e </a:t>
+            </a:r>
+            <a:r>
+              <a:rPr b="0" lang="en-US" sz="3200" spc="-1" strike="noStrike">
+                <a:latin typeface="Arial"/>
+              </a:rPr>
+              <a:t>text </a:t>
+            </a:r>
+            <a:r>
+              <a:rPr b="0" lang="en-US" sz="3200" spc="-1" strike="noStrike">
+                <a:latin typeface="Arial"/>
+              </a:rPr>
+              <a:t>form</a:t>
+            </a:r>
+            <a:r>
+              <a:rPr b="0" lang="en-US" sz="3200" spc="-1" strike="noStrike">
+                <a:latin typeface="Arial"/>
+              </a:rPr>
+              <a:t>at</a:t>
             </a:r>
             <a:endParaRPr b="0" lang="en-US" sz="3200" spc="-1" strike="noStrike">
               <a:latin typeface="Arial"/>
@@ -9663,7 +11380,49 @@
               <a:rPr b="0" lang="en-US" sz="2800" spc="-1" strike="noStrike">
                 <a:latin typeface="Arial"/>
               </a:rPr>
-              <a:t>Second Outline Level</a:t>
+              <a:t>Se</a:t>
+            </a:r>
+            <a:r>
+              <a:rPr b="0" lang="en-US" sz="2800" spc="-1" strike="noStrike">
+                <a:latin typeface="Arial"/>
+              </a:rPr>
+              <a:t>co</a:t>
+            </a:r>
+            <a:r>
+              <a:rPr b="0" lang="en-US" sz="2800" spc="-1" strike="noStrike">
+                <a:latin typeface="Arial"/>
+              </a:rPr>
+              <a:t>nd </a:t>
+            </a:r>
+            <a:r>
+              <a:rPr b="0" lang="en-US" sz="2800" spc="-1" strike="noStrike">
+                <a:latin typeface="Arial"/>
+              </a:rPr>
+              <a:t>Ou</a:t>
+            </a:r>
+            <a:r>
+              <a:rPr b="0" lang="en-US" sz="2800" spc="-1" strike="noStrike">
+                <a:latin typeface="Arial"/>
+              </a:rPr>
+              <a:t>tlin</a:t>
+            </a:r>
+            <a:r>
+              <a:rPr b="0" lang="en-US" sz="2800" spc="-1" strike="noStrike">
+                <a:latin typeface="Arial"/>
+              </a:rPr>
+              <a:t>e </a:t>
+            </a:r>
+            <a:r>
+              <a:rPr b="0" lang="en-US" sz="2800" spc="-1" strike="noStrike">
+                <a:latin typeface="Arial"/>
+              </a:rPr>
+              <a:t>Le</a:t>
+            </a:r>
+            <a:r>
+              <a:rPr b="0" lang="en-US" sz="2800" spc="-1" strike="noStrike">
+                <a:latin typeface="Arial"/>
+              </a:rPr>
+              <a:t>vel</a:t>
             </a:r>
             <a:endParaRPr b="0" lang="en-US" sz="2800" spc="-1" strike="noStrike">
               <a:latin typeface="Arial"/>
@@ -9685,7 +11444,115 @@
               <a:rPr b="0" lang="en-US" sz="2400" spc="-1" strike="noStrike">
                 <a:latin typeface="Arial"/>
               </a:rPr>
-              <a:t>Third Outline Level</a:t>
+              <a:t>T</a:t>
+            </a:r>
+            <a:r>
+              <a:rPr b="0" lang="en-US" sz="2400" spc="-1" strike="noStrike">
+                <a:latin typeface="Arial"/>
+              </a:rPr>
+              <a:t>h</a:t>
+            </a:r>
+            <a:r>
+              <a:rPr b="0" lang="en-US" sz="2400" spc="-1" strike="noStrike">
+                <a:latin typeface="Arial"/>
+              </a:rPr>
+              <a:t>i</a:t>
+            </a:r>
+            <a:r>
+              <a:rPr b="0" lang="en-US" sz="2400" spc="-1" strike="noStrike">
+                <a:latin typeface="Arial"/>
+              </a:rPr>
+              <a:t>r</a:t>
+            </a:r>
+            <a:r>
+              <a:rPr b="0" lang="en-US" sz="2400" spc="-1" strike="noStrike">
+                <a:latin typeface="Arial"/>
+              </a:rPr>
+              <a:t>d</a:t>
+            </a:r>
+            <a:r>
+              <a:rPr b="0" lang="en-US" sz="2400" spc="-1" strike="noStrike">
+                <a:latin typeface="Arial"/>
+              </a:rPr>
+              <a:t> </a:t>
+            </a:r>
+            <a:r>
+              <a:rPr b="0" lang="en-US" sz="2400" spc="-1" strike="noStrike">
+                <a:latin typeface="Arial"/>
+              </a:rPr>
+              <a:t>O</a:t>
+            </a:r>
+            <a:r>
+              <a:rPr b="0" lang="en-US" sz="2400" spc="-1" strike="noStrike">
+                <a:latin typeface="Arial"/>
+              </a:rPr>
+              <a:t>u</a:t>
+            </a:r>
+            <a:r>
+              <a:rPr b="0" lang="en-US" sz="2400" spc="-1" strike="noStrike">
+                <a:latin typeface="Arial"/>
+              </a:rPr>
+              <a:t>t</a:t>
+            </a:r>
+            <a:r>
+              <a:rPr b="0" lang="en-US" sz="2400" spc="-1" strike="noStrike">
+                <a:latin typeface="Arial"/>
+              </a:rPr>
+              <a:t>l</a:t>
+            </a:r>
+            <a:r>
+              <a:rPr b="0" lang="en-US" sz="2400" spc="-1" strike="noStrike">
+                <a:latin typeface="Arial"/>
+              </a:rPr>
+              <a:t>i</a:t>
+            </a:r>
+            <a:r>
+              <a:rPr b="0" lang="en-US" sz="2400" spc="-1" strike="noStrike">
+                <a:latin typeface="Arial"/>
+              </a:rPr>
+              <a:t>n</a:t>
+            </a:r>
+            <a:r>
+              <a:rPr b="0" lang="en-US" sz="2400" spc="-1" strike="noStrike">
+                <a:latin typeface="Arial"/>
+              </a:rPr>
+              <a:t>e</a:t>
+            </a:r>
+            <a:r>
+              <a:rPr b="0" lang="en-US" sz="2400" spc="-1" strike="noStrike">
+                <a:latin typeface="Arial"/>
+              </a:rPr>
+              <a:t> </a:t>
+            </a:r>
+            <a:r>
+              <a:rPr b="0" lang="en-US" sz="2400" spc="-1" strike="noStrike">
+                <a:latin typeface="Arial"/>
+              </a:rPr>
+              <a:t>L</a:t>
+            </a:r>
+            <a:r>
+              <a:rPr b="0" lang="en-US" sz="2400" spc="-1" strike="noStrike">
+                <a:latin typeface="Arial"/>
+              </a:rPr>
+              <a:t>e</a:t>
+            </a:r>
+            <a:r>
+              <a:rPr b="0" lang="en-US" sz="2400" spc="-1" strike="noStrike">
+                <a:latin typeface="Arial"/>
+              </a:rPr>
+              <a:t>v</a:t>
+            </a:r>
+            <a:r>
+              <a:rPr b="0" lang="en-US" sz="2400" spc="-1" strike="noStrike">
+                <a:latin typeface="Arial"/>
+              </a:rPr>
+              <a:t>e</a:t>
+            </a:r>
+            <a:r>
+              <a:rPr b="0" lang="en-US" sz="2400" spc="-1" strike="noStrike">
+                <a:latin typeface="Arial"/>
+              </a:rPr>
+              <a:t>l</a:t>
             </a:r>
             <a:endParaRPr b="0" lang="en-US" sz="2400" spc="-1" strike="noStrike">
               <a:latin typeface="Arial"/>
@@ -9707,7 +11574,121 @@
               <a:rPr b="0" lang="en-US" sz="2000" spc="-1" strike="noStrike">
                 <a:latin typeface="Arial"/>
               </a:rPr>
-              <a:t>Fourth Outline Level</a:t>
+              <a:t>F</a:t>
+            </a:r>
+            <a:r>
+              <a:rPr b="0" lang="en-US" sz="2000" spc="-1" strike="noStrike">
+                <a:latin typeface="Arial"/>
+              </a:rPr>
+              <a:t>o</a:t>
+            </a:r>
+            <a:r>
+              <a:rPr b="0" lang="en-US" sz="2000" spc="-1" strike="noStrike">
+                <a:latin typeface="Arial"/>
+              </a:rPr>
+              <a:t>u</a:t>
+            </a:r>
+            <a:r>
+              <a:rPr b="0" lang="en-US" sz="2000" spc="-1" strike="noStrike">
+                <a:latin typeface="Arial"/>
+              </a:rPr>
+              <a:t>r</a:t>
+            </a:r>
+            <a:r>
+              <a:rPr b="0" lang="en-US" sz="2000" spc="-1" strike="noStrike">
+                <a:latin typeface="Arial"/>
+              </a:rPr>
+              <a:t>t</a:t>
+            </a:r>
+            <a:r>
+              <a:rPr b="0" lang="en-US" sz="2000" spc="-1" strike="noStrike">
+                <a:latin typeface="Arial"/>
+              </a:rPr>
+              <a:t>h</a:t>
+            </a:r>
+            <a:r>
+              <a:rPr b="0" lang="en-US" sz="2000" spc="-1" strike="noStrike">
+                <a:latin typeface="Arial"/>
+              </a:rPr>
+              <a:t> </a:t>
+            </a:r>
+            <a:r>
+              <a:rPr b="0" lang="en-US" sz="2000" spc="-1" strike="noStrike">
+                <a:latin typeface="Arial"/>
+              </a:rPr>
+              <a:t>O</a:t>
+            </a:r>
+            <a:r>
+              <a:rPr b="0" lang="en-US" sz="2000" spc="-1" strike="noStrike">
+                <a:latin typeface="Arial"/>
+              </a:rPr>
+              <a:t>u</a:t>
+            </a:r>
+            <a:r>
+              <a:rPr b="0" lang="en-US" sz="2000" spc="-1" strike="noStrike">
+                <a:latin typeface="Arial"/>
+              </a:rPr>
+              <a:t>t</a:t>
+            </a:r>
+            <a:r>
+              <a:rPr b="0" lang="en-US" sz="2000" spc="-1" strike="noStrike">
+                <a:latin typeface="Arial"/>
+              </a:rPr>
+              <a:t>l</a:t>
+            </a:r>
+            <a:r>
+              <a:rPr b="0" lang="en-US" sz="2000" spc="-1" strike="noStrike">
+                <a:latin typeface="Arial"/>
+              </a:rPr>
+              <a:t>i</a:t>
+            </a:r>
+            <a:r>
+              <a:rPr b="0" lang="en-US" sz="2000" spc="-1" strike="noStrike">
+                <a:latin typeface="Arial"/>
+              </a:rPr>
+              <a:t>n</a:t>
+            </a:r>
+            <a:r>
+              <a:rPr b="0" lang="en-US" sz="2000" spc="-1" strike="noStrike">
+                <a:latin typeface="Arial"/>
+              </a:rPr>
+              <a:t>e</a:t>
+            </a:r>
+            <a:r>
+              <a:rPr b="0" lang="en-US" sz="2000" spc="-1" strike="noStrike">
+                <a:latin typeface="Arial"/>
+              </a:rPr>
+              <a:t> </a:t>
+            </a:r>
+            <a:r>
+              <a:rPr b="0" lang="en-US" sz="2000" spc="-1" strike="noStrike">
+                <a:latin typeface="Arial"/>
+              </a:rPr>
+              <a:t>L</a:t>
+            </a:r>
+            <a:r>
+              <a:rPr b="0" lang="en-US" sz="2000" spc="-1" strike="noStrike">
+                <a:latin typeface="Arial"/>
+              </a:rPr>
+              <a:t>e</a:t>
+            </a:r>
+            <a:r>
+              <a:rPr b="0" lang="en-US" sz="2000" spc="-1" strike="noStrike">
+                <a:latin typeface="Arial"/>
+              </a:rPr>
+              <a:t>v</a:t>
+            </a:r>
+            <a:r>
+              <a:rPr b="0" lang="en-US" sz="2000" spc="-1" strike="noStrike">
+                <a:latin typeface="Arial"/>
+              </a:rPr>
+              <a:t>e</a:t>
+            </a:r>
+            <a:r>
+              <a:rPr b="0" lang="en-US" sz="2000" spc="-1" strike="noStrike">
+                <a:latin typeface="Arial"/>
+              </a:rPr>
+              <a:t>l</a:t>
             </a:r>
             <a:endParaRPr b="0" lang="en-US" sz="2000" spc="-1" strike="noStrike">
               <a:latin typeface="Arial"/>
@@ -9729,7 +11710,115 @@
               <a:rPr b="0" lang="en-US" sz="2000" spc="-1" strike="noStrike">
                 <a:latin typeface="Arial"/>
               </a:rPr>
-              <a:t>Fifth Outline Level</a:t>
+              <a:t>F</a:t>
+            </a:r>
+            <a:r>
+              <a:rPr b="0" lang="en-US" sz="2000" spc="-1" strike="noStrike">
+                <a:latin typeface="Arial"/>
+              </a:rPr>
+              <a:t>i</a:t>
+            </a:r>
+            <a:r>
+              <a:rPr b="0" lang="en-US" sz="2000" spc="-1" strike="noStrike">
+                <a:latin typeface="Arial"/>
+              </a:rPr>
+              <a:t>f</a:t>
+            </a:r>
+            <a:r>
+              <a:rPr b="0" lang="en-US" sz="2000" spc="-1" strike="noStrike">
+                <a:latin typeface="Arial"/>
+              </a:rPr>
+              <a:t>t</a:t>
+            </a:r>
+            <a:r>
+              <a:rPr b="0" lang="en-US" sz="2000" spc="-1" strike="noStrike">
+                <a:latin typeface="Arial"/>
+              </a:rPr>
+              <a:t>h</a:t>
+            </a:r>
+            <a:r>
+              <a:rPr b="0" lang="en-US" sz="2000" spc="-1" strike="noStrike">
+                <a:latin typeface="Arial"/>
+              </a:rPr>
+              <a:t> </a:t>
+            </a:r>
+            <a:r>
+              <a:rPr b="0" lang="en-US" sz="2000" spc="-1" strike="noStrike">
+                <a:latin typeface="Arial"/>
+              </a:rPr>
+              <a:t>O</a:t>
+            </a:r>
+            <a:r>
+              <a:rPr b="0" lang="en-US" sz="2000" spc="-1" strike="noStrike">
+                <a:latin typeface="Arial"/>
+              </a:rPr>
+              <a:t>u</a:t>
+            </a:r>
+            <a:r>
+              <a:rPr b="0" lang="en-US" sz="2000" spc="-1" strike="noStrike">
+                <a:latin typeface="Arial"/>
+              </a:rPr>
+              <a:t>t</a:t>
+            </a:r>
+            <a:r>
+              <a:rPr b="0" lang="en-US" sz="2000" spc="-1" strike="noStrike">
+                <a:latin typeface="Arial"/>
+              </a:rPr>
+              <a:t>l</a:t>
+            </a:r>
+            <a:r>
+              <a:rPr b="0" lang="en-US" sz="2000" spc="-1" strike="noStrike">
+                <a:latin typeface="Arial"/>
+              </a:rPr>
+              <a:t>i</a:t>
+            </a:r>
+            <a:r>
+              <a:rPr b="0" lang="en-US" sz="2000" spc="-1" strike="noStrike">
+                <a:latin typeface="Arial"/>
+              </a:rPr>
+              <a:t>n</a:t>
+            </a:r>
+            <a:r>
+              <a:rPr b="0" lang="en-US" sz="2000" spc="-1" strike="noStrike">
+                <a:latin typeface="Arial"/>
+              </a:rPr>
+              <a:t>e</a:t>
+            </a:r>
+            <a:r>
+              <a:rPr b="0" lang="en-US" sz="2000" spc="-1" strike="noStrike">
+                <a:latin typeface="Arial"/>
+              </a:rPr>
+              <a:t> </a:t>
+            </a:r>
+            <a:r>
+              <a:rPr b="0" lang="en-US" sz="2000" spc="-1" strike="noStrike">
+                <a:latin typeface="Arial"/>
+              </a:rPr>
+              <a:t>L</a:t>
+            </a:r>
+            <a:r>
+              <a:rPr b="0" lang="en-US" sz="2000" spc="-1" strike="noStrike">
+                <a:latin typeface="Arial"/>
+              </a:rPr>
+              <a:t>e</a:t>
+            </a:r>
+            <a:r>
+              <a:rPr b="0" lang="en-US" sz="2000" spc="-1" strike="noStrike">
+                <a:latin typeface="Arial"/>
+              </a:rPr>
+              <a:t>v</a:t>
+            </a:r>
+            <a:r>
+              <a:rPr b="0" lang="en-US" sz="2000" spc="-1" strike="noStrike">
+                <a:latin typeface="Arial"/>
+              </a:rPr>
+              <a:t>e</a:t>
+            </a:r>
+            <a:r>
+              <a:rPr b="0" lang="en-US" sz="2000" spc="-1" strike="noStrike">
+                <a:latin typeface="Arial"/>
+              </a:rPr>
+              <a:t>l</a:t>
             </a:r>
             <a:endParaRPr b="0" lang="en-US" sz="2000" spc="-1" strike="noStrike">
               <a:latin typeface="Arial"/>
@@ -9751,7 +11840,115 @@
               <a:rPr b="0" lang="en-US" sz="2000" spc="-1" strike="noStrike">
                 <a:latin typeface="Arial"/>
               </a:rPr>
-              <a:t>Sixth Outline Level</a:t>
+              <a:t>S</a:t>
+            </a:r>
+            <a:r>
+              <a:rPr b="0" lang="en-US" sz="2000" spc="-1" strike="noStrike">
+                <a:latin typeface="Arial"/>
+              </a:rPr>
+              <a:t>i</a:t>
+            </a:r>
+            <a:r>
+              <a:rPr b="0" lang="en-US" sz="2000" spc="-1" strike="noStrike">
+                <a:latin typeface="Arial"/>
+              </a:rPr>
+              <a:t>x</a:t>
+            </a:r>
+            <a:r>
+              <a:rPr b="0" lang="en-US" sz="2000" spc="-1" strike="noStrike">
+                <a:latin typeface="Arial"/>
+              </a:rPr>
+              <a:t>t</a:t>
+            </a:r>
+            <a:r>
+              <a:rPr b="0" lang="en-US" sz="2000" spc="-1" strike="noStrike">
+                <a:latin typeface="Arial"/>
+              </a:rPr>
+              <a:t>h</a:t>
+            </a:r>
+            <a:r>
+              <a:rPr b="0" lang="en-US" sz="2000" spc="-1" strike="noStrike">
+                <a:latin typeface="Arial"/>
+              </a:rPr>
+              <a:t> </a:t>
+            </a:r>
+            <a:r>
+              <a:rPr b="0" lang="en-US" sz="2000" spc="-1" strike="noStrike">
+                <a:latin typeface="Arial"/>
+              </a:rPr>
+              <a:t>O</a:t>
+            </a:r>
+            <a:r>
+              <a:rPr b="0" lang="en-US" sz="2000" spc="-1" strike="noStrike">
+                <a:latin typeface="Arial"/>
+              </a:rPr>
+              <a:t>u</a:t>
+            </a:r>
+            <a:r>
+              <a:rPr b="0" lang="en-US" sz="2000" spc="-1" strike="noStrike">
+                <a:latin typeface="Arial"/>
+              </a:rPr>
+              <a:t>t</a:t>
+            </a:r>
+            <a:r>
+              <a:rPr b="0" lang="en-US" sz="2000" spc="-1" strike="noStrike">
+                <a:latin typeface="Arial"/>
+              </a:rPr>
+              <a:t>l</a:t>
+            </a:r>
+            <a:r>
+              <a:rPr b="0" lang="en-US" sz="2000" spc="-1" strike="noStrike">
+                <a:latin typeface="Arial"/>
+              </a:rPr>
+              <a:t>i</a:t>
+            </a:r>
+            <a:r>
+              <a:rPr b="0" lang="en-US" sz="2000" spc="-1" strike="noStrike">
+                <a:latin typeface="Arial"/>
+              </a:rPr>
+              <a:t>n</a:t>
+            </a:r>
+            <a:r>
+              <a:rPr b="0" lang="en-US" sz="2000" spc="-1" strike="noStrike">
+                <a:latin typeface="Arial"/>
+              </a:rPr>
+              <a:t>e</a:t>
+            </a:r>
+            <a:r>
+              <a:rPr b="0" lang="en-US" sz="2000" spc="-1" strike="noStrike">
+                <a:latin typeface="Arial"/>
+              </a:rPr>
+              <a:t> </a:t>
+            </a:r>
+            <a:r>
+              <a:rPr b="0" lang="en-US" sz="2000" spc="-1" strike="noStrike">
+                <a:latin typeface="Arial"/>
+              </a:rPr>
+              <a:t>L</a:t>
+            </a:r>
+            <a:r>
+              <a:rPr b="0" lang="en-US" sz="2000" spc="-1" strike="noStrike">
+                <a:latin typeface="Arial"/>
+              </a:rPr>
+              <a:t>e</a:t>
+            </a:r>
+            <a:r>
+              <a:rPr b="0" lang="en-US" sz="2000" spc="-1" strike="noStrike">
+                <a:latin typeface="Arial"/>
+              </a:rPr>
+              <a:t>v</a:t>
+            </a:r>
+            <a:r>
+              <a:rPr b="0" lang="en-US" sz="2000" spc="-1" strike="noStrike">
+                <a:latin typeface="Arial"/>
+              </a:rPr>
+              <a:t>e</a:t>
+            </a:r>
+            <a:r>
+              <a:rPr b="0" lang="en-US" sz="2000" spc="-1" strike="noStrike">
+                <a:latin typeface="Arial"/>
+              </a:rPr>
+              <a:t>l</a:t>
             </a:r>
             <a:endParaRPr b="0" lang="en-US" sz="2000" spc="-1" strike="noStrike">
               <a:latin typeface="Arial"/>
@@ -9773,7 +11970,127 @@
               <a:rPr b="0" lang="en-US" sz="2000" spc="-1" strike="noStrike">
                 <a:latin typeface="Arial"/>
               </a:rPr>
-              <a:t>Seventh Outline Level</a:t>
+              <a:t>S</a:t>
+            </a:r>
+            <a:r>
+              <a:rPr b="0" lang="en-US" sz="2000" spc="-1" strike="noStrike">
+                <a:latin typeface="Arial"/>
+              </a:rPr>
+              <a:t>e</a:t>
+            </a:r>
+            <a:r>
+              <a:rPr b="0" lang="en-US" sz="2000" spc="-1" strike="noStrike">
+                <a:latin typeface="Arial"/>
+              </a:rPr>
+              <a:t>v</a:t>
+            </a:r>
+            <a:r>
+              <a:rPr b="0" lang="en-US" sz="2000" spc="-1" strike="noStrike">
+                <a:latin typeface="Arial"/>
+              </a:rPr>
+              <a:t>e</a:t>
+            </a:r>
+            <a:r>
+              <a:rPr b="0" lang="en-US" sz="2000" spc="-1" strike="noStrike">
+                <a:latin typeface="Arial"/>
+              </a:rPr>
+              <a:t>n</a:t>
+            </a:r>
+            <a:r>
+              <a:rPr b="0" lang="en-US" sz="2000" spc="-1" strike="noStrike">
+                <a:latin typeface="Arial"/>
+              </a:rPr>
+              <a:t>t</a:t>
+            </a:r>
+            <a:r>
+              <a:rPr b="0" lang="en-US" sz="2000" spc="-1" strike="noStrike">
+                <a:latin typeface="Arial"/>
+              </a:rPr>
+              <a:t>h</a:t>
+            </a:r>
+            <a:r>
+              <a:rPr b="0" lang="en-US" sz="2000" spc="-1" strike="noStrike">
+                <a:latin typeface="Arial"/>
+              </a:rPr>
+              <a:t> </a:t>
+            </a:r>
+            <a:r>
+              <a:rPr b="0" lang="en-US" sz="2000" spc="-1" strike="noStrike">
+                <a:latin typeface="Arial"/>
+              </a:rPr>
+              <a:t>O</a:t>
+            </a:r>
+            <a:r>
+              <a:rPr b="0" lang="en-US" sz="2000" spc="-1" strike="noStrike">
+                <a:latin typeface="Arial"/>
+              </a:rPr>
+              <a:t>u</a:t>
+            </a:r>
+            <a:r>
+              <a:rPr b="0" lang="en-US" sz="2000" spc="-1" strike="noStrike">
+                <a:latin typeface="Arial"/>
+              </a:rPr>
+              <a:t>t</a:t>
+            </a:r>
+            <a:r>
+              <a:rPr b="0" lang="en-US" sz="2000" spc="-1" strike="noStrike">
+                <a:latin typeface="Arial"/>
+              </a:rPr>
+              <a:t>l</a:t>
+            </a:r>
+            <a:r>
+              <a:rPr b="0" lang="en-US" sz="2000" spc="-1" strike="noStrike">
+                <a:latin typeface="Arial"/>
+              </a:rPr>
+              <a:t>i</a:t>
+            </a:r>
+            <a:r>
+              <a:rPr b="0" lang="en-US" sz="2000" spc="-1" strike="noStrike">
+                <a:latin typeface="Arial"/>
+              </a:rPr>
+              <a:t>n</a:t>
+            </a:r>
+            <a:r>
+              <a:rPr b="0" lang="en-US" sz="2000" spc="-1" strike="noStrike">
+                <a:latin typeface="Arial"/>
+              </a:rPr>
+              <a:t>e</a:t>
+            </a:r>
+            <a:r>
+              <a:rPr b="0" lang="en-US" sz="2000" spc="-1" strike="noStrike">
+                <a:latin typeface="Arial"/>
+              </a:rPr>
+              <a:t> </a:t>
+            </a:r>
+            <a:r>
+              <a:rPr b="0" lang="en-US" sz="2000" spc="-1" strike="noStrike">
+                <a:latin typeface="Arial"/>
+              </a:rPr>
+              <a:t>L</a:t>
+            </a:r>
+            <a:r>
+              <a:rPr b="0" lang="en-US" sz="2000" spc="-1" strike="noStrike">
+                <a:latin typeface="Arial"/>
+              </a:rPr>
+              <a:t>e</a:t>
+            </a:r>
+            <a:r>
+              <a:rPr b="0" lang="en-US" sz="2000" spc="-1" strike="noStrike">
+                <a:latin typeface="Arial"/>
+              </a:rPr>
+              <a:t>v</a:t>
+            </a:r>
+            <a:r>
+              <a:rPr b="0" lang="en-US" sz="2000" spc="-1" strike="noStrike">
+                <a:latin typeface="Arial"/>
+              </a:rPr>
+              <a:t>e</a:t>
+            </a:r>
+            <a:r>
+              <a:rPr b="0" lang="en-US" sz="2000" spc="-1" strike="noStrike">
+                <a:latin typeface="Arial"/>
+              </a:rPr>
+              <a:t>l</a:t>
             </a:r>
             <a:endParaRPr b="0" lang="en-US" sz="2000" spc="-1" strike="noStrike">
               <a:latin typeface="Arial"/>
@@ -10038,19 +12355,25 @@
               <a:rPr b="0" lang="en-US" sz="3200" spc="-1" strike="noStrike">
                 <a:latin typeface="Arial"/>
               </a:rPr>
-              <a:t>e text </a:t>
+              <a:t>e </a:t>
             </a:r>
             <a:r>
               <a:rPr b="0" lang="en-US" sz="3200" spc="-1" strike="noStrike">
                 <a:latin typeface="Arial"/>
               </a:rPr>
-              <a:t>forma</a:t>
+              <a:t>text </a:t>
             </a:r>
             <a:r>
               <a:rPr b="0" lang="en-US" sz="3200" spc="-1" strike="noStrike">
                 <a:latin typeface="Arial"/>
               </a:rPr>
-              <a:t>t</a:t>
+              <a:t>form</a:t>
+            </a:r>
+            <a:r>
+              <a:rPr b="0" lang="en-US" sz="3200" spc="-1" strike="noStrike">
+                <a:latin typeface="Arial"/>
+              </a:rPr>
+              <a:t>at</a:t>
             </a:r>
             <a:endParaRPr b="0" lang="en-US" sz="3200" spc="-1" strike="noStrike">
               <a:latin typeface="Arial"/>
@@ -10072,37 +12395,49 @@
               <a:rPr b="0" lang="en-US" sz="2800" spc="-1" strike="noStrike">
                 <a:latin typeface="Arial"/>
               </a:rPr>
-              <a:t>Sec</a:t>
+              <a:t>Se</a:t>
             </a:r>
             <a:r>
               <a:rPr b="0" lang="en-US" sz="2800" spc="-1" strike="noStrike">
                 <a:latin typeface="Arial"/>
               </a:rPr>
-              <a:t>ond </a:t>
+              <a:t>co</a:t>
             </a:r>
             <a:r>
               <a:rPr b="0" lang="en-US" sz="2800" spc="-1" strike="noStrike">
                 <a:latin typeface="Arial"/>
               </a:rPr>
-              <a:t>Outl</a:t>
+              <a:t>nd </a:t>
             </a:r>
             <a:r>
               <a:rPr b="0" lang="en-US" sz="2800" spc="-1" strike="noStrike">
                 <a:latin typeface="Arial"/>
               </a:rPr>
-              <a:t>ine </a:t>
+              <a:t>Ou</a:t>
             </a:r>
             <a:r>
               <a:rPr b="0" lang="en-US" sz="2800" spc="-1" strike="noStrike">
                 <a:latin typeface="Arial"/>
               </a:rPr>
-              <a:t>Lev</a:t>
+              <a:t>tlin</a:t>
             </a:r>
             <a:r>
               <a:rPr b="0" lang="en-US" sz="2800" spc="-1" strike="noStrike">
                 <a:latin typeface="Arial"/>
               </a:rPr>
-              <a:t>el</a:t>
+              <a:t>e </a:t>
+            </a:r>
+            <a:r>
+              <a:rPr b="0" lang="en-US" sz="2800" spc="-1" strike="noStrike">
+                <a:latin typeface="Arial"/>
+              </a:rPr>
+              <a:t>Le</a:t>
+            </a:r>
+            <a:r>
+              <a:rPr b="0" lang="en-US" sz="2800" spc="-1" strike="noStrike">
+                <a:latin typeface="Arial"/>
+              </a:rPr>
+              <a:t>vel</a:t>
             </a:r>
             <a:endParaRPr b="0" lang="en-US" sz="2800" spc="-1" strike="noStrike">
               <a:latin typeface="Arial"/>
@@ -10130,24 +12465,36 @@
               <a:rPr b="0" lang="en-US" sz="2400" spc="-1" strike="noStrike">
                 <a:latin typeface="Arial"/>
               </a:rPr>
-              <a:t>hi</a:t>
+              <a:t>h</a:t>
             </a:r>
             <a:r>
               <a:rPr b="0" lang="en-US" sz="2400" spc="-1" strike="noStrike">
                 <a:latin typeface="Arial"/>
               </a:rPr>
+              <a:t>i</a:t>
+            </a:r>
+            <a:r>
+              <a:rPr b="0" lang="en-US" sz="2400" spc="-1" strike="noStrike">
+                <a:latin typeface="Arial"/>
+              </a:rPr>
               <a:t>r</a:t>
             </a:r>
             <a:r>
               <a:rPr b="0" lang="en-US" sz="2400" spc="-1" strike="noStrike">
                 <a:latin typeface="Arial"/>
               </a:rPr>
-              <a:t>d </a:t>
+              <a:t>d</a:t>
             </a:r>
             <a:r>
               <a:rPr b="0" lang="en-US" sz="2400" spc="-1" strike="noStrike">
                 <a:latin typeface="Arial"/>
               </a:rPr>
+              <a:t> </a:t>
+            </a:r>
+            <a:r>
+              <a:rPr b="0" lang="en-US" sz="2400" spc="-1" strike="noStrike">
+                <a:latin typeface="Arial"/>
+              </a:rPr>
               <a:t>O</a:t>
             </a:r>
             <a:r>
@@ -10160,24 +12507,42 @@
               <a:rPr b="0" lang="en-US" sz="2400" spc="-1" strike="noStrike">
                 <a:latin typeface="Arial"/>
               </a:rPr>
-              <a:t>tli</a:t>
+              <a:t>t</a:t>
             </a:r>
             <a:r>
               <a:rPr b="0" lang="en-US" sz="2400" spc="-1" strike="noStrike">
                 <a:latin typeface="Arial"/>
               </a:rPr>
+              <a:t>l</a:t>
+            </a:r>
+            <a:r>
+              <a:rPr b="0" lang="en-US" sz="2400" spc="-1" strike="noStrike">
+                <a:latin typeface="Arial"/>
+              </a:rPr>
+              <a:t>i</a:t>
+            </a:r>
+            <a:r>
+              <a:rPr b="0" lang="en-US" sz="2400" spc="-1" strike="noStrike">
+                <a:latin typeface="Arial"/>
+              </a:rPr>
               <a:t>n</a:t>
             </a:r>
             <a:r>
               <a:rPr b="0" lang="en-US" sz="2400" spc="-1" strike="noStrike">
                 <a:latin typeface="Arial"/>
               </a:rPr>
-              <a:t>e </a:t>
+              <a:t>e</a:t>
             </a:r>
             <a:r>
               <a:rPr b="0" lang="en-US" sz="2400" spc="-1" strike="noStrike">
                 <a:latin typeface="Arial"/>
               </a:rPr>
+              <a:t> </a:t>
+            </a:r>
+            <a:r>
+              <a:rPr b="0" lang="en-US" sz="2400" spc="-1" strike="noStrike">
+                <a:latin typeface="Arial"/>
+              </a:rPr>
               <a:t>L</a:t>
             </a:r>
             <a:r>
@@ -10196,7 +12561,13 @@
               <a:rPr b="0" lang="en-US" sz="2400" spc="-1" strike="noStrike">
                 <a:latin typeface="Arial"/>
               </a:rPr>
-              <a:t>el</a:t>
+              <a:t>e</a:t>
+            </a:r>
+            <a:r>
+              <a:rPr b="0" lang="en-US" sz="2400" spc="-1" strike="noStrike">
+                <a:latin typeface="Arial"/>
+              </a:rPr>
+              <a:t>l</a:t>
             </a:r>
             <a:endParaRPr b="0" lang="en-US" sz="2400" spc="-1" strike="noStrike">
               <a:latin typeface="Arial"/>
@@ -10758,6 +13129,571 @@
     <p:sldLayoutId id="2147483710" r:id="rId13"/>
     <p:sldLayoutId id="2147483711" r:id="rId14"/>
     <p:sldLayoutId id="2147483712" r:id="rId15"/>
+  </p:sldLayoutIdLst>
+</p:sldMaster>
+</file>
+
+<file path=ppt/slideMasters/slideMaster6.xml><?xml version="1.0" encoding="utf-8"?>
+<p:sldMaster xmlns:a="http://schemas.openxmlformats.org/drawingml/2006/main" xmlns:p="http://schemas.openxmlformats.org/presentationml/2006/main" xmlns:r="http://schemas.openxmlformats.org/officeDocument/2006/relationships" xmlns:p14="http://schemas.microsoft.com/office/powerpoint/2010/main" xmlns:p15="http://schemas.microsoft.com/office/powerpoint/2012/main" xmlns:mc="http://schemas.openxmlformats.org/markup-compatibility/2006">
+  <p:cSld>
+    <p:bg>
+      <p:bgPr>
+        <a:blipFill rotWithShape="0">
+          <a:blip r:embed="rId2"/>
+          <a:stretch/>
+        </a:blipFill>
+      </p:bgPr>
+    </p:bg>
+    <p:spTree>
+      <p:nvGrpSpPr>
+        <p:cNvPr id="1" name=""/>
+        <p:cNvGrpSpPr/>
+        <p:nvPr/>
+      </p:nvGrpSpPr>
+      <p:grpSpPr>
+        <a:xfrm>
+          <a:off x="0" y="0"/>
+          <a:ext cx="0" cy="0"/>
+          <a:chOff x="0" y="0"/>
+          <a:chExt cx="0" cy="0"/>
+        </a:xfrm>
+      </p:grpSpPr>
+      <p:pic>
+        <p:nvPicPr>
+          <p:cNvPr id="214" name="Google Shape;230;p52" descr="Icon&#10;&#10;Description automatically generated"/>
+          <p:cNvPicPr/>
+          <p:nvPr/>
+        </p:nvPicPr>
+        <p:blipFill>
+          <a:blip r:embed="rId3"/>
+          <a:stretch/>
+        </p:blipFill>
+        <p:spPr>
+          <a:xfrm>
+            <a:off x="388080" y="348480"/>
+            <a:ext cx="334800" cy="334800"/>
+          </a:xfrm>
+          <a:prstGeom prst="rect">
+            <a:avLst/>
+          </a:prstGeom>
+          <a:ln w="0">
+            <a:noFill/>
+          </a:ln>
+        </p:spPr>
+      </p:pic>
+      <p:sp>
+        <p:nvSpPr>
+          <p:cNvPr id="215" name="Google Shape;231;p52"/>
+          <p:cNvSpPr/>
+          <p:nvPr/>
+        </p:nvSpPr>
+        <p:spPr>
+          <a:xfrm>
+            <a:off x="2473920" y="348120"/>
+            <a:ext cx="360" cy="438840"/>
+          </a:xfrm>
+          <a:custGeom>
+            <a:avLst/>
+            <a:gdLst/>
+            <a:ahLst/>
+            <a:rect l="l" t="t" r="r" b="b"/>
+            <a:pathLst>
+              <a:path w="21600" h="21600">
+                <a:moveTo>
+                  <a:pt x="0" y="0"/>
+                </a:moveTo>
+                <a:lnTo>
+                  <a:pt x="21600" y="21600"/>
+                </a:lnTo>
+              </a:path>
+            </a:pathLst>
+          </a:custGeom>
+          <a:noFill/>
+          <a:ln w="12700">
+            <a:solidFill>
+              <a:srgbClr val="102d69"/>
+            </a:solidFill>
+            <a:miter/>
+          </a:ln>
+        </p:spPr>
+        <p:style>
+          <a:lnRef idx="0"/>
+          <a:fillRef idx="0"/>
+          <a:effectRef idx="0"/>
+          <a:fontRef idx="minor"/>
+        </p:style>
+      </p:sp>
+      <p:sp>
+        <p:nvSpPr>
+          <p:cNvPr id="216" name="Google Shape;232;p52"/>
+          <p:cNvSpPr/>
+          <p:nvPr/>
+        </p:nvSpPr>
+        <p:spPr>
+          <a:xfrm>
+            <a:off x="4574520" y="348120"/>
+            <a:ext cx="360" cy="438840"/>
+          </a:xfrm>
+          <a:custGeom>
+            <a:avLst/>
+            <a:gdLst/>
+            <a:ahLst/>
+            <a:rect l="l" t="t" r="r" b="b"/>
+            <a:pathLst>
+              <a:path w="21600" h="21600">
+                <a:moveTo>
+                  <a:pt x="0" y="0"/>
+                </a:moveTo>
+                <a:lnTo>
+                  <a:pt x="21600" y="21600"/>
+                </a:lnTo>
+              </a:path>
+            </a:pathLst>
+          </a:custGeom>
+          <a:noFill/>
+          <a:ln w="12700">
+            <a:solidFill>
+              <a:srgbClr val="102d69"/>
+            </a:solidFill>
+            <a:miter/>
+          </a:ln>
+        </p:spPr>
+        <p:style>
+          <a:lnRef idx="0"/>
+          <a:fillRef idx="0"/>
+          <a:effectRef idx="0"/>
+          <a:fontRef idx="minor"/>
+        </p:style>
+      </p:sp>
+      <p:sp>
+        <p:nvSpPr>
+          <p:cNvPr id="217" name="Google Shape;233;p52"/>
+          <p:cNvSpPr/>
+          <p:nvPr/>
+        </p:nvSpPr>
+        <p:spPr>
+          <a:xfrm>
+            <a:off x="7707600" y="348120"/>
+            <a:ext cx="360" cy="438840"/>
+          </a:xfrm>
+          <a:custGeom>
+            <a:avLst/>
+            <a:gdLst/>
+            <a:ahLst/>
+            <a:rect l="l" t="t" r="r" b="b"/>
+            <a:pathLst>
+              <a:path w="21600" h="21600">
+                <a:moveTo>
+                  <a:pt x="0" y="0"/>
+                </a:moveTo>
+                <a:lnTo>
+                  <a:pt x="21600" y="21600"/>
+                </a:lnTo>
+              </a:path>
+            </a:pathLst>
+          </a:custGeom>
+          <a:noFill/>
+          <a:ln w="12700">
+            <a:solidFill>
+              <a:srgbClr val="102d69"/>
+            </a:solidFill>
+            <a:miter/>
+          </a:ln>
+        </p:spPr>
+        <p:style>
+          <a:lnRef idx="0"/>
+          <a:fillRef idx="0"/>
+          <a:effectRef idx="0"/>
+          <a:fontRef idx="minor"/>
+        </p:style>
+      </p:sp>
+      <p:sp>
+        <p:nvSpPr>
+          <p:cNvPr id="218" name="Google Shape;234;p52"/>
+          <p:cNvSpPr/>
+          <p:nvPr/>
+        </p:nvSpPr>
+        <p:spPr>
+          <a:xfrm>
+            <a:off x="7807680" y="399240"/>
+            <a:ext cx="502920" cy="227880"/>
+          </a:xfrm>
+          <a:prstGeom prst="rect">
+            <a:avLst/>
+          </a:prstGeom>
+          <a:noFill/>
+          <a:ln w="0">
+            <a:noFill/>
+          </a:ln>
+        </p:spPr>
+        <p:style>
+          <a:lnRef idx="0"/>
+          <a:fillRef idx="0"/>
+          <a:effectRef idx="0"/>
+          <a:fontRef idx="minor"/>
+        </p:style>
+        <p:txBody>
+          <a:bodyPr lIns="0" rIns="0" tIns="0" bIns="0" anchor="t">
+            <a:noAutofit/>
+          </a:bodyPr>
+          <a:p>
+            <a:pPr>
+              <a:lnSpc>
+                <a:spcPct val="100000"/>
+              </a:lnSpc>
+              <a:buNone/>
+              <a:tabLst>
+                <a:tab algn="l" pos="0"/>
+              </a:tabLst>
+            </a:pPr>
+            <a:fld id="{712EDBC4-0414-4B76-BDEE-E74D40D876DE}" type="slidenum">
+              <a:rPr b="0" lang="ru" sz="1500" spc="-1" strike="noStrike">
+                <a:solidFill>
+                  <a:srgbClr val="102d69"/>
+                </a:solidFill>
+                <a:latin typeface="Arial"/>
+                <a:ea typeface="Arial"/>
+              </a:rPr>
+              <a:t>&lt;number&gt;</a:t>
+            </a:fld>
+            <a:endParaRPr b="0" lang="en-US" sz="1500" spc="-1" strike="noStrike">
+              <a:latin typeface="Arial"/>
+            </a:endParaRPr>
+          </a:p>
+        </p:txBody>
+      </p:sp>
+      <p:sp>
+        <p:nvSpPr>
+          <p:cNvPr id="219" name="Google Shape;235;p52"/>
+          <p:cNvSpPr/>
+          <p:nvPr/>
+        </p:nvSpPr>
+        <p:spPr>
+          <a:xfrm>
+            <a:off x="8732880" y="348120"/>
+            <a:ext cx="360" cy="438840"/>
+          </a:xfrm>
+          <a:custGeom>
+            <a:avLst/>
+            <a:gdLst/>
+            <a:ahLst/>
+            <a:rect l="l" t="t" r="r" b="b"/>
+            <a:pathLst>
+              <a:path w="21600" h="21600">
+                <a:moveTo>
+                  <a:pt x="0" y="0"/>
+                </a:moveTo>
+                <a:lnTo>
+                  <a:pt x="21600" y="21600"/>
+                </a:lnTo>
+              </a:path>
+            </a:pathLst>
+          </a:custGeom>
+          <a:noFill/>
+          <a:ln w="12700">
+            <a:solidFill>
+              <a:srgbClr val="102d69"/>
+            </a:solidFill>
+            <a:miter/>
+          </a:ln>
+        </p:spPr>
+        <p:style>
+          <a:lnRef idx="0"/>
+          <a:fillRef idx="0"/>
+          <a:effectRef idx="0"/>
+          <a:fontRef idx="minor"/>
+        </p:style>
+      </p:sp>
+      <p:sp>
+        <p:nvSpPr>
+          <p:cNvPr id="220" name="PlaceHolder 1"/>
+          <p:cNvSpPr>
+            <a:spLocks noGrp="1"/>
+          </p:cNvSpPr>
+          <p:nvPr>
+            <p:ph type="title"/>
+          </p:nvPr>
+        </p:nvSpPr>
+        <p:spPr>
+          <a:xfrm>
+            <a:off x="457200" y="205200"/>
+            <a:ext cx="8229240" cy="858600"/>
+          </a:xfrm>
+          <a:prstGeom prst="rect">
+            <a:avLst/>
+          </a:prstGeom>
+          <a:noFill/>
+          <a:ln w="0">
+            <a:noFill/>
+          </a:ln>
+        </p:spPr>
+        <p:txBody>
+          <a:bodyPr lIns="0" rIns="0" tIns="0" bIns="0" anchor="ctr">
+            <a:noAutofit/>
+          </a:bodyPr>
+          <a:p>
+            <a:pPr algn="ctr">
+              <a:buNone/>
+            </a:pPr>
+            <a:r>
+              <a:rPr b="0" lang="en-US" sz="4400" spc="-1" strike="noStrike">
+                <a:latin typeface="Arial"/>
+              </a:rPr>
+              <a:t>Click to edit the title text format</a:t>
+            </a:r>
+            <a:endParaRPr b="0" lang="en-US" sz="4400" spc="-1" strike="noStrike">
+              <a:latin typeface="Arial"/>
+            </a:endParaRPr>
+          </a:p>
+        </p:txBody>
+      </p:sp>
+      <p:sp>
+        <p:nvSpPr>
+          <p:cNvPr id="221" name="PlaceHolder 2"/>
+          <p:cNvSpPr>
+            <a:spLocks noGrp="1"/>
+          </p:cNvSpPr>
+          <p:nvPr>
+            <p:ph type="body"/>
+          </p:nvPr>
+        </p:nvSpPr>
+        <p:spPr>
+          <a:xfrm>
+            <a:off x="457200" y="1203480"/>
+            <a:ext cx="8229240" cy="2982960"/>
+          </a:xfrm>
+          <a:prstGeom prst="rect">
+            <a:avLst/>
+          </a:prstGeom>
+          <a:noFill/>
+          <a:ln w="0">
+            <a:noFill/>
+          </a:ln>
+        </p:spPr>
+        <p:txBody>
+          <a:bodyPr lIns="0" rIns="0" tIns="0" bIns="0" anchor="t">
+            <a:normAutofit/>
+          </a:bodyPr>
+          <a:p>
+            <a:pPr marL="432000" indent="-324000">
+              <a:spcBef>
+                <a:spcPts val="1417"/>
+              </a:spcBef>
+              <a:buClr>
+                <a:srgbClr val="000000"/>
+              </a:buClr>
+              <a:buSzPct val="45000"/>
+              <a:buFont typeface="Wingdings" charset="2"/>
+              <a:buChar char=""/>
+            </a:pPr>
+            <a:r>
+              <a:rPr b="0" lang="en-US" sz="3200" spc="-1" strike="noStrike">
+                <a:latin typeface="Arial"/>
+              </a:rPr>
+              <a:t>Click to edit the </a:t>
+            </a:r>
+            <a:r>
+              <a:rPr b="0" lang="en-US" sz="3200" spc="-1" strike="noStrike">
+                <a:latin typeface="Arial"/>
+              </a:rPr>
+              <a:t>outline text format</a:t>
+            </a:r>
+            <a:endParaRPr b="0" lang="en-US" sz="3200" spc="-1" strike="noStrike">
+              <a:latin typeface="Arial"/>
+            </a:endParaRPr>
+          </a:p>
+          <a:p>
+            <a:pPr lvl="1" marL="864000" indent="-324000">
+              <a:spcBef>
+                <a:spcPts val="1134"/>
+              </a:spcBef>
+              <a:buClr>
+                <a:srgbClr val="000000"/>
+              </a:buClr>
+              <a:buSzPct val="75000"/>
+              <a:buFont typeface="Symbol" charset="2"/>
+              <a:buChar char=""/>
+            </a:pPr>
+            <a:r>
+              <a:rPr b="0" lang="en-US" sz="2800" spc="-1" strike="noStrike">
+                <a:latin typeface="Arial"/>
+              </a:rPr>
+              <a:t>Second Outline </a:t>
+            </a:r>
+            <a:r>
+              <a:rPr b="0" lang="en-US" sz="2800" spc="-1" strike="noStrike">
+                <a:latin typeface="Arial"/>
+              </a:rPr>
+              <a:t>Level</a:t>
+            </a:r>
+            <a:endParaRPr b="0" lang="en-US" sz="2800" spc="-1" strike="noStrike">
+              <a:latin typeface="Arial"/>
+            </a:endParaRPr>
+          </a:p>
+          <a:p>
+            <a:pPr lvl="2" marL="1296000" indent="-288000">
+              <a:spcBef>
+                <a:spcPts val="850"/>
+              </a:spcBef>
+              <a:buClr>
+                <a:srgbClr val="000000"/>
+              </a:buClr>
+              <a:buSzPct val="45000"/>
+              <a:buFont typeface="Wingdings" charset="2"/>
+              <a:buChar char=""/>
+            </a:pPr>
+            <a:r>
+              <a:rPr b="0" lang="en-US" sz="2400" spc="-1" strike="noStrike">
+                <a:latin typeface="Arial"/>
+              </a:rPr>
+              <a:t>Third Outline Level</a:t>
+            </a:r>
+            <a:endParaRPr b="0" lang="en-US" sz="2400" spc="-1" strike="noStrike">
+              <a:latin typeface="Arial"/>
+            </a:endParaRPr>
+          </a:p>
+          <a:p>
+            <a:pPr lvl="3" marL="1728000" indent="-216000">
+              <a:spcBef>
+                <a:spcPts val="567"/>
+              </a:spcBef>
+              <a:buClr>
+                <a:srgbClr val="000000"/>
+              </a:buClr>
+              <a:buSzPct val="75000"/>
+              <a:buFont typeface="Symbol" charset="2"/>
+              <a:buChar char=""/>
+            </a:pPr>
+            <a:r>
+              <a:rPr b="0" lang="en-US" sz="2000" spc="-1" strike="noStrike">
+                <a:latin typeface="Arial"/>
+              </a:rPr>
+              <a:t>Fourth Outline </a:t>
+            </a:r>
+            <a:r>
+              <a:rPr b="0" lang="en-US" sz="2000" spc="-1" strike="noStrike">
+                <a:latin typeface="Arial"/>
+              </a:rPr>
+              <a:t>Level</a:t>
+            </a:r>
+            <a:endParaRPr b="0" lang="en-US" sz="2000" spc="-1" strike="noStrike">
+              <a:latin typeface="Arial"/>
+            </a:endParaRPr>
+          </a:p>
+          <a:p>
+            <a:pPr lvl="4" marL="2160000" indent="-216000">
+              <a:spcBef>
+                <a:spcPts val="283"/>
+              </a:spcBef>
+              <a:buClr>
+                <a:srgbClr val="000000"/>
+              </a:buClr>
+              <a:buSzPct val="45000"/>
+              <a:buFont typeface="Wingdings" charset="2"/>
+              <a:buChar char=""/>
+            </a:pPr>
+            <a:r>
+              <a:rPr b="0" lang="en-US" sz="2000" spc="-1" strike="noStrike">
+                <a:latin typeface="Arial"/>
+              </a:rPr>
+              <a:t>Fifth Outline </a:t>
+            </a:r>
+            <a:r>
+              <a:rPr b="0" lang="en-US" sz="2000" spc="-1" strike="noStrike">
+                <a:latin typeface="Arial"/>
+              </a:rPr>
+              <a:t>Level</a:t>
+            </a:r>
+            <a:endParaRPr b="0" lang="en-US" sz="2000" spc="-1" strike="noStrike">
+              <a:latin typeface="Arial"/>
+            </a:endParaRPr>
+          </a:p>
+          <a:p>
+            <a:pPr lvl="5" marL="2592000" indent="-216000">
+              <a:spcBef>
+                <a:spcPts val="283"/>
+              </a:spcBef>
+              <a:buClr>
+                <a:srgbClr val="000000"/>
+              </a:buClr>
+              <a:buSzPct val="45000"/>
+              <a:buFont typeface="Wingdings" charset="2"/>
+              <a:buChar char=""/>
+            </a:pPr>
+            <a:r>
+              <a:rPr b="0" lang="en-US" sz="2000" spc="-1" strike="noStrike">
+                <a:latin typeface="Arial"/>
+              </a:rPr>
+              <a:t>Sixth </a:t>
+            </a:r>
+            <a:r>
+              <a:rPr b="0" lang="en-US" sz="2000" spc="-1" strike="noStrike">
+                <a:latin typeface="Arial"/>
+              </a:rPr>
+              <a:t>Outline </a:t>
+            </a:r>
+            <a:r>
+              <a:rPr b="0" lang="en-US" sz="2000" spc="-1" strike="noStrike">
+                <a:latin typeface="Arial"/>
+              </a:rPr>
+              <a:t>Level</a:t>
+            </a:r>
+            <a:endParaRPr b="0" lang="en-US" sz="2000" spc="-1" strike="noStrike">
+              <a:latin typeface="Arial"/>
+            </a:endParaRPr>
+          </a:p>
+          <a:p>
+            <a:pPr lvl="6" marL="3024000" indent="-216000">
+              <a:spcBef>
+                <a:spcPts val="283"/>
+              </a:spcBef>
+              <a:buClr>
+                <a:srgbClr val="000000"/>
+              </a:buClr>
+              <a:buSzPct val="45000"/>
+              <a:buFont typeface="Wingdings" charset="2"/>
+              <a:buChar char=""/>
+            </a:pPr>
+            <a:r>
+              <a:rPr b="0" lang="en-US" sz="2000" spc="-1" strike="noStrike">
+                <a:latin typeface="Arial"/>
+              </a:rPr>
+              <a:t>Seventh </a:t>
+            </a:r>
+            <a:r>
+              <a:rPr b="0" lang="en-US" sz="2000" spc="-1" strike="noStrike">
+                <a:latin typeface="Arial"/>
+              </a:rPr>
+              <a:t>Outline </a:t>
+            </a:r>
+            <a:r>
+              <a:rPr b="0" lang="en-US" sz="2000" spc="-1" strike="noStrike">
+                <a:latin typeface="Arial"/>
+              </a:rPr>
+              <a:t>Level</a:t>
+            </a:r>
+            <a:endParaRPr b="0" lang="en-US" sz="2000" spc="-1" strike="noStrike">
+              <a:latin typeface="Arial"/>
+            </a:endParaRPr>
+          </a:p>
+        </p:txBody>
+      </p:sp>
+    </p:spTree>
+  </p:cSld>
+  <p:clrMap bg1="lt1" bg2="lt2" tx1="dk1" tx2="dk2" accent1="accent1" accent2="accent2" accent3="accent3" accent4="accent4" accent5="accent5" accent6="accent6" hlink="hlink" folHlink="folHlink"/>
+  <p:sldLayoutIdLst>
+    <p:sldLayoutId id="2147483714" r:id="rId4"/>
+    <p:sldLayoutId id="2147483715" r:id="rId5"/>
+    <p:sldLayoutId id="2147483716" r:id="rId6"/>
+    <p:sldLayoutId id="2147483717" r:id="rId7"/>
+    <p:sldLayoutId id="2147483718" r:id="rId8"/>
+    <p:sldLayoutId id="2147483719" r:id="rId9"/>
+    <p:sldLayoutId id="2147483720" r:id="rId10"/>
+    <p:sldLayoutId id="2147483721" r:id="rId11"/>
+    <p:sldLayoutId id="2147483722" r:id="rId12"/>
+    <p:sldLayoutId id="2147483723" r:id="rId13"/>
+    <p:sldLayoutId id="2147483724" r:id="rId14"/>
+    <p:sldLayoutId id="2147483725" r:id="rId15"/>
   </p:sldLayoutIdLst>
 </p:sldMaster>
 </file>
@@ -10781,7 +13717,7 @@
       </p:grpSpPr>
       <p:sp>
         <p:nvSpPr>
-          <p:cNvPr id="214" name="PlaceHolder 1"/>
+          <p:cNvPr id="258" name="PlaceHolder 1"/>
           <p:cNvSpPr>
             <a:spLocks noGrp="1"/>
           </p:cNvSpPr>
@@ -10824,7 +13760,7 @@
                 <a:latin typeface="Roboto"/>
                 <a:ea typeface="Roboto"/>
               </a:rPr>
-              <a:t>A </a:t>
+              <a:t>A Program for Modeling the Perception of Success Factors </a:t>
             </a:r>
             <a:r>
               <a:rPr b="0" lang="ru" sz="2300" spc="-1" strike="noStrike">
@@ -10834,137 +13770,7 @@
                 <a:latin typeface="Roboto"/>
                 <a:ea typeface="Roboto"/>
               </a:rPr>
-              <a:t>Program </a:t>
-            </a:r>
-            <a:r>
-              <a:rPr b="0" lang="ru" sz="2300" spc="-1" strike="noStrike">
-                <a:solidFill>
-                  <a:srgbClr val="0f2c68"/>
-                </a:solidFill>
-                <a:latin typeface="Roboto"/>
-                <a:ea typeface="Roboto"/>
-              </a:rPr>
-              <a:t>for </a:t>
-            </a:r>
-            <a:r>
-              <a:rPr b="0" lang="ru" sz="2300" spc="-1" strike="noStrike">
-                <a:solidFill>
-                  <a:srgbClr val="0f2c68"/>
-                </a:solidFill>
-                <a:latin typeface="Roboto"/>
-                <a:ea typeface="Roboto"/>
-              </a:rPr>
-              <a:t>Modeling </a:t>
-            </a:r>
-            <a:r>
-              <a:rPr b="0" lang="ru" sz="2300" spc="-1" strike="noStrike">
-                <a:solidFill>
-                  <a:srgbClr val="0f2c68"/>
-                </a:solidFill>
-                <a:latin typeface="Roboto"/>
-                <a:ea typeface="Roboto"/>
-              </a:rPr>
-              <a:t>the </a:t>
-            </a:r>
-            <a:r>
-              <a:rPr b="0" lang="ru" sz="2300" spc="-1" strike="noStrike">
-                <a:solidFill>
-                  <a:srgbClr val="0f2c68"/>
-                </a:solidFill>
-                <a:latin typeface="Roboto"/>
-                <a:ea typeface="Roboto"/>
-              </a:rPr>
-              <a:t>Perceptio</a:t>
-            </a:r>
-            <a:r>
-              <a:rPr b="0" lang="ru" sz="2300" spc="-1" strike="noStrike">
-                <a:solidFill>
-                  <a:srgbClr val="0f2c68"/>
-                </a:solidFill>
-                <a:latin typeface="Roboto"/>
-                <a:ea typeface="Roboto"/>
-              </a:rPr>
-              <a:t>n of </a:t>
-            </a:r>
-            <a:r>
-              <a:rPr b="0" lang="ru" sz="2300" spc="-1" strike="noStrike">
-                <a:solidFill>
-                  <a:srgbClr val="0f2c68"/>
-                </a:solidFill>
-                <a:latin typeface="Roboto"/>
-                <a:ea typeface="Roboto"/>
-              </a:rPr>
-              <a:t>Success </a:t>
-            </a:r>
-            <a:r>
-              <a:rPr b="0" lang="ru" sz="2300" spc="-1" strike="noStrike">
-                <a:solidFill>
-                  <a:srgbClr val="0f2c68"/>
-                </a:solidFill>
-                <a:latin typeface="Roboto"/>
-                <a:ea typeface="Roboto"/>
-              </a:rPr>
-              <a:t>Factors of </a:t>
-            </a:r>
-            <a:r>
-              <a:rPr b="0" lang="ru" sz="2300" spc="-1" strike="noStrike">
-                <a:solidFill>
-                  <a:srgbClr val="0f2c68"/>
-                </a:solidFill>
-                <a:latin typeface="Roboto"/>
-                <a:ea typeface="Roboto"/>
-              </a:rPr>
-              <a:t>an IT-</a:t>
-            </a:r>
-            <a:r>
-              <a:rPr b="0" lang="ru" sz="2300" spc="-1" strike="noStrike">
-                <a:solidFill>
-                  <a:srgbClr val="0f2c68"/>
-                </a:solidFill>
-                <a:latin typeface="Roboto"/>
-                <a:ea typeface="Roboto"/>
-              </a:rPr>
-              <a:t>Project </a:t>
-            </a:r>
-            <a:r>
-              <a:rPr b="0" lang="ru" sz="2300" spc="-1" strike="noStrike">
-                <a:solidFill>
-                  <a:srgbClr val="0f2c68"/>
-                </a:solidFill>
-                <a:latin typeface="Roboto"/>
-                <a:ea typeface="Roboto"/>
-              </a:rPr>
-              <a:t>Using </a:t>
-            </a:r>
-            <a:r>
-              <a:rPr b="0" lang="ru" sz="2300" spc="-1" strike="noStrike">
-                <a:solidFill>
-                  <a:srgbClr val="0f2c68"/>
-                </a:solidFill>
-                <a:latin typeface="Roboto"/>
-                <a:ea typeface="Roboto"/>
-              </a:rPr>
-              <a:t>Fuzzy </a:t>
-            </a:r>
-            <a:r>
-              <a:rPr b="0" lang="ru" sz="2300" spc="-1" strike="noStrike">
-                <a:solidFill>
-                  <a:srgbClr val="0f2c68"/>
-                </a:solidFill>
-                <a:latin typeface="Roboto"/>
-                <a:ea typeface="Roboto"/>
-              </a:rPr>
-              <a:t>Cognitive </a:t>
-            </a:r>
-            <a:r>
-              <a:rPr b="0" lang="ru" sz="2300" spc="-1" strike="noStrike">
-                <a:solidFill>
-                  <a:srgbClr val="0f2c68"/>
-                </a:solidFill>
-                <a:latin typeface="Roboto"/>
-                <a:ea typeface="Roboto"/>
-              </a:rPr>
-              <a:t>Maps</a:t>
+              <a:t>of an IT-Project Using Fuzzy Cognitive Maps</a:t>
             </a:r>
             <a:endParaRPr b="0" lang="en-US" sz="2300" spc="-1" strike="noStrike">
               <a:latin typeface="Arial"/>
@@ -10988,7 +13794,7 @@
       </p:sp>
       <p:sp>
         <p:nvSpPr>
-          <p:cNvPr id="215" name="PlaceHolder 2"/>
+          <p:cNvPr id="259" name="PlaceHolder 2"/>
           <p:cNvSpPr>
             <a:spLocks noGrp="1"/>
           </p:cNvSpPr>
@@ -11065,7 +13871,7 @@
       </p:sp>
       <p:sp>
         <p:nvSpPr>
-          <p:cNvPr id="216" name="PlaceHolder 3"/>
+          <p:cNvPr id="260" name="PlaceHolder 3"/>
           <p:cNvSpPr>
             <a:spLocks noGrp="1"/>
           </p:cNvSpPr>
@@ -11142,7 +13948,7 @@
       </p:sp>
       <p:sp>
         <p:nvSpPr>
-          <p:cNvPr id="217" name="PlaceHolder 4"/>
+          <p:cNvPr id="261" name="PlaceHolder 4"/>
           <p:cNvSpPr>
             <a:spLocks noGrp="1"/>
           </p:cNvSpPr>
@@ -11219,7 +14025,7 @@
       </p:sp>
       <p:sp>
         <p:nvSpPr>
-          <p:cNvPr id="218" name="PlaceHolder 5"/>
+          <p:cNvPr id="262" name="PlaceHolder 5"/>
           <p:cNvSpPr>
             <a:spLocks noGrp="1"/>
           </p:cNvSpPr>
@@ -11262,7 +14068,17 @@
                 <a:latin typeface="Roboto"/>
                 <a:ea typeface="Roboto"/>
               </a:rPr>
-              <a:t>The Program Project</a:t>
+              <a:t>The Program </a:t>
+            </a:r>
+            <a:r>
+              <a:rPr b="0" lang="ru" sz="1400" spc="-1" strike="noStrike">
+                <a:solidFill>
+                  <a:srgbClr val="0f2c68"/>
+                </a:solidFill>
+                <a:latin typeface="Roboto"/>
+                <a:ea typeface="Roboto"/>
+              </a:rPr>
+              <a:t>Project</a:t>
             </a:r>
             <a:endParaRPr b="0" lang="en-US" sz="1400" spc="-1" strike="noStrike">
               <a:latin typeface="Arial"/>
@@ -11286,7 +14102,37 @@
                 <a:latin typeface="Roboto"/>
                 <a:ea typeface="Roboto"/>
               </a:rPr>
-              <a:t>Author: Nikita Sergeevich Peganov, BPI204 group</a:t>
+              <a:t>Author: Nikita </a:t>
+            </a:r>
+            <a:r>
+              <a:rPr b="0" lang="ru" sz="1400" spc="-1" strike="noStrike">
+                <a:solidFill>
+                  <a:srgbClr val="0f2c68"/>
+                </a:solidFill>
+                <a:latin typeface="Roboto"/>
+                <a:ea typeface="Roboto"/>
+              </a:rPr>
+              <a:t>Sergeevich </a:t>
+            </a:r>
+            <a:r>
+              <a:rPr b="0" lang="ru" sz="1400" spc="-1" strike="noStrike">
+                <a:solidFill>
+                  <a:srgbClr val="0f2c68"/>
+                </a:solidFill>
+                <a:latin typeface="Roboto"/>
+                <a:ea typeface="Roboto"/>
+              </a:rPr>
+              <a:t>Peganov, BPI204 </a:t>
+            </a:r>
+            <a:r>
+              <a:rPr b="0" lang="ru" sz="1400" spc="-1" strike="noStrike">
+                <a:solidFill>
+                  <a:srgbClr val="0f2c68"/>
+                </a:solidFill>
+                <a:latin typeface="Roboto"/>
+                <a:ea typeface="Roboto"/>
+              </a:rPr>
+              <a:t>group</a:t>
             </a:r>
             <a:endParaRPr b="0" lang="en-US" sz="1400" spc="-1" strike="noStrike">
               <a:latin typeface="Arial"/>
@@ -11310,7 +14156,47 @@
                 <a:latin typeface="Roboto"/>
                 <a:ea typeface="Roboto"/>
               </a:rPr>
-              <a:t>Supervisor: Assoc. Prof., Department of SE, Ph.D. K. Y. Degtyarev</a:t>
+              <a:t>Supervisor: </a:t>
+            </a:r>
+            <a:r>
+              <a:rPr b="0" lang="ru" sz="1400" spc="-1" strike="noStrike">
+                <a:solidFill>
+                  <a:srgbClr val="0f2c68"/>
+                </a:solidFill>
+                <a:latin typeface="Roboto"/>
+                <a:ea typeface="Roboto"/>
+              </a:rPr>
+              <a:t>Assoc. Prof., </a:t>
+            </a:r>
+            <a:r>
+              <a:rPr b="0" lang="ru" sz="1400" spc="-1" strike="noStrike">
+                <a:solidFill>
+                  <a:srgbClr val="0f2c68"/>
+                </a:solidFill>
+                <a:latin typeface="Roboto"/>
+                <a:ea typeface="Roboto"/>
+              </a:rPr>
+              <a:t>Department of </a:t>
+            </a:r>
+            <a:r>
+              <a:rPr b="0" lang="ru" sz="1400" spc="-1" strike="noStrike">
+                <a:solidFill>
+                  <a:srgbClr val="0f2c68"/>
+                </a:solidFill>
+                <a:latin typeface="Roboto"/>
+                <a:ea typeface="Roboto"/>
+              </a:rPr>
+              <a:t>SE, Ph.D. K. Y. </a:t>
+            </a:r>
+            <a:r>
+              <a:rPr b="0" lang="ru" sz="1400" spc="-1" strike="noStrike">
+                <a:solidFill>
+                  <a:srgbClr val="0f2c68"/>
+                </a:solidFill>
+                <a:latin typeface="Roboto"/>
+                <a:ea typeface="Roboto"/>
+              </a:rPr>
+              <a:t>Degtyarev</a:t>
             </a:r>
             <a:endParaRPr b="0" lang="en-US" sz="1400" spc="-1" strike="noStrike">
               <a:latin typeface="Arial"/>
@@ -11334,7 +14220,67 @@
                 <a:latin typeface="Roboto"/>
                 <a:ea typeface="Roboto"/>
               </a:rPr>
-              <a:t>Educational program: “Software Engineering” of the Higher School of Economics</a:t>
+              <a:t>Educational </a:t>
+            </a:r>
+            <a:r>
+              <a:rPr b="0" lang="ru" sz="1400" spc="-1" strike="noStrike">
+                <a:solidFill>
+                  <a:srgbClr val="0f2c68"/>
+                </a:solidFill>
+                <a:latin typeface="Roboto"/>
+                <a:ea typeface="Roboto"/>
+              </a:rPr>
+              <a:t>program: </a:t>
+            </a:r>
+            <a:r>
+              <a:rPr b="0" lang="ru" sz="1400" spc="-1" strike="noStrike">
+                <a:solidFill>
+                  <a:srgbClr val="0f2c68"/>
+                </a:solidFill>
+                <a:latin typeface="Roboto"/>
+                <a:ea typeface="Roboto"/>
+              </a:rPr>
+              <a:t>“Software </a:t>
+            </a:r>
+            <a:r>
+              <a:rPr b="0" lang="ru" sz="1400" spc="-1" strike="noStrike">
+                <a:solidFill>
+                  <a:srgbClr val="0f2c68"/>
+                </a:solidFill>
+                <a:latin typeface="Roboto"/>
+                <a:ea typeface="Roboto"/>
+              </a:rPr>
+              <a:t>Engineering” of </a:t>
+            </a:r>
+            <a:r>
+              <a:rPr b="0" lang="ru" sz="1400" spc="-1" strike="noStrike">
+                <a:solidFill>
+                  <a:srgbClr val="0f2c68"/>
+                </a:solidFill>
+                <a:latin typeface="Roboto"/>
+                <a:ea typeface="Roboto"/>
+              </a:rPr>
+              <a:t>the Higher </a:t>
+            </a:r>
+            <a:r>
+              <a:rPr b="0" lang="ru" sz="1400" spc="-1" strike="noStrike">
+                <a:solidFill>
+                  <a:srgbClr val="0f2c68"/>
+                </a:solidFill>
+                <a:latin typeface="Roboto"/>
+                <a:ea typeface="Roboto"/>
+              </a:rPr>
+              <a:t>School of </a:t>
+            </a:r>
+            <a:r>
+              <a:rPr b="0" lang="ru" sz="1400" spc="-1" strike="noStrike">
+                <a:solidFill>
+                  <a:srgbClr val="0f2c68"/>
+                </a:solidFill>
+                <a:latin typeface="Roboto"/>
+                <a:ea typeface="Roboto"/>
+              </a:rPr>
+              <a:t>Economics</a:t>
             </a:r>
             <a:endParaRPr b="0" lang="en-US" sz="1400" spc="-1" strike="noStrike">
               <a:latin typeface="Arial"/>
@@ -11374,7 +14320,7 @@
       </p:grpSpPr>
       <p:sp>
         <p:nvSpPr>
-          <p:cNvPr id="219" name="PlaceHolder 1"/>
+          <p:cNvPr id="263" name="PlaceHolder 1"/>
           <p:cNvSpPr>
             <a:spLocks noGrp="1"/>
           </p:cNvSpPr>
@@ -11427,7 +14373,7 @@
       </p:sp>
       <p:sp>
         <p:nvSpPr>
-          <p:cNvPr id="220" name="PlaceHolder 2"/>
+          <p:cNvPr id="264" name="PlaceHolder 2"/>
           <p:cNvSpPr>
             <a:spLocks noGrp="1"/>
           </p:cNvSpPr>
@@ -11524,7 +14470,7 @@
                 <a:latin typeface="Roboto"/>
                 <a:ea typeface="Roboto"/>
               </a:rPr>
-              <a:t>- Discussion on </a:t>
+              <a:t>- Discussion on the </a:t>
             </a:r>
             <a:r>
               <a:rPr b="0" lang="ru" sz="1400" spc="-1" strike="noStrike">
@@ -11534,7 +14480,7 @@
                 <a:latin typeface="Roboto"/>
                 <a:ea typeface="Roboto"/>
               </a:rPr>
-              <a:t>the complexity of </a:t>
+              <a:t>complexity of factors </a:t>
             </a:r>
             <a:r>
               <a:rPr b="0" lang="ru" sz="1400" spc="-1" strike="noStrike">
@@ -11544,7 +14490,7 @@
                 <a:latin typeface="Roboto"/>
                 <a:ea typeface="Roboto"/>
               </a:rPr>
-              <a:t>factors </a:t>
+              <a:t>contributing to the success </a:t>
             </a:r>
             <a:r>
               <a:rPr b="0" lang="ru" sz="1400" spc="-1" strike="noStrike">
@@ -11554,27 +14500,7 @@
                 <a:latin typeface="Roboto"/>
                 <a:ea typeface="Roboto"/>
               </a:rPr>
-              <a:t>contributing to the </a:t>
-            </a:r>
-            <a:r>
-              <a:rPr b="0" lang="ru" sz="1400" spc="-1" strike="noStrike">
-                <a:solidFill>
-                  <a:srgbClr val="0f2c68"/>
-                </a:solidFill>
-                <a:latin typeface="Roboto"/>
-                <a:ea typeface="Roboto"/>
-              </a:rPr>
-              <a:t>success of IT </a:t>
-            </a:r>
-            <a:r>
-              <a:rPr b="0" lang="ru" sz="1400" spc="-1" strike="noStrike">
-                <a:solidFill>
-                  <a:srgbClr val="0f2c68"/>
-                </a:solidFill>
-                <a:latin typeface="Roboto"/>
-                <a:ea typeface="Roboto"/>
-              </a:rPr>
-              <a:t>projects.</a:t>
+              <a:t>of IT projects.</a:t>
             </a:r>
             <a:endParaRPr b="0" lang="en-US" sz="1400" spc="-1" strike="noStrike">
               <a:latin typeface="Arial"/>
@@ -11608,7 +14534,7 @@
                 <a:latin typeface="Roboto"/>
                 <a:ea typeface="Roboto"/>
               </a:rPr>
-              <a:t>- Introduction to </a:t>
+              <a:t>- Introduction to Fuzzy </a:t>
             </a:r>
             <a:r>
               <a:rPr b="0" lang="ru" sz="1400" spc="-1" strike="noStrike">
@@ -11618,7 +14544,7 @@
                 <a:latin typeface="Roboto"/>
                 <a:ea typeface="Roboto"/>
               </a:rPr>
-              <a:t>Fuzzy Cognitive </a:t>
+              <a:t>Cognitive Maps (FCMs) and </a:t>
             </a:r>
             <a:r>
               <a:rPr b="0" lang="ru" sz="1400" spc="-1" strike="noStrike">
@@ -11628,7 +14554,7 @@
                 <a:latin typeface="Roboto"/>
                 <a:ea typeface="Roboto"/>
               </a:rPr>
-              <a:t>Maps (FCMs) and </a:t>
+              <a:t>their role in modeling human </a:t>
             </a:r>
             <a:r>
               <a:rPr b="0" lang="ru" sz="1400" spc="-1" strike="noStrike">
@@ -11638,7 +14564,7 @@
                 <a:latin typeface="Roboto"/>
                 <a:ea typeface="Roboto"/>
               </a:rPr>
-              <a:t>their role in </a:t>
+              <a:t>reasoning and decision-</a:t>
             </a:r>
             <a:r>
               <a:rPr b="0" lang="ru" sz="1400" spc="-1" strike="noStrike">
@@ -11648,37 +14574,7 @@
                 <a:latin typeface="Roboto"/>
                 <a:ea typeface="Roboto"/>
               </a:rPr>
-              <a:t>modeling human </a:t>
-            </a:r>
-            <a:r>
-              <a:rPr b="0" lang="ru" sz="1400" spc="-1" strike="noStrike">
-                <a:solidFill>
-                  <a:srgbClr val="0f2c68"/>
-                </a:solidFill>
-                <a:latin typeface="Roboto"/>
-                <a:ea typeface="Roboto"/>
-              </a:rPr>
-              <a:t>reasoning and </a:t>
-            </a:r>
-            <a:r>
-              <a:rPr b="0" lang="ru" sz="1400" spc="-1" strike="noStrike">
-                <a:solidFill>
-                  <a:srgbClr val="0f2c68"/>
-                </a:solidFill>
-                <a:latin typeface="Roboto"/>
-                <a:ea typeface="Roboto"/>
-              </a:rPr>
-              <a:t>decision-making </a:t>
-            </a:r>
-            <a:r>
-              <a:rPr b="0" lang="ru" sz="1400" spc="-1" strike="noStrike">
-                <a:solidFill>
-                  <a:srgbClr val="0f2c68"/>
-                </a:solidFill>
-                <a:latin typeface="Roboto"/>
-                <a:ea typeface="Roboto"/>
-              </a:rPr>
-              <a:t>processes.</a:t>
+              <a:t>making processes.</a:t>
             </a:r>
             <a:endParaRPr b="0" lang="en-US" sz="1400" spc="-1" strike="noStrike">
               <a:latin typeface="Arial"/>
@@ -11726,17 +14622,7 @@
                 <a:latin typeface="Roboto"/>
                 <a:ea typeface="Roboto"/>
               </a:rPr>
-              <a:t>Problem </a:t>
-            </a:r>
-            <a:r>
-              <a:rPr b="1" lang="ru" sz="1400" spc="-1" strike="noStrike">
-                <a:solidFill>
-                  <a:srgbClr val="0f2c68"/>
-                </a:solidFill>
-                <a:latin typeface="Roboto"/>
-                <a:ea typeface="Roboto"/>
-              </a:rPr>
-              <a:t>Statement:</a:t>
+              <a:t>Problem Statement:</a:t>
             </a:r>
             <a:r>
               <a:rPr b="0" lang="ru" sz="1400" spc="-1" strike="noStrike">
@@ -11780,7 +14666,7 @@
                 <a:latin typeface="Roboto"/>
                 <a:ea typeface="Roboto"/>
               </a:rPr>
-              <a:t>- Identification of </a:t>
+              <a:t>- Identification of the need </a:t>
             </a:r>
             <a:r>
               <a:rPr b="0" lang="ru" sz="1400" spc="-1" strike="noStrike">
@@ -11790,7 +14676,7 @@
                 <a:latin typeface="Roboto"/>
                 <a:ea typeface="Roboto"/>
               </a:rPr>
-              <a:t>the need for a </a:t>
+              <a:t>for a comprehensive </a:t>
             </a:r>
             <a:r>
               <a:rPr b="0" lang="ru" sz="1400" spc="-1" strike="noStrike">
@@ -11800,7 +14686,7 @@
                 <a:latin typeface="Roboto"/>
                 <a:ea typeface="Roboto"/>
               </a:rPr>
-              <a:t>comprehensive </a:t>
+              <a:t>understanding of the </a:t>
             </a:r>
             <a:r>
               <a:rPr b="0" lang="ru" sz="1400" spc="-1" strike="noStrike">
@@ -11810,7 +14696,7 @@
                 <a:latin typeface="Roboto"/>
                 <a:ea typeface="Roboto"/>
               </a:rPr>
-              <a:t>understanding of </a:t>
+              <a:t>complex relationships and </a:t>
             </a:r>
             <a:r>
               <a:rPr b="0" lang="ru" sz="1400" spc="-1" strike="noStrike">
@@ -11820,7 +14706,7 @@
                 <a:latin typeface="Roboto"/>
                 <a:ea typeface="Roboto"/>
               </a:rPr>
-              <a:t>the complex </a:t>
+              <a:t>interdependencies among </a:t>
             </a:r>
             <a:r>
               <a:rPr b="0" lang="ru" sz="1400" spc="-1" strike="noStrike">
@@ -11830,7 +14716,7 @@
                 <a:latin typeface="Roboto"/>
                 <a:ea typeface="Roboto"/>
               </a:rPr>
-              <a:t>relationships and </a:t>
+              <a:t>various factors that </a:t>
             </a:r>
             <a:r>
               <a:rPr b="0" lang="ru" sz="1400" spc="-1" strike="noStrike">
@@ -11840,7 +14726,7 @@
                 <a:latin typeface="Roboto"/>
                 <a:ea typeface="Roboto"/>
               </a:rPr>
-              <a:t>interdependencies </a:t>
+              <a:t>contribute to the success of </a:t>
             </a:r>
             <a:r>
               <a:rPr b="0" lang="ru" sz="1400" spc="-1" strike="noStrike">
@@ -11850,47 +14736,7 @@
                 <a:latin typeface="Roboto"/>
                 <a:ea typeface="Roboto"/>
               </a:rPr>
-              <a:t>among various </a:t>
-            </a:r>
-            <a:r>
-              <a:rPr b="0" lang="ru" sz="1400" spc="-1" strike="noStrike">
-                <a:solidFill>
-                  <a:srgbClr val="0f2c68"/>
-                </a:solidFill>
-                <a:latin typeface="Roboto"/>
-                <a:ea typeface="Roboto"/>
-              </a:rPr>
-              <a:t>factors that </a:t>
-            </a:r>
-            <a:r>
-              <a:rPr b="0" lang="ru" sz="1400" spc="-1" strike="noStrike">
-                <a:solidFill>
-                  <a:srgbClr val="0f2c68"/>
-                </a:solidFill>
-                <a:latin typeface="Roboto"/>
-                <a:ea typeface="Roboto"/>
-              </a:rPr>
-              <a:t>contribute to the </a:t>
-            </a:r>
-            <a:r>
-              <a:rPr b="0" lang="ru" sz="1400" spc="-1" strike="noStrike">
-                <a:solidFill>
-                  <a:srgbClr val="0f2c68"/>
-                </a:solidFill>
-                <a:latin typeface="Roboto"/>
-                <a:ea typeface="Roboto"/>
-              </a:rPr>
-              <a:t>success of IT </a:t>
-            </a:r>
-            <a:r>
-              <a:rPr b="0" lang="ru" sz="1400" spc="-1" strike="noStrike">
-                <a:solidFill>
-                  <a:srgbClr val="0f2c68"/>
-                </a:solidFill>
-                <a:latin typeface="Roboto"/>
-                <a:ea typeface="Roboto"/>
-              </a:rPr>
-              <a:t>projects.</a:t>
+              <a:t>IT projects.</a:t>
             </a:r>
             <a:endParaRPr b="0" lang="en-US" sz="1400" spc="-1" strike="noStrike">
               <a:latin typeface="Arial"/>
@@ -11924,7 +14770,7 @@
                 <a:latin typeface="Roboto"/>
                 <a:ea typeface="Roboto"/>
               </a:rPr>
-              <a:t>- Discussion on </a:t>
+              <a:t>- Discussion on the </a:t>
             </a:r>
             <a:r>
               <a:rPr b="0" lang="ru" sz="1400" spc="-1" strike="noStrike">
@@ -11934,7 +14780,7 @@
                 <a:latin typeface="Roboto"/>
                 <a:ea typeface="Roboto"/>
               </a:rPr>
-              <a:t>the challenges in </a:t>
+              <a:t>challenges in accurately </a:t>
             </a:r>
             <a:r>
               <a:rPr b="0" lang="ru" sz="1400" spc="-1" strike="noStrike">
@@ -11944,7 +14790,7 @@
                 <a:latin typeface="Roboto"/>
                 <a:ea typeface="Roboto"/>
               </a:rPr>
-              <a:t>accurately </a:t>
+              <a:t>modeling and analyzing the </a:t>
             </a:r>
             <a:r>
               <a:rPr b="0" lang="ru" sz="1400" spc="-1" strike="noStrike">
@@ -11954,37 +14800,7 @@
                 <a:latin typeface="Roboto"/>
                 <a:ea typeface="Roboto"/>
               </a:rPr>
-              <a:t>modeling and </a:t>
-            </a:r>
-            <a:r>
-              <a:rPr b="0" lang="ru" sz="1400" spc="-1" strike="noStrike">
-                <a:solidFill>
-                  <a:srgbClr val="0f2c68"/>
-                </a:solidFill>
-                <a:latin typeface="Roboto"/>
-                <a:ea typeface="Roboto"/>
-              </a:rPr>
-              <a:t>analyzing the </a:t>
-            </a:r>
-            <a:r>
-              <a:rPr b="0" lang="ru" sz="1400" spc="-1" strike="noStrike">
-                <a:solidFill>
-                  <a:srgbClr val="0f2c68"/>
-                </a:solidFill>
-                <a:latin typeface="Roboto"/>
-                <a:ea typeface="Roboto"/>
-              </a:rPr>
-              <a:t>success of IT </a:t>
-            </a:r>
-            <a:r>
-              <a:rPr b="0" lang="ru" sz="1400" spc="-1" strike="noStrike">
-                <a:solidFill>
-                  <a:srgbClr val="0f2c68"/>
-                </a:solidFill>
-                <a:latin typeface="Roboto"/>
-                <a:ea typeface="Roboto"/>
-              </a:rPr>
-              <a:t>projects.</a:t>
+              <a:t>success of IT projects.</a:t>
             </a:r>
             <a:endParaRPr b="0" lang="en-US" sz="1400" spc="-1" strike="noStrike">
               <a:latin typeface="Arial"/>
@@ -12008,7 +14824,7 @@
       </p:sp>
       <p:sp>
         <p:nvSpPr>
-          <p:cNvPr id="221" name="PlaceHolder 3"/>
+          <p:cNvPr id="265" name="PlaceHolder 3"/>
           <p:cNvSpPr>
             <a:spLocks noGrp="1"/>
           </p:cNvSpPr>
@@ -12085,7 +14901,7 @@
       </p:sp>
       <p:sp>
         <p:nvSpPr>
-          <p:cNvPr id="222" name="PlaceHolder 4"/>
+          <p:cNvPr id="266" name="PlaceHolder 4"/>
           <p:cNvSpPr>
             <a:spLocks noGrp="1"/>
           </p:cNvSpPr>
@@ -12162,7 +14978,7 @@
       </p:sp>
       <p:sp>
         <p:nvSpPr>
-          <p:cNvPr id="223" name="PlaceHolder 5"/>
+          <p:cNvPr id="267" name="PlaceHolder 5"/>
           <p:cNvSpPr>
             <a:spLocks noGrp="1"/>
           </p:cNvSpPr>
@@ -12239,7 +15055,7 @@
       </p:sp>
       <p:sp>
         <p:nvSpPr>
-          <p:cNvPr id="224" name="Google Shape;363;p79"/>
+          <p:cNvPr id="268" name="Google Shape;363;p79"/>
           <p:cNvSpPr/>
           <p:nvPr/>
         </p:nvSpPr>
@@ -12294,7 +15110,7 @@
       </p:sp>
       <p:sp>
         <p:nvSpPr>
-          <p:cNvPr id="225" name="Google Shape;364;p79"/>
+          <p:cNvPr id="269" name="Google Shape;364;p79"/>
           <p:cNvSpPr/>
           <p:nvPr/>
         </p:nvSpPr>
@@ -12349,7 +15165,7 @@
       </p:sp>
       <p:sp>
         <p:nvSpPr>
-          <p:cNvPr id="226" name="PlaceHolder 6"/>
+          <p:cNvPr id="270" name="PlaceHolder 6"/>
           <p:cNvSpPr txBox="1"/>
           <p:nvPr/>
         </p:nvSpPr>
@@ -12398,7 +15214,17 @@
                 <a:latin typeface="Roboto"/>
                 <a:ea typeface="Roboto"/>
               </a:rPr>
-              <a:t>Literature Review:</a:t>
+              <a:t>Literature </a:t>
+            </a:r>
+            <a:r>
+              <a:rPr b="1" lang="ru" sz="1400" spc="-1" strike="noStrike">
+                <a:solidFill>
+                  <a:srgbClr val="0f2c68"/>
+                </a:solidFill>
+                <a:latin typeface="Roboto"/>
+                <a:ea typeface="Roboto"/>
+              </a:rPr>
+              <a:t>Review:</a:t>
             </a:r>
             <a:r>
               <a:rPr b="0" lang="ru" sz="1400" spc="-1" strike="noStrike">
@@ -12442,7 +15268,57 @@
                 <a:latin typeface="Roboto"/>
                 <a:ea typeface="Roboto"/>
               </a:rPr>
-              <a:t>- Review of existing studies on IT project success factors and their modeling techniques.</a:t>
+              <a:t>- Review of </a:t>
+            </a:r>
+            <a:r>
+              <a:rPr b="0" lang="ru" sz="1400" spc="-1" strike="noStrike">
+                <a:solidFill>
+                  <a:srgbClr val="0f2c68"/>
+                </a:solidFill>
+                <a:latin typeface="Roboto"/>
+                <a:ea typeface="Roboto"/>
+              </a:rPr>
+              <a:t>existing studies on </a:t>
+            </a:r>
+            <a:r>
+              <a:rPr b="0" lang="ru" sz="1400" spc="-1" strike="noStrike">
+                <a:solidFill>
+                  <a:srgbClr val="0f2c68"/>
+                </a:solidFill>
+                <a:latin typeface="Roboto"/>
+                <a:ea typeface="Roboto"/>
+              </a:rPr>
+              <a:t>IT project success </a:t>
+            </a:r>
+            <a:r>
+              <a:rPr b="0" lang="ru" sz="1400" spc="-1" strike="noStrike">
+                <a:solidFill>
+                  <a:srgbClr val="0f2c68"/>
+                </a:solidFill>
+                <a:latin typeface="Roboto"/>
+                <a:ea typeface="Roboto"/>
+              </a:rPr>
+              <a:t>factors and their </a:t>
+            </a:r>
+            <a:r>
+              <a:rPr b="0" lang="ru" sz="1400" spc="-1" strike="noStrike">
+                <a:solidFill>
+                  <a:srgbClr val="0f2c68"/>
+                </a:solidFill>
+                <a:latin typeface="Roboto"/>
+                <a:ea typeface="Roboto"/>
+              </a:rPr>
+              <a:t>modeling </a:t>
+            </a:r>
+            <a:r>
+              <a:rPr b="0" lang="ru" sz="1400" spc="-1" strike="noStrike">
+                <a:solidFill>
+                  <a:srgbClr val="0f2c68"/>
+                </a:solidFill>
+                <a:latin typeface="Roboto"/>
+                <a:ea typeface="Roboto"/>
+              </a:rPr>
+              <a:t>techniques.</a:t>
             </a:r>
             <a:endParaRPr b="0" lang="en-US" sz="1400" spc="-1" strike="noStrike">
               <a:latin typeface="Arial"/>
@@ -12476,7 +15352,57 @@
                 <a:latin typeface="Roboto"/>
                 <a:ea typeface="Roboto"/>
               </a:rPr>
-              <a:t>- Review of studies on the use of FCMs in various fields, especially in IT project management.</a:t>
+              <a:t>- Review of </a:t>
+            </a:r>
+            <a:r>
+              <a:rPr b="0" lang="ru" sz="1400" spc="-1" strike="noStrike">
+                <a:solidFill>
+                  <a:srgbClr val="0f2c68"/>
+                </a:solidFill>
+                <a:latin typeface="Roboto"/>
+                <a:ea typeface="Roboto"/>
+              </a:rPr>
+              <a:t>studies on the use </a:t>
+            </a:r>
+            <a:r>
+              <a:rPr b="0" lang="ru" sz="1400" spc="-1" strike="noStrike">
+                <a:solidFill>
+                  <a:srgbClr val="0f2c68"/>
+                </a:solidFill>
+                <a:latin typeface="Roboto"/>
+                <a:ea typeface="Roboto"/>
+              </a:rPr>
+              <a:t>of FCMs in various </a:t>
+            </a:r>
+            <a:r>
+              <a:rPr b="0" lang="ru" sz="1400" spc="-1" strike="noStrike">
+                <a:solidFill>
+                  <a:srgbClr val="0f2c68"/>
+                </a:solidFill>
+                <a:latin typeface="Roboto"/>
+                <a:ea typeface="Roboto"/>
+              </a:rPr>
+              <a:t>fields, especially in </a:t>
+            </a:r>
+            <a:r>
+              <a:rPr b="0" lang="ru" sz="1400" spc="-1" strike="noStrike">
+                <a:solidFill>
+                  <a:srgbClr val="0f2c68"/>
+                </a:solidFill>
+                <a:latin typeface="Roboto"/>
+                <a:ea typeface="Roboto"/>
+              </a:rPr>
+              <a:t>IT project </a:t>
+            </a:r>
+            <a:r>
+              <a:rPr b="0" lang="ru" sz="1400" spc="-1" strike="noStrike">
+                <a:solidFill>
+                  <a:srgbClr val="0f2c68"/>
+                </a:solidFill>
+                <a:latin typeface="Roboto"/>
+                <a:ea typeface="Roboto"/>
+              </a:rPr>
+              <a:t>management.</a:t>
             </a:r>
             <a:endParaRPr b="0" lang="en-US" sz="1400" spc="-1" strike="noStrike">
               <a:latin typeface="Arial"/>
@@ -12524,7 +15450,17 @@
                 <a:latin typeface="Roboto"/>
                 <a:ea typeface="Roboto"/>
               </a:rPr>
-              <a:t>Research Methods: </a:t>
+              <a:t>Research </a:t>
+            </a:r>
+            <a:r>
+              <a:rPr b="1" lang="ru" sz="1400" spc="-1" strike="noStrike">
+                <a:solidFill>
+                  <a:srgbClr val="0f2c68"/>
+                </a:solidFill>
+                <a:latin typeface="Roboto"/>
+                <a:ea typeface="Roboto"/>
+              </a:rPr>
+              <a:t>Methods: </a:t>
             </a:r>
             <a:endParaRPr b="0" lang="en-US" sz="1400" spc="-1" strike="noStrike">
               <a:latin typeface="Arial"/>
@@ -12558,7 +15494,67 @@
                 <a:latin typeface="Roboto"/>
                 <a:ea typeface="Roboto"/>
               </a:rPr>
-              <a:t>- Explanation of the proposed program that uses FCMs to model the perception of success factors in IT projects.</a:t>
+              <a:t>- Explanation of </a:t>
+            </a:r>
+            <a:r>
+              <a:rPr b="0" lang="ru" sz="1400" spc="-1" strike="noStrike">
+                <a:solidFill>
+                  <a:srgbClr val="0f2c68"/>
+                </a:solidFill>
+                <a:latin typeface="Roboto"/>
+                <a:ea typeface="Roboto"/>
+              </a:rPr>
+              <a:t>the proposed </a:t>
+            </a:r>
+            <a:r>
+              <a:rPr b="0" lang="ru" sz="1400" spc="-1" strike="noStrike">
+                <a:solidFill>
+                  <a:srgbClr val="0f2c68"/>
+                </a:solidFill>
+                <a:latin typeface="Roboto"/>
+                <a:ea typeface="Roboto"/>
+              </a:rPr>
+              <a:t>program that uses </a:t>
+            </a:r>
+            <a:r>
+              <a:rPr b="0" lang="ru" sz="1400" spc="-1" strike="noStrike">
+                <a:solidFill>
+                  <a:srgbClr val="0f2c68"/>
+                </a:solidFill>
+                <a:latin typeface="Roboto"/>
+                <a:ea typeface="Roboto"/>
+              </a:rPr>
+              <a:t>FCMs to model the </a:t>
+            </a:r>
+            <a:r>
+              <a:rPr b="0" lang="ru" sz="1400" spc="-1" strike="noStrike">
+                <a:solidFill>
+                  <a:srgbClr val="0f2c68"/>
+                </a:solidFill>
+                <a:latin typeface="Roboto"/>
+                <a:ea typeface="Roboto"/>
+              </a:rPr>
+              <a:t>perception of </a:t>
+            </a:r>
+            <a:r>
+              <a:rPr b="0" lang="ru" sz="1400" spc="-1" strike="noStrike">
+                <a:solidFill>
+                  <a:srgbClr val="0f2c68"/>
+                </a:solidFill>
+                <a:latin typeface="Roboto"/>
+                <a:ea typeface="Roboto"/>
+              </a:rPr>
+              <a:t>success factors in </a:t>
+            </a:r>
+            <a:r>
+              <a:rPr b="0" lang="ru" sz="1400" spc="-1" strike="noStrike">
+                <a:solidFill>
+                  <a:srgbClr val="0f2c68"/>
+                </a:solidFill>
+                <a:latin typeface="Roboto"/>
+                <a:ea typeface="Roboto"/>
+              </a:rPr>
+              <a:t>IT projects.</a:t>
             </a:r>
             <a:endParaRPr b="0" lang="en-US" sz="1400" spc="-1" strike="noStrike">
               <a:latin typeface="Arial"/>
@@ -12592,7 +15588,47 @@
                 <a:latin typeface="Roboto"/>
                 <a:ea typeface="Roboto"/>
               </a:rPr>
-              <a:t>- Description of the cognitive modeling technique used in the program.</a:t>
+              <a:t>- Description of </a:t>
+            </a:r>
+            <a:r>
+              <a:rPr b="0" lang="ru" sz="1400" spc="-1" strike="noStrike">
+                <a:solidFill>
+                  <a:srgbClr val="0f2c68"/>
+                </a:solidFill>
+                <a:latin typeface="Roboto"/>
+                <a:ea typeface="Roboto"/>
+              </a:rPr>
+              <a:t>the cognitive </a:t>
+            </a:r>
+            <a:r>
+              <a:rPr b="0" lang="ru" sz="1400" spc="-1" strike="noStrike">
+                <a:solidFill>
+                  <a:srgbClr val="0f2c68"/>
+                </a:solidFill>
+                <a:latin typeface="Roboto"/>
+                <a:ea typeface="Roboto"/>
+              </a:rPr>
+              <a:t>modeling </a:t>
+            </a:r>
+            <a:r>
+              <a:rPr b="0" lang="ru" sz="1400" spc="-1" strike="noStrike">
+                <a:solidFill>
+                  <a:srgbClr val="0f2c68"/>
+                </a:solidFill>
+                <a:latin typeface="Roboto"/>
+                <a:ea typeface="Roboto"/>
+              </a:rPr>
+              <a:t>technique used in </a:t>
+            </a:r>
+            <a:r>
+              <a:rPr b="0" lang="ru" sz="1400" spc="-1" strike="noStrike">
+                <a:solidFill>
+                  <a:srgbClr val="0f2c68"/>
+                </a:solidFill>
+                <a:latin typeface="Roboto"/>
+                <a:ea typeface="Roboto"/>
+              </a:rPr>
+              <a:t>the program.</a:t>
             </a:r>
             <a:endParaRPr b="0" lang="en-US" sz="1400" spc="-1" strike="noStrike">
               <a:latin typeface="Arial"/>
@@ -12640,7 +15676,17 @@
                 <a:latin typeface="Roboto"/>
                 <a:ea typeface="Roboto"/>
               </a:rPr>
-              <a:t>Anticipated Results: </a:t>
+              <a:t>Anticipated </a:t>
+            </a:r>
+            <a:r>
+              <a:rPr b="1" lang="ru" sz="1400" spc="-1" strike="noStrike">
+                <a:solidFill>
+                  <a:srgbClr val="0f2c68"/>
+                </a:solidFill>
+                <a:latin typeface="Roboto"/>
+                <a:ea typeface="Roboto"/>
+              </a:rPr>
+              <a:t>Results: </a:t>
             </a:r>
             <a:endParaRPr b="0" lang="en-US" sz="1400" spc="-1" strike="noStrike">
               <a:latin typeface="Arial"/>
@@ -12674,7 +15720,107 @@
                 <a:latin typeface="Roboto"/>
                 <a:ea typeface="Roboto"/>
               </a:rPr>
-              <a:t>- Discussion on the expected outcomes of the study, including the program’s potential in accurately modeling and analyzing the success of IT projects.</a:t>
+              <a:t>- Discussion on </a:t>
+            </a:r>
+            <a:r>
+              <a:rPr b="0" lang="ru" sz="1400" spc="-1" strike="noStrike">
+                <a:solidFill>
+                  <a:srgbClr val="0f2c68"/>
+                </a:solidFill>
+                <a:latin typeface="Roboto"/>
+                <a:ea typeface="Roboto"/>
+              </a:rPr>
+              <a:t>the expected </a:t>
+            </a:r>
+            <a:r>
+              <a:rPr b="0" lang="ru" sz="1400" spc="-1" strike="noStrike">
+                <a:solidFill>
+                  <a:srgbClr val="0f2c68"/>
+                </a:solidFill>
+                <a:latin typeface="Roboto"/>
+                <a:ea typeface="Roboto"/>
+              </a:rPr>
+              <a:t>outcomes of the </a:t>
+            </a:r>
+            <a:r>
+              <a:rPr b="0" lang="ru" sz="1400" spc="-1" strike="noStrike">
+                <a:solidFill>
+                  <a:srgbClr val="0f2c68"/>
+                </a:solidFill>
+                <a:latin typeface="Roboto"/>
+                <a:ea typeface="Roboto"/>
+              </a:rPr>
+              <a:t>study, including the </a:t>
+            </a:r>
+            <a:r>
+              <a:rPr b="0" lang="ru" sz="1400" spc="-1" strike="noStrike">
+                <a:solidFill>
+                  <a:srgbClr val="0f2c68"/>
+                </a:solidFill>
+                <a:latin typeface="Roboto"/>
+                <a:ea typeface="Roboto"/>
+              </a:rPr>
+              <a:t>program’s </a:t>
+            </a:r>
+            <a:r>
+              <a:rPr b="0" lang="ru" sz="1400" spc="-1" strike="noStrike">
+                <a:solidFill>
+                  <a:srgbClr val="0f2c68"/>
+                </a:solidFill>
+                <a:latin typeface="Roboto"/>
+                <a:ea typeface="Roboto"/>
+              </a:rPr>
+              <a:t>potential in </a:t>
+            </a:r>
+            <a:r>
+              <a:rPr b="0" lang="ru" sz="1400" spc="-1" strike="noStrike">
+                <a:solidFill>
+                  <a:srgbClr val="0f2c68"/>
+                </a:solidFill>
+                <a:latin typeface="Roboto"/>
+                <a:ea typeface="Roboto"/>
+              </a:rPr>
+              <a:t>accurately </a:t>
+            </a:r>
+            <a:r>
+              <a:rPr b="0" lang="ru" sz="1400" spc="-1" strike="noStrike">
+                <a:solidFill>
+                  <a:srgbClr val="0f2c68"/>
+                </a:solidFill>
+                <a:latin typeface="Roboto"/>
+                <a:ea typeface="Roboto"/>
+              </a:rPr>
+              <a:t>modeling and </a:t>
+            </a:r>
+            <a:r>
+              <a:rPr b="0" lang="ru" sz="1400" spc="-1" strike="noStrike">
+                <a:solidFill>
+                  <a:srgbClr val="0f2c68"/>
+                </a:solidFill>
+                <a:latin typeface="Roboto"/>
+                <a:ea typeface="Roboto"/>
+              </a:rPr>
+              <a:t>analyzing the </a:t>
+            </a:r>
+            <a:r>
+              <a:rPr b="0" lang="ru" sz="1400" spc="-1" strike="noStrike">
+                <a:solidFill>
+                  <a:srgbClr val="0f2c68"/>
+                </a:solidFill>
+                <a:latin typeface="Roboto"/>
+                <a:ea typeface="Roboto"/>
+              </a:rPr>
+              <a:t>success of IT </a:t>
+            </a:r>
+            <a:r>
+              <a:rPr b="0" lang="ru" sz="1400" spc="-1" strike="noStrike">
+                <a:solidFill>
+                  <a:srgbClr val="0f2c68"/>
+                </a:solidFill>
+                <a:latin typeface="Roboto"/>
+                <a:ea typeface="Roboto"/>
+              </a:rPr>
+              <a:t>projects.</a:t>
             </a:r>
             <a:endParaRPr b="0" lang="en-US" sz="1400" spc="-1" strike="noStrike">
               <a:latin typeface="Arial"/>
@@ -12738,7 +15884,7 @@
       </p:grpSpPr>
       <p:sp>
         <p:nvSpPr>
-          <p:cNvPr id="227" name="PlaceHolder 1"/>
+          <p:cNvPr id="271" name="PlaceHolder 1"/>
           <p:cNvSpPr>
             <a:spLocks noGrp="1"/>
           </p:cNvSpPr>
@@ -12781,17 +15927,7 @@
                 <a:latin typeface="Roboto"/>
                 <a:ea typeface="Roboto"/>
               </a:rPr>
-              <a:t>BACKGROU</a:t>
-            </a:r>
-            <a:r>
-              <a:rPr b="1" lang="ru" sz="2000" spc="-1" strike="noStrike">
-                <a:solidFill>
-                  <a:srgbClr val="0f2c68"/>
-                </a:solidFill>
-                <a:latin typeface="Roboto"/>
-                <a:ea typeface="Roboto"/>
-              </a:rPr>
-              <a:t>ND</a:t>
+              <a:t>BACKGROUND</a:t>
             </a:r>
             <a:endParaRPr b="0" lang="en-US" sz="2000" spc="-1" strike="noStrike">
               <a:latin typeface="Arial"/>
@@ -12801,7 +15937,7 @@
       </p:sp>
       <p:sp>
         <p:nvSpPr>
-          <p:cNvPr id="228" name="PlaceHolder 2"/>
+          <p:cNvPr id="272" name="PlaceHolder 2"/>
           <p:cNvSpPr>
             <a:spLocks noGrp="1"/>
           </p:cNvSpPr>
@@ -12835,7 +15971,7 @@
       </p:sp>
       <p:sp>
         <p:nvSpPr>
-          <p:cNvPr id="229" name="PlaceHolder 3"/>
+          <p:cNvPr id="273" name="PlaceHolder 3"/>
           <p:cNvSpPr>
             <a:spLocks noGrp="1"/>
           </p:cNvSpPr>
@@ -12912,7 +16048,7 @@
       </p:sp>
       <p:sp>
         <p:nvSpPr>
-          <p:cNvPr id="230" name="PlaceHolder 4"/>
+          <p:cNvPr id="274" name="PlaceHolder 4"/>
           <p:cNvSpPr>
             <a:spLocks noGrp="1"/>
           </p:cNvSpPr>
@@ -12989,7 +16125,7 @@
       </p:sp>
       <p:sp>
         <p:nvSpPr>
-          <p:cNvPr id="231" name="PlaceHolder 5"/>
+          <p:cNvPr id="275" name="PlaceHolder 5"/>
           <p:cNvSpPr>
             <a:spLocks noGrp="1"/>
           </p:cNvSpPr>
@@ -13066,7 +16202,7 @@
       </p:sp>
       <p:sp>
         <p:nvSpPr>
-          <p:cNvPr id="232" name="Google Shape;376;p80"/>
+          <p:cNvPr id="276" name="Google Shape;376;p80"/>
           <p:cNvSpPr/>
           <p:nvPr/>
         </p:nvSpPr>
@@ -13121,7 +16257,7 @@
       </p:sp>
       <p:pic>
         <p:nvPicPr>
-          <p:cNvPr id="233" name="Google Shape;377;p80" descr=""/>
+          <p:cNvPr id="277" name="Google Shape;377;p80" descr=""/>
           <p:cNvPicPr/>
           <p:nvPr/>
         </p:nvPicPr>
@@ -13144,7 +16280,7 @@
       </p:pic>
       <p:sp>
         <p:nvSpPr>
-          <p:cNvPr id="234" name="Google Shape;378;p80"/>
+          <p:cNvPr id="278" name="Google Shape;378;p80"/>
           <p:cNvSpPr/>
           <p:nvPr/>
         </p:nvSpPr>
@@ -13255,7 +16391,7 @@
       </p:sp>
       <p:pic>
         <p:nvPicPr>
-          <p:cNvPr id="235" name="Google Shape;362;p 1" descr=""/>
+          <p:cNvPr id="279" name="Google Shape;362;p 1" descr=""/>
           <p:cNvPicPr/>
           <p:nvPr/>
         </p:nvPicPr>
@@ -13278,7 +16414,7 @@
       </p:pic>
       <p:sp>
         <p:nvSpPr>
-          <p:cNvPr id="236" name=""/>
+          <p:cNvPr id="280" name=""/>
           <p:cNvSpPr txBox="1"/>
           <p:nvPr/>
         </p:nvSpPr>
@@ -13348,7 +16484,7 @@
       </p:grpSpPr>
       <p:sp>
         <p:nvSpPr>
-          <p:cNvPr id="237" name="PlaceHolder 1"/>
+          <p:cNvPr id="281" name="PlaceHolder 1"/>
           <p:cNvSpPr>
             <a:spLocks noGrp="1"/>
           </p:cNvSpPr>
@@ -13425,7 +16561,7 @@
       </p:sp>
       <p:sp>
         <p:nvSpPr>
-          <p:cNvPr id="238" name="PlaceHolder 2"/>
+          <p:cNvPr id="282" name="PlaceHolder 2"/>
           <p:cNvSpPr>
             <a:spLocks noGrp="1"/>
           </p:cNvSpPr>
@@ -13502,7 +16638,7 @@
       </p:sp>
       <p:sp>
         <p:nvSpPr>
-          <p:cNvPr id="239" name="PlaceHolder 3"/>
+          <p:cNvPr id="283" name="PlaceHolder 3"/>
           <p:cNvSpPr>
             <a:spLocks noGrp="1"/>
           </p:cNvSpPr>
@@ -13555,7 +16691,7 @@
       </p:sp>
       <p:sp>
         <p:nvSpPr>
-          <p:cNvPr id="240" name="PlaceHolder 4"/>
+          <p:cNvPr id="284" name="PlaceHolder 4"/>
           <p:cNvSpPr>
             <a:spLocks noGrp="1"/>
           </p:cNvSpPr>
@@ -13608,107 +16744,7 @@
                 <a:latin typeface="Roboto"/>
                 <a:ea typeface="Roboto"/>
               </a:rPr>
-              <a:t>There </a:t>
-            </a:r>
-            <a:r>
-              <a:rPr b="0" lang="ru" sz="1400" spc="-1" strike="noStrike">
-                <a:solidFill>
-                  <a:srgbClr val="102d69"/>
-                </a:solidFill>
-                <a:latin typeface="Roboto"/>
-                <a:ea typeface="Roboto"/>
-              </a:rPr>
-              <a:t>are no programs </a:t>
-            </a:r>
-            <a:r>
-              <a:rPr b="0" lang="ru" sz="1400" spc="-1" strike="noStrike">
-                <a:solidFill>
-                  <a:srgbClr val="102d69"/>
-                </a:solidFill>
-                <a:latin typeface="Roboto"/>
-                <a:ea typeface="Roboto"/>
-              </a:rPr>
-              <a:t>for modeling fuzzy </a:t>
-            </a:r>
-            <a:r>
-              <a:rPr b="0" lang="ru" sz="1400" spc="-1" strike="noStrike">
-                <a:solidFill>
-                  <a:srgbClr val="102d69"/>
-                </a:solidFill>
-                <a:latin typeface="Roboto"/>
-                <a:ea typeface="Roboto"/>
-              </a:rPr>
-              <a:t>cognitive maps in </a:t>
-            </a:r>
-            <a:r>
-              <a:rPr b="0" lang="ru" sz="1400" spc="-1" strike="noStrike">
-                <a:solidFill>
-                  <a:srgbClr val="102d69"/>
-                </a:solidFill>
-                <a:latin typeface="Roboto"/>
-                <a:ea typeface="Roboto"/>
-              </a:rPr>
-              <a:t>the Russian-</a:t>
-            </a:r>
-            <a:r>
-              <a:rPr b="0" lang="ru" sz="1400" spc="-1" strike="noStrike">
-                <a:solidFill>
-                  <a:srgbClr val="102d69"/>
-                </a:solidFill>
-                <a:latin typeface="Roboto"/>
-                <a:ea typeface="Roboto"/>
-              </a:rPr>
-              <a:t>speaking </a:t>
-            </a:r>
-            <a:r>
-              <a:rPr b="0" lang="ru" sz="1400" spc="-1" strike="noStrike">
-                <a:solidFill>
-                  <a:srgbClr val="102d69"/>
-                </a:solidFill>
-                <a:latin typeface="Roboto"/>
-                <a:ea typeface="Roboto"/>
-              </a:rPr>
-              <a:t>environment yet. </a:t>
-            </a:r>
-            <a:r>
-              <a:rPr b="0" lang="ru" sz="1400" spc="-1" strike="noStrike">
-                <a:solidFill>
-                  <a:srgbClr val="102d69"/>
-                </a:solidFill>
-                <a:latin typeface="Roboto"/>
-                <a:ea typeface="Roboto"/>
-              </a:rPr>
-              <a:t>Fuzzy cognitive </a:t>
-            </a:r>
-            <a:r>
-              <a:rPr b="0" lang="ru" sz="1400" spc="-1" strike="noStrike">
-                <a:solidFill>
-                  <a:srgbClr val="102d69"/>
-                </a:solidFill>
-                <a:latin typeface="Roboto"/>
-                <a:ea typeface="Roboto"/>
-              </a:rPr>
-              <a:t>maps are most </a:t>
-            </a:r>
-            <a:r>
-              <a:rPr b="0" lang="ru" sz="1400" spc="-1" strike="noStrike">
-                <a:solidFill>
-                  <a:srgbClr val="102d69"/>
-                </a:solidFill>
-                <a:latin typeface="Roboto"/>
-                <a:ea typeface="Roboto"/>
-              </a:rPr>
-              <a:t>often used in </a:t>
-            </a:r>
-            <a:r>
-              <a:rPr b="0" lang="ru" sz="1400" spc="-1" strike="noStrike">
-                <a:solidFill>
-                  <a:srgbClr val="102d69"/>
-                </a:solidFill>
-                <a:latin typeface="Roboto"/>
-                <a:ea typeface="Roboto"/>
-              </a:rPr>
-              <a:t>research work.</a:t>
+              <a:t>There are no programs for modeling fuzzy cognitive maps in the Russian-speaking environment yet. Fuzzy cognitive maps are most often used in research work.</a:t>
             </a:r>
             <a:br>
               <a:rPr sz="1500"/>
@@ -13734,87 +16770,7 @@
                 <a:latin typeface="Roboto"/>
                 <a:ea typeface="Roboto"/>
               </a:rPr>
-              <a:t> </a:t>
-            </a:r>
-            <a:r>
-              <a:rPr b="0" lang="ru" sz="1500" spc="-1" strike="noStrike">
-                <a:solidFill>
-                  <a:srgbClr val="0f2c68"/>
-                </a:solidFill>
-                <a:latin typeface="Roboto"/>
-                <a:ea typeface="Roboto"/>
-              </a:rPr>
-              <a:t>Development of a </a:t>
-            </a:r>
-            <a:r>
-              <a:rPr b="0" lang="ru" sz="1500" spc="-1" strike="noStrike">
-                <a:solidFill>
-                  <a:srgbClr val="0f2c68"/>
-                </a:solidFill>
-                <a:latin typeface="Roboto"/>
-                <a:ea typeface="Roboto"/>
-              </a:rPr>
-              <a:t>program for </a:t>
-            </a:r>
-            <a:r>
-              <a:rPr b="0" lang="ru" sz="1500" spc="-1" strike="noStrike">
-                <a:solidFill>
-                  <a:srgbClr val="0f2c68"/>
-                </a:solidFill>
-                <a:latin typeface="Roboto"/>
-                <a:ea typeface="Roboto"/>
-              </a:rPr>
-              <a:t>modeling the </a:t>
-            </a:r>
-            <a:r>
-              <a:rPr b="0" lang="ru" sz="1500" spc="-1" strike="noStrike">
-                <a:solidFill>
-                  <a:srgbClr val="0f2c68"/>
-                </a:solidFill>
-                <a:latin typeface="Roboto"/>
-                <a:ea typeface="Roboto"/>
-              </a:rPr>
-              <a:t>perception of </a:t>
-            </a:r>
-            <a:r>
-              <a:rPr b="0" lang="ru" sz="1500" spc="-1" strike="noStrike">
-                <a:solidFill>
-                  <a:srgbClr val="0f2c68"/>
-                </a:solidFill>
-                <a:latin typeface="Roboto"/>
-                <a:ea typeface="Roboto"/>
-              </a:rPr>
-              <a:t>success factors of </a:t>
-            </a:r>
-            <a:r>
-              <a:rPr b="0" lang="ru" sz="1500" spc="-1" strike="noStrike">
-                <a:solidFill>
-                  <a:srgbClr val="0f2c68"/>
-                </a:solidFill>
-                <a:latin typeface="Roboto"/>
-                <a:ea typeface="Roboto"/>
-              </a:rPr>
-              <a:t>an IT-project </a:t>
-            </a:r>
-            <a:r>
-              <a:rPr b="0" lang="ru" sz="1500" spc="-1" strike="noStrike">
-                <a:solidFill>
-                  <a:srgbClr val="0f2c68"/>
-                </a:solidFill>
-                <a:latin typeface="Roboto"/>
-                <a:ea typeface="Roboto"/>
-              </a:rPr>
-              <a:t>using fuzzy </a:t>
-            </a:r>
-            <a:r>
-              <a:rPr b="0" lang="ru" sz="1500" spc="-1" strike="noStrike">
-                <a:solidFill>
-                  <a:srgbClr val="0f2c68"/>
-                </a:solidFill>
-                <a:latin typeface="Roboto"/>
-                <a:ea typeface="Roboto"/>
-              </a:rPr>
-              <a:t>cognitive maps.</a:t>
+              <a:t> Development of a program for modeling the perception of success factors of an IT-project using fuzzy cognitive maps.</a:t>
             </a:r>
             <a:endParaRPr b="0" lang="en-US" sz="1500" spc="-1" strike="noStrike">
               <a:latin typeface="Arial"/>
@@ -13854,67 +16810,7 @@
                 <a:latin typeface="Roboto"/>
                 <a:ea typeface="Roboto"/>
               </a:rPr>
-              <a:t>1. Literature </a:t>
-            </a:r>
-            <a:r>
-              <a:rPr b="0" lang="ru" sz="1500" spc="-1" strike="noStrike">
-                <a:solidFill>
-                  <a:srgbClr val="0f2c68"/>
-                </a:solidFill>
-                <a:latin typeface="Roboto"/>
-                <a:ea typeface="Roboto"/>
-              </a:rPr>
-              <a:t>review and </a:t>
-            </a:r>
-            <a:r>
-              <a:rPr b="0" lang="ru" sz="1500" spc="-1" strike="noStrike">
-                <a:solidFill>
-                  <a:srgbClr val="0f2c68"/>
-                </a:solidFill>
-                <a:latin typeface="Roboto"/>
-                <a:ea typeface="Roboto"/>
-              </a:rPr>
-              <a:t>analysis of </a:t>
-            </a:r>
-            <a:r>
-              <a:rPr b="0" lang="ru" sz="1500" spc="-1" strike="noStrike">
-                <a:solidFill>
-                  <a:srgbClr val="0f2c68"/>
-                </a:solidFill>
-                <a:latin typeface="Roboto"/>
-                <a:ea typeface="Roboto"/>
-              </a:rPr>
-              <a:t>existing methods </a:t>
-            </a:r>
-            <a:r>
-              <a:rPr b="0" lang="ru" sz="1500" spc="-1" strike="noStrike">
-                <a:solidFill>
-                  <a:srgbClr val="0f2c68"/>
-                </a:solidFill>
-                <a:latin typeface="Roboto"/>
-                <a:ea typeface="Roboto"/>
-              </a:rPr>
-              <a:t>for evaluating the </a:t>
-            </a:r>
-            <a:r>
-              <a:rPr b="0" lang="ru" sz="1500" spc="-1" strike="noStrike">
-                <a:solidFill>
-                  <a:srgbClr val="0f2c68"/>
-                </a:solidFill>
-                <a:latin typeface="Roboto"/>
-                <a:ea typeface="Roboto"/>
-              </a:rPr>
-              <a:t>success of IT </a:t>
-            </a:r>
-            <a:r>
-              <a:rPr b="0" lang="ru" sz="1500" spc="-1" strike="noStrike">
-                <a:solidFill>
-                  <a:srgbClr val="0f2c68"/>
-                </a:solidFill>
-                <a:latin typeface="Roboto"/>
-                <a:ea typeface="Roboto"/>
-              </a:rPr>
-              <a:t>projects</a:t>
+              <a:t>1. Literature review and analysis of existing methods for evaluating the success of IT projects</a:t>
             </a:r>
             <a:br>
               <a:rPr sz="1500"/>
@@ -13927,27 +16823,7 @@
                 <a:latin typeface="Roboto"/>
                 <a:ea typeface="Roboto"/>
               </a:rPr>
-              <a:t>2. Studying the </a:t>
-            </a:r>
-            <a:r>
-              <a:rPr b="0" lang="ru" sz="1500" spc="-1" strike="noStrike">
-                <a:solidFill>
-                  <a:srgbClr val="0f2c68"/>
-                </a:solidFill>
-                <a:latin typeface="Roboto"/>
-                <a:ea typeface="Roboto"/>
-              </a:rPr>
-              <a:t>theory of fuzzy </a:t>
-            </a:r>
-            <a:r>
-              <a:rPr b="0" lang="ru" sz="1500" spc="-1" strike="noStrike">
-                <a:solidFill>
-                  <a:srgbClr val="0f2c68"/>
-                </a:solidFill>
-                <a:latin typeface="Roboto"/>
-                <a:ea typeface="Roboto"/>
-              </a:rPr>
-              <a:t>cognitive maps</a:t>
+              <a:t>2. Studying the theory of fuzzy cognitive maps</a:t>
             </a:r>
             <a:br>
               <a:rPr sz="1500"/>
@@ -13960,57 +16836,7 @@
                 <a:latin typeface="Roboto"/>
                 <a:ea typeface="Roboto"/>
               </a:rPr>
-              <a:t>3. Development of </a:t>
-            </a:r>
-            <a:r>
-              <a:rPr b="0" lang="ru" sz="1500" spc="-1" strike="noStrike">
-                <a:solidFill>
-                  <a:srgbClr val="0f2c68"/>
-                </a:solidFill>
-                <a:latin typeface="Roboto"/>
-                <a:ea typeface="Roboto"/>
-              </a:rPr>
-              <a:t>a methodology for </a:t>
-            </a:r>
-            <a:r>
-              <a:rPr b="0" lang="ru" sz="1500" spc="-1" strike="noStrike">
-                <a:solidFill>
-                  <a:srgbClr val="0f2c68"/>
-                </a:solidFill>
-                <a:latin typeface="Roboto"/>
-                <a:ea typeface="Roboto"/>
-              </a:rPr>
-              <a:t>modeling the </a:t>
-            </a:r>
-            <a:r>
-              <a:rPr b="0" lang="ru" sz="1500" spc="-1" strike="noStrike">
-                <a:solidFill>
-                  <a:srgbClr val="0f2c68"/>
-                </a:solidFill>
-                <a:latin typeface="Roboto"/>
-                <a:ea typeface="Roboto"/>
-              </a:rPr>
-              <a:t>perception of </a:t>
-            </a:r>
-            <a:r>
-              <a:rPr b="0" lang="ru" sz="1500" spc="-1" strike="noStrike">
-                <a:solidFill>
-                  <a:srgbClr val="0f2c68"/>
-                </a:solidFill>
-                <a:latin typeface="Roboto"/>
-                <a:ea typeface="Roboto"/>
-              </a:rPr>
-              <a:t>success factors of </a:t>
-            </a:r>
-            <a:r>
-              <a:rPr b="0" lang="ru" sz="1500" spc="-1" strike="noStrike">
-                <a:solidFill>
-                  <a:srgbClr val="0f2c68"/>
-                </a:solidFill>
-                <a:latin typeface="Roboto"/>
-                <a:ea typeface="Roboto"/>
-              </a:rPr>
-              <a:t>an IT project</a:t>
+              <a:t>3. Development of a methodology for modeling the perception of success factors of an IT project</a:t>
             </a:r>
             <a:br>
               <a:rPr sz="1500"/>
@@ -14023,27 +16849,7 @@
                 <a:latin typeface="Roboto"/>
                 <a:ea typeface="Roboto"/>
               </a:rPr>
-              <a:t>4. Designing a </a:t>
-            </a:r>
-            <a:r>
-              <a:rPr b="0" lang="ru" sz="1500" spc="-1" strike="noStrike">
-                <a:solidFill>
-                  <a:srgbClr val="0f2c68"/>
-                </a:solidFill>
-                <a:latin typeface="Roboto"/>
-                <a:ea typeface="Roboto"/>
-              </a:rPr>
-              <a:t>simulation </a:t>
-            </a:r>
-            <a:r>
-              <a:rPr b="0" lang="ru" sz="1500" spc="-1" strike="noStrike">
-                <a:solidFill>
-                  <a:srgbClr val="0f2c68"/>
-                </a:solidFill>
-                <a:latin typeface="Roboto"/>
-                <a:ea typeface="Roboto"/>
-              </a:rPr>
-              <a:t>program</a:t>
+              <a:t>4. Designing a simulation program</a:t>
             </a:r>
             <a:br>
               <a:rPr sz="1500"/>
@@ -14056,27 +16862,7 @@
                 <a:latin typeface="Roboto"/>
                 <a:ea typeface="Roboto"/>
               </a:rPr>
-              <a:t>5. </a:t>
-            </a:r>
-            <a:r>
-              <a:rPr b="0" lang="ru" sz="1500" spc="-1" strike="noStrike">
-                <a:solidFill>
-                  <a:srgbClr val="0f2c68"/>
-                </a:solidFill>
-                <a:latin typeface="Roboto"/>
-                <a:ea typeface="Roboto"/>
-              </a:rPr>
-              <a:t>Implementation </a:t>
-            </a:r>
-            <a:r>
-              <a:rPr b="0" lang="ru" sz="1500" spc="-1" strike="noStrike">
-                <a:solidFill>
-                  <a:srgbClr val="0f2c68"/>
-                </a:solidFill>
-                <a:latin typeface="Roboto"/>
-                <a:ea typeface="Roboto"/>
-              </a:rPr>
-              <a:t>of the program</a:t>
+              <a:t>5. Implementation of the program</a:t>
             </a:r>
             <a:br>
               <a:rPr sz="1500"/>
@@ -14089,17 +16875,7 @@
                 <a:latin typeface="Roboto"/>
                 <a:ea typeface="Roboto"/>
               </a:rPr>
-              <a:t>6. Testing and </a:t>
-            </a:r>
-            <a:r>
-              <a:rPr b="0" lang="ru" sz="1500" spc="-1" strike="noStrike">
-                <a:solidFill>
-                  <a:srgbClr val="0f2c68"/>
-                </a:solidFill>
-                <a:latin typeface="Roboto"/>
-                <a:ea typeface="Roboto"/>
-              </a:rPr>
-              <a:t>validation</a:t>
+              <a:t>6. Testing and validation</a:t>
             </a:r>
             <a:br>
               <a:rPr sz="1500"/>
@@ -14112,27 +16888,7 @@
                 <a:latin typeface="Roboto"/>
                 <a:ea typeface="Roboto"/>
               </a:rPr>
-              <a:t>7. Analysis of the </a:t>
-            </a:r>
-            <a:r>
-              <a:rPr b="0" lang="ru" sz="1500" spc="-1" strike="noStrike">
-                <a:solidFill>
-                  <a:srgbClr val="0f2c68"/>
-                </a:solidFill>
-                <a:latin typeface="Roboto"/>
-                <a:ea typeface="Roboto"/>
-              </a:rPr>
-              <a:t>results and </a:t>
-            </a:r>
-            <a:r>
-              <a:rPr b="0" lang="ru" sz="1500" spc="-1" strike="noStrike">
-                <a:solidFill>
-                  <a:srgbClr val="0f2c68"/>
-                </a:solidFill>
-                <a:latin typeface="Roboto"/>
-                <a:ea typeface="Roboto"/>
-              </a:rPr>
-              <a:t>conclusions</a:t>
+              <a:t>7. Analysis of the results and conclusions</a:t>
             </a:r>
             <a:br>
               <a:rPr sz="1500"/>
@@ -14145,17 +16901,7 @@
                 <a:latin typeface="Roboto"/>
                 <a:ea typeface="Roboto"/>
               </a:rPr>
-              <a:t>8. Preparation of </a:t>
-            </a:r>
-            <a:r>
-              <a:rPr b="0" lang="ru" sz="1500" spc="-1" strike="noStrike">
-                <a:solidFill>
-                  <a:srgbClr val="0f2c68"/>
-                </a:solidFill>
-                <a:latin typeface="Roboto"/>
-                <a:ea typeface="Roboto"/>
-              </a:rPr>
-              <a:t>documentation</a:t>
+              <a:t>8. Preparation of documentation</a:t>
             </a:r>
             <a:endParaRPr b="0" lang="en-US" sz="1500" spc="-1" strike="noStrike">
               <a:latin typeface="Arial"/>
@@ -14179,7 +16925,7 @@
       </p:sp>
       <p:sp>
         <p:nvSpPr>
-          <p:cNvPr id="241" name="PlaceHolder 5"/>
+          <p:cNvPr id="285" name="PlaceHolder 5"/>
           <p:cNvSpPr>
             <a:spLocks noGrp="1"/>
           </p:cNvSpPr>
@@ -14286,7 +17032,7 @@
       </p:grpSpPr>
       <p:sp>
         <p:nvSpPr>
-          <p:cNvPr id="242" name="PlaceHolder 1"/>
+          <p:cNvPr id="286" name="PlaceHolder 1"/>
           <p:cNvSpPr>
             <a:spLocks noGrp="1"/>
           </p:cNvSpPr>
@@ -14363,7 +17109,7 @@
       </p:sp>
       <p:sp>
         <p:nvSpPr>
-          <p:cNvPr id="243" name="PlaceHolder 2"/>
+          <p:cNvPr id="287" name="PlaceHolder 2"/>
           <p:cNvSpPr>
             <a:spLocks noGrp="1"/>
           </p:cNvSpPr>
@@ -14440,7 +17186,7 @@
       </p:sp>
       <p:sp>
         <p:nvSpPr>
-          <p:cNvPr id="244" name="PlaceHolder 3"/>
+          <p:cNvPr id="288" name="PlaceHolder 3"/>
           <p:cNvSpPr>
             <a:spLocks noGrp="1"/>
           </p:cNvSpPr>
@@ -14450,7 +17196,7 @@
         </p:nvSpPr>
         <p:spPr>
           <a:xfrm>
-            <a:off x="423360" y="1086120"/>
+            <a:off x="439200" y="1086120"/>
             <a:ext cx="8034840" cy="581400"/>
           </a:xfrm>
           <a:prstGeom prst="rect">
@@ -14483,157 +17229,7 @@
                 <a:latin typeface="Roboto"/>
                 <a:ea typeface="Roboto"/>
               </a:rPr>
-              <a:t>R</a:t>
-            </a:r>
-            <a:r>
-              <a:rPr b="1" lang="ru" sz="2000" spc="-1" strike="noStrike">
-                <a:solidFill>
-                  <a:srgbClr val="0f2c68"/>
-                </a:solidFill>
-                <a:latin typeface="Roboto"/>
-                <a:ea typeface="Roboto"/>
-              </a:rPr>
-              <a:t>E</a:t>
-            </a:r>
-            <a:r>
-              <a:rPr b="1" lang="ru" sz="2000" spc="-1" strike="noStrike">
-                <a:solidFill>
-                  <a:srgbClr val="0f2c68"/>
-                </a:solidFill>
-                <a:latin typeface="Roboto"/>
-                <a:ea typeface="Roboto"/>
-              </a:rPr>
-              <a:t>S</a:t>
-            </a:r>
-            <a:r>
-              <a:rPr b="1" lang="ru" sz="2000" spc="-1" strike="noStrike">
-                <a:solidFill>
-                  <a:srgbClr val="0f2c68"/>
-                </a:solidFill>
-                <a:latin typeface="Roboto"/>
-                <a:ea typeface="Roboto"/>
-              </a:rPr>
-              <a:t>E</a:t>
-            </a:r>
-            <a:r>
-              <a:rPr b="1" lang="ru" sz="2000" spc="-1" strike="noStrike">
-                <a:solidFill>
-                  <a:srgbClr val="0f2c68"/>
-                </a:solidFill>
-                <a:latin typeface="Roboto"/>
-                <a:ea typeface="Roboto"/>
-              </a:rPr>
-              <a:t>A</a:t>
-            </a:r>
-            <a:r>
-              <a:rPr b="1" lang="ru" sz="2000" spc="-1" strike="noStrike">
-                <a:solidFill>
-                  <a:srgbClr val="0f2c68"/>
-                </a:solidFill>
-                <a:latin typeface="Roboto"/>
-                <a:ea typeface="Roboto"/>
-              </a:rPr>
-              <a:t>R</a:t>
-            </a:r>
-            <a:r>
-              <a:rPr b="1" lang="ru" sz="2000" spc="-1" strike="noStrike">
-                <a:solidFill>
-                  <a:srgbClr val="0f2c68"/>
-                </a:solidFill>
-                <a:latin typeface="Roboto"/>
-                <a:ea typeface="Roboto"/>
-              </a:rPr>
-              <a:t>C</a:t>
-            </a:r>
-            <a:r>
-              <a:rPr b="1" lang="ru" sz="2000" spc="-1" strike="noStrike">
-                <a:solidFill>
-                  <a:srgbClr val="0f2c68"/>
-                </a:solidFill>
-                <a:latin typeface="Roboto"/>
-                <a:ea typeface="Roboto"/>
-              </a:rPr>
-              <a:t>H</a:t>
-            </a:r>
-            <a:r>
-              <a:rPr b="1" lang="ru" sz="2000" spc="-1" strike="noStrike">
-                <a:solidFill>
-                  <a:srgbClr val="0f2c68"/>
-                </a:solidFill>
-                <a:latin typeface="Roboto"/>
-                <a:ea typeface="Roboto"/>
-              </a:rPr>
-              <a:t> </a:t>
-            </a:r>
-            <a:r>
-              <a:rPr b="1" lang="ru" sz="2000" spc="-1" strike="noStrike">
-                <a:solidFill>
-                  <a:srgbClr val="0f2c68"/>
-                </a:solidFill>
-                <a:latin typeface="Roboto"/>
-                <a:ea typeface="Roboto"/>
-              </a:rPr>
-              <a:t>M</a:t>
-            </a:r>
-            <a:r>
-              <a:rPr b="1" lang="ru" sz="2000" spc="-1" strike="noStrike">
-                <a:solidFill>
-                  <a:srgbClr val="0f2c68"/>
-                </a:solidFill>
-                <a:latin typeface="Roboto"/>
-                <a:ea typeface="Roboto"/>
-              </a:rPr>
-              <a:t>E</a:t>
-            </a:r>
-            <a:r>
-              <a:rPr b="1" lang="ru" sz="2000" spc="-1" strike="noStrike">
-                <a:solidFill>
-                  <a:srgbClr val="0f2c68"/>
-                </a:solidFill>
-                <a:latin typeface="Roboto"/>
-                <a:ea typeface="Roboto"/>
-              </a:rPr>
-              <a:t>T</a:t>
-            </a:r>
-            <a:r>
-              <a:rPr b="1" lang="ru" sz="2000" spc="-1" strike="noStrike">
-                <a:solidFill>
-                  <a:srgbClr val="0f2c68"/>
-                </a:solidFill>
-                <a:latin typeface="Roboto"/>
-                <a:ea typeface="Roboto"/>
-              </a:rPr>
-              <a:t>H</a:t>
-            </a:r>
-            <a:r>
-              <a:rPr b="1" lang="ru" sz="2000" spc="-1" strike="noStrike">
-                <a:solidFill>
-                  <a:srgbClr val="0f2c68"/>
-                </a:solidFill>
-                <a:latin typeface="Roboto"/>
-                <a:ea typeface="Roboto"/>
-              </a:rPr>
-              <a:t>O</a:t>
-            </a:r>
-            <a:r>
-              <a:rPr b="1" lang="ru" sz="2000" spc="-1" strike="noStrike">
-                <a:solidFill>
-                  <a:srgbClr val="0f2c68"/>
-                </a:solidFill>
-                <a:latin typeface="Roboto"/>
-                <a:ea typeface="Roboto"/>
-              </a:rPr>
-              <a:t>D</a:t>
-            </a:r>
-            <a:r>
-              <a:rPr b="1" lang="ru" sz="2000" spc="-1" strike="noStrike">
-                <a:solidFill>
-                  <a:srgbClr val="0f2c68"/>
-                </a:solidFill>
-                <a:latin typeface="Roboto"/>
-                <a:ea typeface="Roboto"/>
-              </a:rPr>
-              <a:t>S</a:t>
+              <a:t>LITERATURE REVIEW</a:t>
             </a:r>
             <a:endParaRPr b="0" lang="en-US" sz="2000" spc="-1" strike="noStrike">
               <a:latin typeface="Arial"/>
@@ -14643,7 +17239,7 @@
       </p:sp>
       <p:sp>
         <p:nvSpPr>
-          <p:cNvPr id="245" name="PlaceHolder 4"/>
+          <p:cNvPr id="289" name="PlaceHolder 4"/>
           <p:cNvSpPr>
             <a:spLocks noGrp="1"/>
           </p:cNvSpPr>
@@ -14718,1233 +17314,9 @@
           </a:p>
         </p:txBody>
       </p:sp>
-      <p:sp>
-        <p:nvSpPr>
-          <p:cNvPr id="246" name="PlaceHolder 7"/>
-          <p:cNvSpPr txBox="1"/>
-          <p:nvPr/>
-        </p:nvSpPr>
-        <p:spPr>
-          <a:xfrm>
-            <a:off x="439200" y="1371600"/>
-            <a:ext cx="2304000" cy="4775040"/>
-          </a:xfrm>
-          <a:prstGeom prst="rect">
-            <a:avLst/>
-          </a:prstGeom>
-          <a:noFill/>
-          <a:ln w="0">
-            <a:noFill/>
-          </a:ln>
-        </p:spPr>
-        <p:txBody>
-          <a:bodyPr lIns="0" rIns="0" tIns="0" bIns="34200" anchor="t">
-            <a:noAutofit/>
-          </a:bodyPr>
-          <a:p>
-            <a:pPr>
-              <a:lnSpc>
-                <a:spcPct val="90000"/>
-              </a:lnSpc>
-              <a:buNone/>
-              <a:tabLst>
-                <a:tab algn="l" pos="0"/>
-              </a:tabLst>
-            </a:pPr>
-            <a:r>
-              <a:rPr b="0" lang="ru" sz="1500" spc="-1" strike="noStrike">
-                <a:solidFill>
-                  <a:srgbClr val="0f2c68"/>
-                </a:solidFill>
-                <a:latin typeface="Roboto"/>
-                <a:ea typeface="Roboto"/>
-              </a:rPr>
-              <a:t>• </a:t>
-            </a:r>
-            <a:r>
-              <a:rPr b="0" lang="ru" sz="1500" spc="-1" strike="noStrike">
-                <a:solidFill>
-                  <a:srgbClr val="0f2c68"/>
-                </a:solidFill>
-                <a:latin typeface="Roboto"/>
-                <a:ea typeface="Roboto"/>
-              </a:rPr>
-              <a:t>Study of the </a:t>
-            </a:r>
-            <a:r>
-              <a:rPr b="0" lang="ru" sz="1500" spc="-1" strike="noStrike">
-                <a:solidFill>
-                  <a:srgbClr val="0f2c68"/>
-                </a:solidFill>
-                <a:latin typeface="Roboto"/>
-                <a:ea typeface="Roboto"/>
-              </a:rPr>
-              <a:t>subject area</a:t>
-            </a:r>
-            <a:br>
-              <a:rPr sz="1500"/>
-            </a:br>
-            <a:endParaRPr b="0" lang="en-US" sz="1500" spc="-1" strike="noStrike">
-              <a:latin typeface="Arial"/>
-            </a:endParaRPr>
-          </a:p>
-          <a:p>
-            <a:pPr>
-              <a:lnSpc>
-                <a:spcPct val="90000"/>
-              </a:lnSpc>
-              <a:buNone/>
-              <a:tabLst>
-                <a:tab algn="l" pos="0"/>
-              </a:tabLst>
-            </a:pPr>
-            <a:r>
-              <a:rPr b="0" lang="ru" sz="1500" spc="-1" strike="noStrike">
-                <a:solidFill>
-                  <a:srgbClr val="0f2c68"/>
-                </a:solidFill>
-                <a:latin typeface="Roboto"/>
-                <a:ea typeface="Roboto"/>
-              </a:rPr>
-              <a:t>• </a:t>
-            </a:r>
-            <a:r>
-              <a:rPr b="0" lang="ru" sz="1500" spc="-1" strike="noStrike">
-                <a:solidFill>
-                  <a:srgbClr val="0f2c68"/>
-                </a:solidFill>
-                <a:latin typeface="Roboto"/>
-                <a:ea typeface="Roboto"/>
-              </a:rPr>
-              <a:t>Choosing the </a:t>
-            </a:r>
-            <a:r>
-              <a:rPr b="0" lang="ru" sz="1500" spc="-1" strike="noStrike">
-                <a:solidFill>
-                  <a:srgbClr val="0f2c68"/>
-                </a:solidFill>
-                <a:latin typeface="Roboto"/>
-                <a:ea typeface="Roboto"/>
-              </a:rPr>
-              <a:t>types of fuzzy </a:t>
-            </a:r>
-            <a:r>
-              <a:rPr b="0" lang="ru" sz="1500" spc="-1" strike="noStrike">
-                <a:solidFill>
-                  <a:srgbClr val="0f2c68"/>
-                </a:solidFill>
-                <a:latin typeface="Roboto"/>
-                <a:ea typeface="Roboto"/>
-              </a:rPr>
-              <a:t>sets</a:t>
-            </a:r>
-            <a:endParaRPr b="0" lang="en-US" sz="1500" spc="-1" strike="noStrike">
-              <a:latin typeface="Arial"/>
-            </a:endParaRPr>
-          </a:p>
-          <a:p>
-            <a:pPr>
-              <a:lnSpc>
-                <a:spcPct val="90000"/>
-              </a:lnSpc>
-              <a:buNone/>
-              <a:tabLst>
-                <a:tab algn="l" pos="0"/>
-              </a:tabLst>
-            </a:pPr>
-            <a:br>
-              <a:rPr sz="1500"/>
-            </a:br>
-            <a:r>
-              <a:rPr b="0" lang="ru" sz="1500" spc="-1" strike="noStrike">
-                <a:solidFill>
-                  <a:srgbClr val="0f2c68"/>
-                </a:solidFill>
-                <a:latin typeface="Roboto"/>
-                <a:ea typeface="Roboto"/>
-              </a:rPr>
-              <a:t>• </a:t>
-            </a:r>
-            <a:r>
-              <a:rPr b="0" lang="ru" sz="1500" spc="-1" strike="noStrike">
-                <a:solidFill>
-                  <a:srgbClr val="0f2c68"/>
-                </a:solidFill>
-                <a:latin typeface="Roboto"/>
-                <a:ea typeface="Roboto"/>
-              </a:rPr>
-              <a:t>Сhoosing a </a:t>
-            </a:r>
-            <a:r>
-              <a:rPr b="0" lang="ru" sz="1500" spc="-1" strike="noStrike">
-                <a:solidFill>
-                  <a:srgbClr val="0f2c68"/>
-                </a:solidFill>
-                <a:latin typeface="Roboto"/>
-                <a:ea typeface="Roboto"/>
-              </a:rPr>
-              <a:t>platform for </a:t>
-            </a:r>
-            <a:r>
-              <a:rPr b="0" lang="ru" sz="1500" spc="-1" strike="noStrike">
-                <a:solidFill>
-                  <a:srgbClr val="0f2c68"/>
-                </a:solidFill>
-                <a:latin typeface="Roboto"/>
-                <a:ea typeface="Roboto"/>
-              </a:rPr>
-              <a:t>creating a </a:t>
-            </a:r>
-            <a:r>
-              <a:rPr b="0" lang="ru" sz="1500" spc="-1" strike="noStrike">
-                <a:solidFill>
-                  <a:srgbClr val="0f2c68"/>
-                </a:solidFill>
-                <a:latin typeface="Roboto"/>
-                <a:ea typeface="Roboto"/>
-              </a:rPr>
-              <a:t>program</a:t>
-            </a:r>
-            <a:endParaRPr b="0" lang="en-US" sz="1500" spc="-1" strike="noStrike">
-              <a:latin typeface="Arial"/>
-            </a:endParaRPr>
-          </a:p>
-          <a:p>
-            <a:pPr>
-              <a:lnSpc>
-                <a:spcPct val="90000"/>
-              </a:lnSpc>
-              <a:buNone/>
-              <a:tabLst>
-                <a:tab algn="l" pos="0"/>
-              </a:tabLst>
-            </a:pPr>
-            <a:br>
-              <a:rPr sz="1500"/>
-            </a:br>
-            <a:r>
-              <a:rPr b="0" lang="ru" sz="1500" spc="-1" strike="noStrike">
-                <a:solidFill>
-                  <a:srgbClr val="0f2c68"/>
-                </a:solidFill>
-                <a:latin typeface="Roboto"/>
-                <a:ea typeface="Roboto"/>
-              </a:rPr>
-              <a:t>• </a:t>
-            </a:r>
-            <a:r>
-              <a:rPr b="0" lang="ru" sz="1500" spc="-1" strike="noStrike">
-                <a:solidFill>
-                  <a:srgbClr val="0f2c68"/>
-                </a:solidFill>
-                <a:latin typeface="Roboto"/>
-                <a:ea typeface="Roboto"/>
-              </a:rPr>
-              <a:t>Сhoosing a </a:t>
-            </a:r>
-            <a:r>
-              <a:rPr b="0" lang="ru" sz="1500" spc="-1" strike="noStrike">
-                <a:solidFill>
-                  <a:srgbClr val="0f2c68"/>
-                </a:solidFill>
-                <a:latin typeface="Roboto"/>
-                <a:ea typeface="Roboto"/>
-              </a:rPr>
-              <a:t>programming </a:t>
-            </a:r>
-            <a:r>
-              <a:rPr b="0" lang="ru" sz="1500" spc="-1" strike="noStrike">
-                <a:solidFill>
-                  <a:srgbClr val="0f2c68"/>
-                </a:solidFill>
-                <a:latin typeface="Roboto"/>
-                <a:ea typeface="Roboto"/>
-              </a:rPr>
-              <a:t>language and </a:t>
-            </a:r>
-            <a:r>
-              <a:rPr b="0" lang="ru" sz="1500" spc="-1" strike="noStrike">
-                <a:solidFill>
-                  <a:srgbClr val="0f2c68"/>
-                </a:solidFill>
-                <a:latin typeface="Roboto"/>
-                <a:ea typeface="Roboto"/>
-              </a:rPr>
-              <a:t>frameworks</a:t>
-            </a:r>
-            <a:endParaRPr b="0" lang="en-US" sz="1500" spc="-1" strike="noStrike">
-              <a:latin typeface="Arial"/>
-            </a:endParaRPr>
-          </a:p>
-          <a:p>
-            <a:pPr>
-              <a:lnSpc>
-                <a:spcPct val="90000"/>
-              </a:lnSpc>
-              <a:buNone/>
-              <a:tabLst>
-                <a:tab algn="l" pos="0"/>
-              </a:tabLst>
-            </a:pPr>
-            <a:br>
-              <a:rPr sz="1500"/>
-            </a:br>
-            <a:r>
-              <a:rPr b="0" lang="ru" sz="1500" spc="-1" strike="noStrike">
-                <a:solidFill>
-                  <a:srgbClr val="0f2c68"/>
-                </a:solidFill>
-                <a:latin typeface="Roboto"/>
-                <a:ea typeface="Roboto"/>
-              </a:rPr>
-              <a:t>• </a:t>
-            </a:r>
-            <a:r>
-              <a:rPr b="0" lang="ru" sz="1500" spc="-1" strike="noStrike">
-                <a:solidFill>
-                  <a:srgbClr val="0f2c68"/>
-                </a:solidFill>
-                <a:latin typeface="Roboto"/>
-                <a:ea typeface="Roboto"/>
-              </a:rPr>
-              <a:t>Development </a:t>
-            </a:r>
-            <a:r>
-              <a:rPr b="0" lang="ru" sz="1500" spc="-1" strike="noStrike">
-                <a:solidFill>
-                  <a:srgbClr val="0f2c68"/>
-                </a:solidFill>
-                <a:latin typeface="Roboto"/>
-                <a:ea typeface="Roboto"/>
-              </a:rPr>
-              <a:t>of the program </a:t>
-            </a:r>
-            <a:r>
-              <a:rPr b="0" lang="ru" sz="1500" spc="-1" strike="noStrike">
-                <a:solidFill>
-                  <a:srgbClr val="0f2c68"/>
-                </a:solidFill>
-                <a:latin typeface="Roboto"/>
-                <a:ea typeface="Roboto"/>
-              </a:rPr>
-              <a:t>architecture</a:t>
-            </a:r>
-            <a:endParaRPr b="0" lang="en-US" sz="1500" spc="-1" strike="noStrike">
-              <a:latin typeface="Arial"/>
-            </a:endParaRPr>
-          </a:p>
-          <a:p>
-            <a:pPr>
-              <a:lnSpc>
-                <a:spcPct val="90000"/>
-              </a:lnSpc>
-              <a:buNone/>
-              <a:tabLst>
-                <a:tab algn="l" pos="0"/>
-              </a:tabLst>
-            </a:pPr>
-            <a:endParaRPr b="0" lang="en-US" sz="1500" spc="-1" strike="noStrike">
-              <a:latin typeface="Arial"/>
-            </a:endParaRPr>
-          </a:p>
-          <a:p>
-            <a:pPr>
-              <a:lnSpc>
-                <a:spcPct val="90000"/>
-              </a:lnSpc>
-              <a:buNone/>
-              <a:tabLst>
-                <a:tab algn="l" pos="0"/>
-              </a:tabLst>
-            </a:pPr>
-            <a:r>
-              <a:rPr b="0" lang="ru" sz="1500" spc="-1" strike="noStrike">
-                <a:solidFill>
-                  <a:srgbClr val="0f2c68"/>
-                </a:solidFill>
-                <a:latin typeface="Roboto"/>
-                <a:ea typeface="Roboto"/>
-              </a:rPr>
-              <a:t>• </a:t>
-            </a:r>
-            <a:r>
-              <a:rPr b="0" lang="ru" sz="1500" spc="-1" strike="noStrike">
-                <a:solidFill>
-                  <a:srgbClr val="0f2c68"/>
-                </a:solidFill>
-                <a:latin typeface="Roboto"/>
-                <a:ea typeface="Roboto"/>
-              </a:rPr>
-              <a:t>Analysis of the </a:t>
-            </a:r>
-            <a:r>
-              <a:rPr b="0" lang="ru" sz="1500" spc="-1" strike="noStrike">
-                <a:solidFill>
-                  <a:srgbClr val="0f2c68"/>
-                </a:solidFill>
-                <a:latin typeface="Roboto"/>
-                <a:ea typeface="Roboto"/>
-              </a:rPr>
-              <a:t>received </a:t>
-            </a:r>
-            <a:r>
-              <a:rPr b="0" lang="ru" sz="1500" spc="-1" strike="noStrike">
-                <a:solidFill>
-                  <a:srgbClr val="0f2c68"/>
-                </a:solidFill>
-                <a:latin typeface="Roboto"/>
-                <a:ea typeface="Roboto"/>
-              </a:rPr>
-              <a:t>program</a:t>
-            </a:r>
-            <a:endParaRPr b="0" lang="en-US" sz="1500" spc="-1" strike="noStrike">
-              <a:latin typeface="Arial"/>
-            </a:endParaRPr>
-          </a:p>
-          <a:p>
-            <a:pPr>
-              <a:lnSpc>
-                <a:spcPct val="90000"/>
-              </a:lnSpc>
-              <a:buNone/>
-              <a:tabLst>
-                <a:tab algn="l" pos="0"/>
-              </a:tabLst>
-            </a:pPr>
-            <a:endParaRPr b="0" lang="en-US" sz="1500" spc="-1" strike="noStrike">
-              <a:latin typeface="Arial"/>
-            </a:endParaRPr>
-          </a:p>
-          <a:p>
-            <a:pPr>
-              <a:lnSpc>
-                <a:spcPct val="90000"/>
-              </a:lnSpc>
-              <a:buNone/>
-              <a:tabLst>
-                <a:tab algn="l" pos="0"/>
-              </a:tabLst>
-            </a:pPr>
-            <a:endParaRPr b="0" lang="en-US" sz="1500" spc="-1" strike="noStrike">
-              <a:latin typeface="Arial"/>
-            </a:endParaRPr>
-          </a:p>
-        </p:txBody>
-      </p:sp>
-      <p:pic>
-        <p:nvPicPr>
-          <p:cNvPr id="247" name="" descr=""/>
-          <p:cNvPicPr/>
-          <p:nvPr/>
-        </p:nvPicPr>
-        <p:blipFill>
-          <a:blip r:embed="rId1"/>
-          <a:stretch/>
-        </p:blipFill>
-        <p:spPr>
-          <a:xfrm>
-            <a:off x="2286000" y="795960"/>
-            <a:ext cx="6629400" cy="4313160"/>
-          </a:xfrm>
-          <a:prstGeom prst="rect">
-            <a:avLst/>
-          </a:prstGeom>
-          <a:ln w="0">
-            <a:noFill/>
-          </a:ln>
-        </p:spPr>
-      </p:pic>
-      <p:pic>
-        <p:nvPicPr>
-          <p:cNvPr id="248" name="" descr=""/>
-          <p:cNvPicPr/>
-          <p:nvPr/>
-        </p:nvPicPr>
-        <p:blipFill>
-          <a:blip r:embed="rId2"/>
-          <a:stretch/>
-        </p:blipFill>
-        <p:spPr>
-          <a:xfrm>
-            <a:off x="3200400" y="914400"/>
-            <a:ext cx="4861080" cy="3200400"/>
-          </a:xfrm>
-          <a:prstGeom prst="rect">
-            <a:avLst/>
-          </a:prstGeom>
-          <a:ln w="0">
-            <a:noFill/>
-          </a:ln>
-        </p:spPr>
-      </p:pic>
-    </p:spTree>
-  </p:cSld>
-  <mc:AlternateContent>
-    <mc:Choice Requires="p14">
-      <p:transition spd="slow" p14:dur="2000"/>
-    </mc:Choice>
-    <mc:Fallback>
-      <p:transition spd="slow"/>
-    </mc:Fallback>
-  </mc:AlternateContent>
-</p:sld>
-</file>
-
-<file path=ppt/slides/slide6.xml><?xml version="1.0" encoding="utf-8"?>
-<p:sld xmlns:a="http://schemas.openxmlformats.org/drawingml/2006/main" xmlns:p="http://schemas.openxmlformats.org/presentationml/2006/main" xmlns:r="http://schemas.openxmlformats.org/officeDocument/2006/relationships" xmlns:p14="http://schemas.microsoft.com/office/powerpoint/2010/main" xmlns:p15="http://schemas.microsoft.com/office/powerpoint/2012/main" xmlns:mc="http://schemas.openxmlformats.org/markup-compatibility/2006">
-  <p:cSld>
-    <p:spTree>
-      <p:nvGrpSpPr>
-        <p:cNvPr id="1" name=""/>
-        <p:cNvGrpSpPr/>
-        <p:nvPr/>
-      </p:nvGrpSpPr>
-      <p:grpSpPr>
-        <a:xfrm>
-          <a:off x="0" y="0"/>
-          <a:ext cx="0" cy="0"/>
-          <a:chOff x="0" y="0"/>
-          <a:chExt cx="0" cy="0"/>
-        </a:xfrm>
-      </p:grpSpPr>
-      <p:sp>
-        <p:nvSpPr>
-          <p:cNvPr id="249" name="PlaceHolder 1"/>
-          <p:cNvSpPr>
-            <a:spLocks noGrp="1"/>
-          </p:cNvSpPr>
-          <p:nvPr>
-            <p:ph/>
-          </p:nvPr>
-        </p:nvSpPr>
-        <p:spPr>
-          <a:xfrm>
-            <a:off x="857880" y="405720"/>
-            <a:ext cx="1425240" cy="310680"/>
-          </a:xfrm>
-          <a:prstGeom prst="rect">
-            <a:avLst/>
-          </a:prstGeom>
-          <a:noFill/>
-          <a:ln w="0">
-            <a:noFill/>
-          </a:ln>
-        </p:spPr>
-        <p:txBody>
-          <a:bodyPr lIns="0" rIns="0" tIns="0" bIns="0" anchor="t">
-            <a:noAutofit/>
-          </a:bodyPr>
-          <a:p>
-            <a:pPr>
-              <a:lnSpc>
-                <a:spcPct val="90000"/>
-              </a:lnSpc>
-              <a:buNone/>
-              <a:tabLst>
-                <a:tab algn="l" pos="0"/>
-              </a:tabLst>
-            </a:pPr>
-            <a:r>
-              <a:rPr b="0" lang="ru" sz="1200" spc="-1" strike="noStrike">
-                <a:solidFill>
-                  <a:srgbClr val="0f2c68"/>
-                </a:solidFill>
-                <a:latin typeface="Calibri"/>
-                <a:ea typeface="Calibri"/>
-              </a:rPr>
-              <a:t>HSE University</a:t>
-            </a:r>
-            <a:endParaRPr b="0" lang="en-US" sz="1200" spc="-1" strike="noStrike">
-              <a:latin typeface="Arial"/>
-            </a:endParaRPr>
-          </a:p>
-          <a:p>
-            <a:pPr>
-              <a:lnSpc>
-                <a:spcPct val="90000"/>
-              </a:lnSpc>
-              <a:buNone/>
-              <a:tabLst>
-                <a:tab algn="l" pos="0"/>
-              </a:tabLst>
-            </a:pPr>
-            <a:r>
-              <a:rPr b="0" lang="ru" sz="1200" spc="-1" strike="noStrike">
-                <a:solidFill>
-                  <a:srgbClr val="0f2c68"/>
-                </a:solidFill>
-                <a:latin typeface="Calibri"/>
-                <a:ea typeface="Calibri"/>
-              </a:rPr>
-              <a:t>FCS SE</a:t>
-            </a:r>
-            <a:endParaRPr b="0" lang="en-US" sz="1200" spc="-1" strike="noStrike">
-              <a:latin typeface="Arial"/>
-            </a:endParaRPr>
-          </a:p>
-        </p:txBody>
-      </p:sp>
-      <p:sp>
-        <p:nvSpPr>
-          <p:cNvPr id="250" name="PlaceHolder 2"/>
-          <p:cNvSpPr>
-            <a:spLocks noGrp="1"/>
-          </p:cNvSpPr>
-          <p:nvPr>
-            <p:ph/>
-          </p:nvPr>
-        </p:nvSpPr>
-        <p:spPr>
-          <a:xfrm>
-            <a:off x="2594520" y="411480"/>
-            <a:ext cx="1551240" cy="304920"/>
-          </a:xfrm>
-          <a:prstGeom prst="rect">
-            <a:avLst/>
-          </a:prstGeom>
-          <a:noFill/>
-          <a:ln w="0">
-            <a:noFill/>
-          </a:ln>
-        </p:spPr>
-        <p:txBody>
-          <a:bodyPr lIns="0" rIns="0" tIns="0" bIns="0" anchor="t">
-            <a:noAutofit/>
-          </a:bodyPr>
-          <a:p>
-            <a:pPr>
-              <a:lnSpc>
-                <a:spcPct val="90000"/>
-              </a:lnSpc>
-              <a:buNone/>
-              <a:tabLst>
-                <a:tab algn="l" pos="0"/>
-              </a:tabLst>
-            </a:pPr>
-            <a:r>
-              <a:rPr b="0" lang="ru" sz="1200" spc="-1" strike="noStrike">
-                <a:solidFill>
-                  <a:srgbClr val="0f2c68"/>
-                </a:solidFill>
-                <a:latin typeface="Calibri"/>
-                <a:ea typeface="Calibri"/>
-              </a:rPr>
-              <a:t>Project Proposal</a:t>
-            </a:r>
-            <a:endParaRPr b="0" lang="en-US" sz="1200" spc="-1" strike="noStrike">
-              <a:latin typeface="Arial"/>
-            </a:endParaRPr>
-          </a:p>
-          <a:p>
-            <a:pPr>
-              <a:lnSpc>
-                <a:spcPct val="90000"/>
-              </a:lnSpc>
-              <a:buNone/>
-              <a:tabLst>
-                <a:tab algn="l" pos="0"/>
-              </a:tabLst>
-            </a:pPr>
-            <a:r>
-              <a:rPr b="0" lang="ru" sz="1200" spc="-1" strike="noStrike">
-                <a:solidFill>
-                  <a:srgbClr val="0f2c68"/>
-                </a:solidFill>
-                <a:latin typeface="Calibri"/>
-                <a:ea typeface="Calibri"/>
-              </a:rPr>
-              <a:t>Protection</a:t>
-            </a:r>
-            <a:endParaRPr b="0" lang="en-US" sz="1200" spc="-1" strike="noStrike">
-              <a:latin typeface="Arial"/>
-            </a:endParaRPr>
-          </a:p>
-        </p:txBody>
-      </p:sp>
-      <p:sp>
-        <p:nvSpPr>
-          <p:cNvPr id="251" name="PlaceHolder 3"/>
-          <p:cNvSpPr>
-            <a:spLocks noGrp="1"/>
-          </p:cNvSpPr>
-          <p:nvPr>
-            <p:ph type="title"/>
-          </p:nvPr>
-        </p:nvSpPr>
-        <p:spPr>
-          <a:xfrm>
-            <a:off x="439200" y="1086120"/>
-            <a:ext cx="8034840" cy="581400"/>
-          </a:xfrm>
-          <a:prstGeom prst="rect">
-            <a:avLst/>
-          </a:prstGeom>
-          <a:noFill/>
-          <a:ln w="0">
-            <a:noFill/>
-          </a:ln>
-        </p:spPr>
-        <p:txBody>
-          <a:bodyPr lIns="0" rIns="0" tIns="0" bIns="0" anchor="t">
-            <a:noAutofit/>
-          </a:bodyPr>
-          <a:p>
-            <a:pPr>
-              <a:lnSpc>
-                <a:spcPct val="100000"/>
-              </a:lnSpc>
-              <a:buNone/>
-              <a:tabLst>
-                <a:tab algn="l" pos="0"/>
-              </a:tabLst>
-            </a:pPr>
-            <a:r>
-              <a:rPr b="1" lang="ru" sz="2000" spc="-1" strike="noStrike">
-                <a:solidFill>
-                  <a:srgbClr val="0f2c68"/>
-                </a:solidFill>
-                <a:latin typeface="Roboto"/>
-                <a:ea typeface="Roboto"/>
-              </a:rPr>
-              <a:t>RESULTS ANTICIPATED</a:t>
-            </a:r>
-            <a:endParaRPr b="0" lang="en-US" sz="2000" spc="-1" strike="noStrike">
-              <a:latin typeface="Arial"/>
-            </a:endParaRPr>
-          </a:p>
-        </p:txBody>
-      </p:sp>
-      <p:sp>
-        <p:nvSpPr>
-          <p:cNvPr id="252" name="PlaceHolder 4"/>
-          <p:cNvSpPr>
-            <a:spLocks noGrp="1"/>
-          </p:cNvSpPr>
-          <p:nvPr>
-            <p:ph/>
-          </p:nvPr>
-        </p:nvSpPr>
-        <p:spPr>
-          <a:xfrm>
-            <a:off x="439200" y="1503720"/>
-            <a:ext cx="3598920" cy="3257280"/>
-          </a:xfrm>
-          <a:prstGeom prst="rect">
-            <a:avLst/>
-          </a:prstGeom>
-          <a:noFill/>
-          <a:ln w="0">
-            <a:noFill/>
-          </a:ln>
-        </p:spPr>
-        <p:txBody>
-          <a:bodyPr lIns="0" rIns="0" tIns="0" bIns="0" anchor="t">
-            <a:noAutofit/>
-          </a:bodyPr>
-          <a:p>
-            <a:pPr>
-              <a:lnSpc>
-                <a:spcPct val="90000"/>
-              </a:lnSpc>
-              <a:buNone/>
-            </a:pPr>
-            <a:r>
-              <a:rPr b="0" lang="ru" sz="1900" spc="-1" strike="noStrike">
-                <a:solidFill>
-                  <a:srgbClr val="0f2c68"/>
-                </a:solidFill>
-                <a:latin typeface="Roboto"/>
-                <a:ea typeface="Roboto"/>
-              </a:rPr>
-              <a:t>1. Technical specification of the program</a:t>
-            </a:r>
-            <a:endParaRPr b="0" lang="en-US" sz="1900" spc="-1" strike="noStrike">
-              <a:latin typeface="Arial"/>
-            </a:endParaRPr>
-          </a:p>
-          <a:p>
-            <a:pPr>
-              <a:lnSpc>
-                <a:spcPct val="90000"/>
-              </a:lnSpc>
-              <a:buNone/>
-            </a:pPr>
-            <a:endParaRPr b="0" lang="en-US" sz="1900" spc="-1" strike="noStrike">
-              <a:latin typeface="Arial"/>
-            </a:endParaRPr>
-          </a:p>
-          <a:p>
-            <a:pPr>
-              <a:lnSpc>
-                <a:spcPct val="90000"/>
-              </a:lnSpc>
-              <a:buNone/>
-            </a:pPr>
-            <a:r>
-              <a:rPr b="0" lang="ru" sz="1900" spc="-1" strike="noStrike">
-                <a:solidFill>
-                  <a:srgbClr val="0f2c68"/>
-                </a:solidFill>
-                <a:latin typeface="Roboto"/>
-                <a:ea typeface="Roboto"/>
-              </a:rPr>
-              <a:t>2. A program for modeling the perception of success factors of an IT project using fuzzy cognitive maps with flexible settings</a:t>
-            </a:r>
-            <a:endParaRPr b="0" lang="en-US" sz="1900" spc="-1" strike="noStrike">
-              <a:latin typeface="Arial"/>
-            </a:endParaRPr>
-          </a:p>
-          <a:p>
-            <a:pPr>
-              <a:lnSpc>
-                <a:spcPct val="90000"/>
-              </a:lnSpc>
-              <a:buNone/>
-            </a:pPr>
-            <a:endParaRPr b="0" lang="en-US" sz="1900" spc="-1" strike="noStrike">
-              <a:latin typeface="Arial"/>
-            </a:endParaRPr>
-          </a:p>
-          <a:p>
-            <a:pPr>
-              <a:lnSpc>
-                <a:spcPct val="90000"/>
-              </a:lnSpc>
-              <a:buNone/>
-            </a:pPr>
-            <a:r>
-              <a:rPr b="0" lang="ru" sz="1900" spc="-1" strike="noStrike">
-                <a:solidFill>
-                  <a:srgbClr val="0f2c68"/>
-                </a:solidFill>
-                <a:latin typeface="Roboto"/>
-                <a:ea typeface="Roboto"/>
-              </a:rPr>
-              <a:t>3. Program documentation (explanatory note, operator's manual)</a:t>
-            </a:r>
-            <a:endParaRPr b="0" lang="en-US" sz="1900" spc="-1" strike="noStrike">
-              <a:latin typeface="Arial"/>
-            </a:endParaRPr>
-          </a:p>
-        </p:txBody>
-      </p:sp>
-      <p:sp>
-        <p:nvSpPr>
-          <p:cNvPr id="253" name="PlaceHolder 5"/>
-          <p:cNvSpPr>
-            <a:spLocks noGrp="1"/>
-          </p:cNvSpPr>
-          <p:nvPr>
-            <p:ph/>
-          </p:nvPr>
-        </p:nvSpPr>
-        <p:spPr>
-          <a:xfrm>
-            <a:off x="4695120" y="411480"/>
-            <a:ext cx="1551240" cy="304920"/>
-          </a:xfrm>
-          <a:prstGeom prst="rect">
-            <a:avLst/>
-          </a:prstGeom>
-          <a:noFill/>
-          <a:ln w="0">
-            <a:noFill/>
-          </a:ln>
-        </p:spPr>
-        <p:txBody>
-          <a:bodyPr lIns="0" rIns="0" tIns="0" bIns="0" anchor="t">
-            <a:noAutofit/>
-          </a:bodyPr>
-          <a:p>
-            <a:pPr>
-              <a:lnSpc>
-                <a:spcPct val="90000"/>
-              </a:lnSpc>
-              <a:buNone/>
-              <a:tabLst>
-                <a:tab algn="l" pos="0"/>
-              </a:tabLst>
-            </a:pPr>
-            <a:r>
-              <a:rPr b="0" lang="ru" sz="1200" spc="-1" strike="noStrike">
-                <a:solidFill>
-                  <a:srgbClr val="0f2c68"/>
-                </a:solidFill>
-                <a:latin typeface="Calibri"/>
-                <a:ea typeface="Calibri"/>
-              </a:rPr>
-              <a:t>Moscow</a:t>
-            </a:r>
-            <a:endParaRPr b="0" lang="en-US" sz="1200" spc="-1" strike="noStrike">
-              <a:latin typeface="Arial"/>
-            </a:endParaRPr>
-          </a:p>
-          <a:p>
-            <a:pPr>
-              <a:lnSpc>
-                <a:spcPct val="90000"/>
-              </a:lnSpc>
-              <a:buNone/>
-              <a:tabLst>
-                <a:tab algn="l" pos="0"/>
-              </a:tabLst>
-            </a:pPr>
-            <a:r>
-              <a:rPr b="0" lang="ru" sz="1200" spc="-1" strike="noStrike">
-                <a:solidFill>
-                  <a:srgbClr val="0f2c68"/>
-                </a:solidFill>
-                <a:latin typeface="Calibri"/>
-                <a:ea typeface="Calibri"/>
-              </a:rPr>
-              <a:t>2024</a:t>
-            </a:r>
-            <a:endParaRPr b="0" lang="en-US" sz="1200" spc="-1" strike="noStrike">
-              <a:latin typeface="Arial"/>
-            </a:endParaRPr>
-          </a:p>
-        </p:txBody>
-      </p:sp>
-      <p:pic>
-        <p:nvPicPr>
-          <p:cNvPr id="254" name="Google Shape;407;p83" descr=""/>
-          <p:cNvPicPr/>
-          <p:nvPr/>
-        </p:nvPicPr>
-        <p:blipFill>
-          <a:blip r:embed="rId1"/>
-          <a:stretch/>
-        </p:blipFill>
-        <p:spPr>
-          <a:xfrm>
-            <a:off x="4471920" y="1585080"/>
-            <a:ext cx="4310640" cy="2424240"/>
-          </a:xfrm>
-          <a:prstGeom prst="rect">
-            <a:avLst/>
-          </a:prstGeom>
-          <a:ln w="0">
-            <a:noFill/>
-          </a:ln>
-        </p:spPr>
-      </p:pic>
-    </p:spTree>
-  </p:cSld>
-  <mc:AlternateContent>
-    <mc:Choice Requires="p14">
-      <p:transition spd="slow" p14:dur="2000"/>
-    </mc:Choice>
-    <mc:Fallback>
-      <p:transition spd="slow"/>
-    </mc:Fallback>
-  </mc:AlternateContent>
-</p:sld>
-</file>
-
-<file path=ppt/slides/slide7.xml><?xml version="1.0" encoding="utf-8"?>
-<p:sld xmlns:a="http://schemas.openxmlformats.org/drawingml/2006/main" xmlns:p="http://schemas.openxmlformats.org/presentationml/2006/main" xmlns:r="http://schemas.openxmlformats.org/officeDocument/2006/relationships" xmlns:p14="http://schemas.microsoft.com/office/powerpoint/2010/main" xmlns:p15="http://schemas.microsoft.com/office/powerpoint/2012/main" xmlns:mc="http://schemas.openxmlformats.org/markup-compatibility/2006">
-  <p:cSld>
-    <p:spTree>
-      <p:nvGrpSpPr>
-        <p:cNvPr id="1" name=""/>
-        <p:cNvGrpSpPr/>
-        <p:nvPr/>
-      </p:nvGrpSpPr>
-      <p:grpSpPr>
-        <a:xfrm>
-          <a:off x="0" y="0"/>
-          <a:ext cx="0" cy="0"/>
-          <a:chOff x="0" y="0"/>
-          <a:chExt cx="0" cy="0"/>
-        </a:xfrm>
-      </p:grpSpPr>
-      <p:sp>
-        <p:nvSpPr>
-          <p:cNvPr id="255" name="PlaceHolder 1"/>
-          <p:cNvSpPr>
-            <a:spLocks noGrp="1"/>
-          </p:cNvSpPr>
-          <p:nvPr>
-            <p:ph/>
-          </p:nvPr>
-        </p:nvSpPr>
-        <p:spPr>
-          <a:xfrm>
-            <a:off x="857880" y="405720"/>
-            <a:ext cx="1425240" cy="310680"/>
-          </a:xfrm>
-          <a:prstGeom prst="rect">
-            <a:avLst/>
-          </a:prstGeom>
-          <a:noFill/>
-          <a:ln w="0">
-            <a:noFill/>
-          </a:ln>
-        </p:spPr>
-        <p:txBody>
-          <a:bodyPr lIns="0" rIns="0" tIns="0" bIns="0" anchor="t">
-            <a:noAutofit/>
-          </a:bodyPr>
-          <a:p>
-            <a:pPr>
-              <a:lnSpc>
-                <a:spcPct val="90000"/>
-              </a:lnSpc>
-              <a:buNone/>
-              <a:tabLst>
-                <a:tab algn="l" pos="0"/>
-              </a:tabLst>
-            </a:pPr>
-            <a:r>
-              <a:rPr b="0" lang="ru" sz="1200" spc="-1" strike="noStrike">
-                <a:solidFill>
-                  <a:srgbClr val="0f2c68"/>
-                </a:solidFill>
-                <a:latin typeface="Calibri"/>
-                <a:ea typeface="Calibri"/>
-              </a:rPr>
-              <a:t>HSE University</a:t>
-            </a:r>
-            <a:endParaRPr b="0" lang="en-US" sz="1200" spc="-1" strike="noStrike">
-              <a:latin typeface="Arial"/>
-            </a:endParaRPr>
-          </a:p>
-          <a:p>
-            <a:pPr>
-              <a:lnSpc>
-                <a:spcPct val="90000"/>
-              </a:lnSpc>
-              <a:buNone/>
-              <a:tabLst>
-                <a:tab algn="l" pos="0"/>
-              </a:tabLst>
-            </a:pPr>
-            <a:r>
-              <a:rPr b="0" lang="ru" sz="1200" spc="-1" strike="noStrike">
-                <a:solidFill>
-                  <a:srgbClr val="0f2c68"/>
-                </a:solidFill>
-                <a:latin typeface="Calibri"/>
-                <a:ea typeface="Calibri"/>
-              </a:rPr>
-              <a:t>FCS SE</a:t>
-            </a:r>
-            <a:endParaRPr b="0" lang="en-US" sz="1200" spc="-1" strike="noStrike">
-              <a:latin typeface="Arial"/>
-            </a:endParaRPr>
-          </a:p>
-        </p:txBody>
-      </p:sp>
-      <p:sp>
-        <p:nvSpPr>
-          <p:cNvPr id="256" name="PlaceHolder 2"/>
-          <p:cNvSpPr>
-            <a:spLocks noGrp="1"/>
-          </p:cNvSpPr>
-          <p:nvPr>
-            <p:ph/>
-          </p:nvPr>
-        </p:nvSpPr>
-        <p:spPr>
-          <a:xfrm>
-            <a:off x="2594520" y="411480"/>
-            <a:ext cx="1551240" cy="304920"/>
-          </a:xfrm>
-          <a:prstGeom prst="rect">
-            <a:avLst/>
-          </a:prstGeom>
-          <a:noFill/>
-          <a:ln w="0">
-            <a:noFill/>
-          </a:ln>
-        </p:spPr>
-        <p:txBody>
-          <a:bodyPr lIns="0" rIns="0" tIns="0" bIns="0" anchor="t">
-            <a:noAutofit/>
-          </a:bodyPr>
-          <a:p>
-            <a:pPr>
-              <a:lnSpc>
-                <a:spcPct val="90000"/>
-              </a:lnSpc>
-              <a:buNone/>
-              <a:tabLst>
-                <a:tab algn="l" pos="0"/>
-              </a:tabLst>
-            </a:pPr>
-            <a:r>
-              <a:rPr b="0" lang="ru" sz="1200" spc="-1" strike="noStrike">
-                <a:solidFill>
-                  <a:srgbClr val="0f2c68"/>
-                </a:solidFill>
-                <a:latin typeface="Calibri"/>
-                <a:ea typeface="Calibri"/>
-              </a:rPr>
-              <a:t>Project Proposal</a:t>
-            </a:r>
-            <a:endParaRPr b="0" lang="en-US" sz="1200" spc="-1" strike="noStrike">
-              <a:latin typeface="Arial"/>
-            </a:endParaRPr>
-          </a:p>
-          <a:p>
-            <a:pPr>
-              <a:lnSpc>
-                <a:spcPct val="90000"/>
-              </a:lnSpc>
-              <a:buNone/>
-              <a:tabLst>
-                <a:tab algn="l" pos="0"/>
-              </a:tabLst>
-            </a:pPr>
-            <a:r>
-              <a:rPr b="0" lang="ru" sz="1200" spc="-1" strike="noStrike">
-                <a:solidFill>
-                  <a:srgbClr val="0f2c68"/>
-                </a:solidFill>
-                <a:latin typeface="Calibri"/>
-                <a:ea typeface="Calibri"/>
-              </a:rPr>
-              <a:t>Protection</a:t>
-            </a:r>
-            <a:endParaRPr b="0" lang="en-US" sz="1200" spc="-1" strike="noStrike">
-              <a:latin typeface="Arial"/>
-            </a:endParaRPr>
-          </a:p>
-        </p:txBody>
-      </p:sp>
-      <p:sp>
-        <p:nvSpPr>
-          <p:cNvPr id="257" name="PlaceHolder 3"/>
-          <p:cNvSpPr>
-            <a:spLocks noGrp="1"/>
-          </p:cNvSpPr>
-          <p:nvPr>
-            <p:ph type="title"/>
-          </p:nvPr>
-        </p:nvSpPr>
-        <p:spPr>
-          <a:xfrm>
-            <a:off x="439200" y="1086120"/>
-            <a:ext cx="8034840" cy="581400"/>
-          </a:xfrm>
-          <a:prstGeom prst="rect">
-            <a:avLst/>
-          </a:prstGeom>
-          <a:noFill/>
-          <a:ln w="0">
-            <a:noFill/>
-          </a:ln>
-        </p:spPr>
-        <p:txBody>
-          <a:bodyPr lIns="0" rIns="0" tIns="0" bIns="0" anchor="t">
-            <a:noAutofit/>
-          </a:bodyPr>
-          <a:p>
-            <a:pPr>
-              <a:lnSpc>
-                <a:spcPct val="100000"/>
-              </a:lnSpc>
-              <a:buNone/>
-              <a:tabLst>
-                <a:tab algn="l" pos="0"/>
-              </a:tabLst>
-            </a:pPr>
-            <a:r>
-              <a:rPr b="1" lang="ru" sz="2000" spc="-1" strike="noStrike">
-                <a:solidFill>
-                  <a:srgbClr val="0f2c68"/>
-                </a:solidFill>
-                <a:latin typeface="Roboto"/>
-                <a:ea typeface="Roboto"/>
-              </a:rPr>
-              <a:t>LITERATURE REVIEW</a:t>
-            </a:r>
-            <a:endParaRPr b="0" lang="en-US" sz="2000" spc="-1" strike="noStrike">
-              <a:latin typeface="Arial"/>
-            </a:endParaRPr>
-          </a:p>
-        </p:txBody>
-      </p:sp>
-      <p:sp>
-        <p:nvSpPr>
-          <p:cNvPr id="258" name="PlaceHolder 4"/>
-          <p:cNvSpPr>
-            <a:spLocks noGrp="1"/>
-          </p:cNvSpPr>
-          <p:nvPr>
-            <p:ph/>
-          </p:nvPr>
-        </p:nvSpPr>
-        <p:spPr>
-          <a:xfrm>
-            <a:off x="4695120" y="411480"/>
-            <a:ext cx="1551240" cy="304920"/>
-          </a:xfrm>
-          <a:prstGeom prst="rect">
-            <a:avLst/>
-          </a:prstGeom>
-          <a:noFill/>
-          <a:ln w="0">
-            <a:noFill/>
-          </a:ln>
-        </p:spPr>
-        <p:txBody>
-          <a:bodyPr lIns="0" rIns="0" tIns="0" bIns="0" anchor="t">
-            <a:noAutofit/>
-          </a:bodyPr>
-          <a:p>
-            <a:pPr>
-              <a:lnSpc>
-                <a:spcPct val="90000"/>
-              </a:lnSpc>
-              <a:buNone/>
-              <a:tabLst>
-                <a:tab algn="l" pos="0"/>
-              </a:tabLst>
-            </a:pPr>
-            <a:r>
-              <a:rPr b="0" lang="ru" sz="1200" spc="-1" strike="noStrike">
-                <a:solidFill>
-                  <a:srgbClr val="0f2c68"/>
-                </a:solidFill>
-                <a:latin typeface="Calibri"/>
-                <a:ea typeface="Calibri"/>
-              </a:rPr>
-              <a:t>Moscow</a:t>
-            </a:r>
-            <a:endParaRPr b="0" lang="en-US" sz="1200" spc="-1" strike="noStrike">
-              <a:latin typeface="Arial"/>
-            </a:endParaRPr>
-          </a:p>
-          <a:p>
-            <a:pPr>
-              <a:lnSpc>
-                <a:spcPct val="90000"/>
-              </a:lnSpc>
-              <a:buNone/>
-              <a:tabLst>
-                <a:tab algn="l" pos="0"/>
-              </a:tabLst>
-            </a:pPr>
-            <a:r>
-              <a:rPr b="0" lang="ru" sz="1200" spc="-1" strike="noStrike">
-                <a:solidFill>
-                  <a:srgbClr val="0f2c68"/>
-                </a:solidFill>
-                <a:latin typeface="Calibri"/>
-                <a:ea typeface="Calibri"/>
-              </a:rPr>
-              <a:t>2024</a:t>
-            </a:r>
-            <a:endParaRPr b="0" lang="en-US" sz="1200" spc="-1" strike="noStrike">
-              <a:latin typeface="Arial"/>
-            </a:endParaRPr>
-          </a:p>
-        </p:txBody>
-      </p:sp>
       <p:graphicFrame>
         <p:nvGraphicFramePr>
-          <p:cNvPr id="259" name="Table 2"/>
+          <p:cNvPr id="290" name="Table 2"/>
           <p:cNvGraphicFramePr/>
           <p:nvPr/>
         </p:nvGraphicFramePr>
@@ -15984,7 +17356,7 @@
                         <a:t>Authors</a:t>
                       </a:r>
                       <a:endParaRPr b="0" lang="en-US" sz="1300" spc="-1" strike="noStrike">
-                        <a:latin typeface="Arial"/>
+                        <a:latin typeface="Times New Roman"/>
                       </a:endParaRPr>
                     </a:p>
                   </a:txBody>
@@ -16037,7 +17409,7 @@
                         <a:t>Research</a:t>
                       </a:r>
                       <a:endParaRPr b="0" lang="en-US" sz="1300" spc="-1" strike="noStrike">
-                        <a:latin typeface="Arial"/>
+                        <a:latin typeface="Times New Roman"/>
                       </a:endParaRPr>
                     </a:p>
                   </a:txBody>
@@ -16092,7 +17464,7 @@
                         <a:t>Insights</a:t>
                       </a:r>
                       <a:endParaRPr b="0" lang="en-US" sz="1300" spc="-1" strike="noStrike">
-                        <a:latin typeface="Arial"/>
+                        <a:latin typeface="Times New Roman"/>
                       </a:endParaRPr>
                     </a:p>
                   </a:txBody>
@@ -16146,7 +17518,7 @@
                         <a:t>Atasoy,</a:t>
                       </a:r>
                       <a:endParaRPr b="0" lang="en-US" sz="1300" spc="-1" strike="noStrike">
-                        <a:latin typeface="Arial"/>
+                        <a:latin typeface="Times New Roman"/>
                       </a:endParaRPr>
                     </a:p>
                     <a:p>
@@ -16166,7 +17538,7 @@
                         <a:t>Güzide</a:t>
                       </a:r>
                       <a:endParaRPr b="0" lang="en-US" sz="1300" spc="-1" strike="noStrike">
-                        <a:latin typeface="Arial"/>
+                        <a:latin typeface="Times New Roman"/>
                       </a:endParaRPr>
                     </a:p>
                     <a:p>
@@ -16186,7 +17558,7 @@
                         <a:t>(2007)</a:t>
                       </a:r>
                       <a:endParaRPr b="0" lang="en-US" sz="1300" spc="-1" strike="noStrike">
-                        <a:latin typeface="Arial"/>
+                        <a:latin typeface="Times New Roman"/>
                       </a:endParaRPr>
                     </a:p>
                   </a:txBody>
@@ -16246,7 +17618,7 @@
                         <a:t>Using cognitive maps for modeling project success”</a:t>
                       </a:r>
                       <a:endParaRPr b="0" lang="en-US" sz="1300" spc="-1" strike="noStrike">
-                        <a:latin typeface="Arial"/>
+                        <a:latin typeface="Times New Roman"/>
                       </a:endParaRPr>
                     </a:p>
                   </a:txBody>
@@ -16299,7 +17671,7 @@
                         <a:t>balanced perspective provides a more comprehensive</a:t>
                       </a:r>
                       <a:endParaRPr b="0" lang="en-US" sz="1300" spc="-1" strike="noStrike">
-                        <a:latin typeface="Arial"/>
+                        <a:latin typeface="Times New Roman"/>
                       </a:endParaRPr>
                     </a:p>
                     <a:p>
@@ -16322,7 +17694,7 @@
                         <a:t>understanding of cognitive maps</a:t>
                       </a:r>
                       <a:endParaRPr b="0" lang="en-US" sz="1300" spc="-1" strike="noStrike">
-                        <a:latin typeface="Arial"/>
+                        <a:latin typeface="Times New Roman"/>
                       </a:endParaRPr>
                     </a:p>
                   </a:txBody>
@@ -16374,7 +17746,7 @@
                         <a:t>Bhutani, K., Kumar, M., Garg, G., &amp; Aggarwal, S. (2016)</a:t>
                       </a:r>
                       <a:endParaRPr b="0" lang="en-US" sz="1300" spc="-1" strike="noStrike">
-                        <a:latin typeface="Arial"/>
+                        <a:latin typeface="Times New Roman"/>
                       </a:endParaRPr>
                     </a:p>
                   </a:txBody>
@@ -16434,7 +17806,7 @@
                         <a:t>Assessing IT-projects</a:t>
                       </a:r>
                       <a:endParaRPr b="0" lang="en-US" sz="1300" spc="-1" strike="noStrike">
-                        <a:latin typeface="Arial"/>
+                        <a:latin typeface="Times New Roman"/>
                       </a:endParaRPr>
                     </a:p>
                     <a:p>
@@ -16457,7 +17829,7 @@
                         <a:t>success with extended fuzzy cognitive maps &amp; neutrosophic cognitive</a:t>
                       </a:r>
                       <a:endParaRPr b="0" lang="en-US" sz="1300" spc="-1" strike="noStrike">
-                        <a:latin typeface="Arial"/>
+                        <a:latin typeface="Times New Roman"/>
                       </a:endParaRPr>
                     </a:p>
                     <a:p>
@@ -16480,7 +17852,7 @@
                         <a:t>maps in comparison to fuzzy cognitive maps”</a:t>
                       </a:r>
                       <a:endParaRPr b="0" lang="en-US" sz="1300" spc="-1" strike="noStrike">
-                        <a:latin typeface="Arial"/>
+                        <a:latin typeface="Times New Roman"/>
                       </a:endParaRPr>
                     </a:p>
                   </a:txBody>
@@ -16533,7 +17905,7 @@
                         <a:t>Neutrosophic cognitive maps outperformed fuzzy cognitive maps and</a:t>
                       </a:r>
                       <a:endParaRPr b="0" lang="en-US" sz="1300" spc="-1" strike="noStrike">
-                        <a:latin typeface="Arial"/>
+                        <a:latin typeface="Times New Roman"/>
                       </a:endParaRPr>
                     </a:p>
                     <a:p>
@@ -16556,7 +17928,7 @@
                         <a:t>improved cognitive maps in assessing the success of the project</a:t>
                       </a:r>
                       <a:endParaRPr b="0" lang="en-US" sz="1300" spc="-1" strike="noStrike">
-                        <a:latin typeface="Arial"/>
+                        <a:latin typeface="Times New Roman"/>
                       </a:endParaRPr>
                     </a:p>
                   </a:txBody>
@@ -16608,7 +17980,7 @@
                         <a:t>Luis Rodriguez-Repiso, Rossitza Setchi, Jose L. Salmeron (2007)</a:t>
                       </a:r>
                       <a:endParaRPr b="0" lang="en-US" sz="1300" spc="-1" strike="noStrike">
-                        <a:latin typeface="Arial"/>
+                        <a:latin typeface="Times New Roman"/>
                       </a:endParaRPr>
                     </a:p>
                   </a:txBody>
@@ -16668,7 +18040,7 @@
                         <a:t>Modeling IT projects success with Fuzzy Cognitive Maps”</a:t>
                       </a:r>
                       <a:endParaRPr b="0" lang="en-US" sz="1300" spc="-1" strike="noStrike">
-                        <a:latin typeface="Arial"/>
+                        <a:latin typeface="Times New Roman"/>
                       </a:endParaRPr>
                     </a:p>
                   </a:txBody>
@@ -16721,7 +18093,7 @@
                         <a:t>The writers emphasize the significance</a:t>
                       </a:r>
                       <a:endParaRPr b="0" lang="en-US" sz="1300" spc="-1" strike="noStrike">
-                        <a:latin typeface="Arial"/>
+                        <a:latin typeface="Times New Roman"/>
                       </a:endParaRPr>
                     </a:p>
                     <a:p>
@@ -16744,7 +18116,7 @@
                         <a:t>of Critical Success Factors (CSFs) as the essential prerequisites for a</a:t>
                       </a:r>
                       <a:endParaRPr b="0" lang="en-US" sz="1300" spc="-1" strike="noStrike">
-                        <a:latin typeface="Arial"/>
+                        <a:latin typeface="Times New Roman"/>
                       </a:endParaRPr>
                     </a:p>
                     <a:p>
@@ -16767,7 +18139,7 @@
                         <a:t>project to be deemed successful</a:t>
                       </a:r>
                       <a:endParaRPr b="0" lang="en-US" sz="1300" spc="-1" strike="noStrike">
-                        <a:latin typeface="Arial"/>
+                        <a:latin typeface="Times New Roman"/>
                       </a:endParaRPr>
                     </a:p>
                   </a:txBody>
@@ -16798,34 +18170,6 @@
               </a:tr>
               <a:tr h="521640">
                 <a:tc>
-                  <a:txBody>
-                    <a:bodyPr anchor="t">
-                      <a:noAutofit/>
-                    </a:bodyPr>
-                    <a:p>
-                      <a:pPr>
-                        <a:lnSpc>
-                          <a:spcPct val="100000"/>
-                        </a:lnSpc>
-                        <a:buNone/>
-                        <a:tabLst>
-                          <a:tab algn="l" pos="0"/>
-                        </a:tabLst>
-                      </a:pPr>
-                      <a:r>
-                        <a:rPr b="1" lang="ru-RU" sz="1300" spc="-1" strike="noStrike">
-                          <a:solidFill>
-                            <a:srgbClr val="102d69"/>
-                          </a:solidFill>
-                          <a:latin typeface="HSE Sans"/>
-                        </a:rPr>
-                        <a:t>ИТОГО</a:t>
-                      </a:r>
-                      <a:endParaRPr b="0" lang="en-US" sz="1300" spc="-1" strike="noStrike">
-                        <a:latin typeface="Arial"/>
-                      </a:endParaRPr>
-                    </a:p>
-                  </a:txBody>
                   <a:tcPr anchor="t" marL="91440" marR="91440">
                     <a:lnL w="12240">
                       <a:noFill/>
@@ -16849,48 +18193,6 @@
                   </a:tcPr>
                 </a:tc>
                 <a:tc>
-                  <a:txBody>
-                    <a:bodyPr anchor="t">
-                      <a:noAutofit/>
-                    </a:bodyPr>
-                    <a:p>
-                      <a:pPr algn="r">
-                        <a:lnSpc>
-                          <a:spcPct val="100000"/>
-                        </a:lnSpc>
-                        <a:buNone/>
-                        <a:tabLst>
-                          <a:tab algn="l" pos="0"/>
-                        </a:tabLst>
-                      </a:pPr>
-                      <a:r>
-                        <a:rPr b="1" lang="ru-RU" sz="1300" spc="-1" strike="noStrike">
-                          <a:solidFill>
-                            <a:srgbClr val="102d69"/>
-                          </a:solidFill>
-                          <a:latin typeface="HSE Sans"/>
-                        </a:rPr>
-                        <a:t>75 984 375</a:t>
-                      </a:r>
-                      <a:endParaRPr b="0" lang="en-US" sz="1300" spc="-1" strike="noStrike">
-                        <a:latin typeface="Arial"/>
-                      </a:endParaRPr>
-                    </a:p>
-                    <a:p>
-                      <a:pPr algn="r">
-                        <a:lnSpc>
-                          <a:spcPct val="100000"/>
-                        </a:lnSpc>
-                        <a:buNone/>
-                        <a:tabLst>
-                          <a:tab algn="l" pos="0"/>
-                        </a:tabLst>
-                      </a:pPr>
-                      <a:endParaRPr b="0" lang="en-US" sz="1300" spc="-1" strike="noStrike">
-                        <a:latin typeface="Arial"/>
-                      </a:endParaRPr>
-                    </a:p>
-                  </a:txBody>
                   <a:tcPr anchor="t" marL="91440" marR="91440">
                     <a:lnL w="2880">
                       <a:solidFill>
@@ -16916,48 +18218,6 @@
                   </a:tcPr>
                 </a:tc>
                 <a:tc>
-                  <a:txBody>
-                    <a:bodyPr anchor="t">
-                      <a:noAutofit/>
-                    </a:bodyPr>
-                    <a:p>
-                      <a:pPr algn="r">
-                        <a:lnSpc>
-                          <a:spcPct val="100000"/>
-                        </a:lnSpc>
-                        <a:buNone/>
-                        <a:tabLst>
-                          <a:tab algn="l" pos="0"/>
-                        </a:tabLst>
-                      </a:pPr>
-                      <a:r>
-                        <a:rPr b="1" lang="ru-RU" sz="1300" spc="-1" strike="noStrike">
-                          <a:solidFill>
-                            <a:srgbClr val="102d69"/>
-                          </a:solidFill>
-                          <a:latin typeface="HSE Sans"/>
-                        </a:rPr>
-                        <a:t>3 984 759 835</a:t>
-                      </a:r>
-                      <a:endParaRPr b="0" lang="en-US" sz="1300" spc="-1" strike="noStrike">
-                        <a:latin typeface="Arial"/>
-                      </a:endParaRPr>
-                    </a:p>
-                    <a:p>
-                      <a:pPr algn="r">
-                        <a:lnSpc>
-                          <a:spcPct val="100000"/>
-                        </a:lnSpc>
-                        <a:buNone/>
-                        <a:tabLst>
-                          <a:tab algn="l" pos="0"/>
-                        </a:tabLst>
-                      </a:pPr>
-                      <a:endParaRPr b="0" lang="en-US" sz="1300" spc="-1" strike="noStrike">
-                        <a:latin typeface="Arial"/>
-                      </a:endParaRPr>
-                    </a:p>
-                  </a:txBody>
                   <a:tcPr anchor="t" marL="91440" marR="91440">
                     <a:lnL w="2880">
                       <a:solidFill>
@@ -17000,6 +18260,1100 @@
 </p:sld>
 </file>
 
+<file path=ppt/slides/slide6.xml><?xml version="1.0" encoding="utf-8"?>
+<p:sld xmlns:a="http://schemas.openxmlformats.org/drawingml/2006/main" xmlns:p="http://schemas.openxmlformats.org/presentationml/2006/main" xmlns:r="http://schemas.openxmlformats.org/officeDocument/2006/relationships" xmlns:p14="http://schemas.microsoft.com/office/powerpoint/2010/main" xmlns:p15="http://schemas.microsoft.com/office/powerpoint/2012/main" xmlns:mc="http://schemas.openxmlformats.org/markup-compatibility/2006">
+  <p:cSld>
+    <p:spTree>
+      <p:nvGrpSpPr>
+        <p:cNvPr id="1" name=""/>
+        <p:cNvGrpSpPr/>
+        <p:nvPr/>
+      </p:nvGrpSpPr>
+      <p:grpSpPr>
+        <a:xfrm>
+          <a:off x="0" y="0"/>
+          <a:ext cx="0" cy="0"/>
+          <a:chOff x="0" y="0"/>
+          <a:chExt cx="0" cy="0"/>
+        </a:xfrm>
+      </p:grpSpPr>
+      <p:sp>
+        <p:nvSpPr>
+          <p:cNvPr id="291" name="PlaceHolder 1"/>
+          <p:cNvSpPr>
+            <a:spLocks noGrp="1"/>
+          </p:cNvSpPr>
+          <p:nvPr>
+            <p:ph/>
+          </p:nvPr>
+        </p:nvSpPr>
+        <p:spPr>
+          <a:xfrm>
+            <a:off x="857880" y="405720"/>
+            <a:ext cx="1425240" cy="310680"/>
+          </a:xfrm>
+          <a:prstGeom prst="rect">
+            <a:avLst/>
+          </a:prstGeom>
+          <a:noFill/>
+          <a:ln w="0">
+            <a:noFill/>
+          </a:ln>
+        </p:spPr>
+        <p:txBody>
+          <a:bodyPr lIns="0" rIns="0" tIns="0" bIns="0" anchor="t">
+            <a:noAutofit/>
+          </a:bodyPr>
+          <a:p>
+            <a:pPr>
+              <a:lnSpc>
+                <a:spcPct val="90000"/>
+              </a:lnSpc>
+              <a:buNone/>
+              <a:tabLst>
+                <a:tab algn="l" pos="0"/>
+              </a:tabLst>
+            </a:pPr>
+            <a:r>
+              <a:rPr b="0" lang="ru" sz="1200" spc="-1" strike="noStrike">
+                <a:solidFill>
+                  <a:srgbClr val="0f2c68"/>
+                </a:solidFill>
+                <a:latin typeface="Calibri"/>
+                <a:ea typeface="Calibri"/>
+              </a:rPr>
+              <a:t>HSE University</a:t>
+            </a:r>
+            <a:endParaRPr b="0" lang="en-US" sz="1200" spc="-1" strike="noStrike">
+              <a:latin typeface="Arial"/>
+            </a:endParaRPr>
+          </a:p>
+          <a:p>
+            <a:pPr>
+              <a:lnSpc>
+                <a:spcPct val="90000"/>
+              </a:lnSpc>
+              <a:buNone/>
+              <a:tabLst>
+                <a:tab algn="l" pos="0"/>
+              </a:tabLst>
+            </a:pPr>
+            <a:r>
+              <a:rPr b="0" lang="ru" sz="1200" spc="-1" strike="noStrike">
+                <a:solidFill>
+                  <a:srgbClr val="0f2c68"/>
+                </a:solidFill>
+                <a:latin typeface="Calibri"/>
+                <a:ea typeface="Calibri"/>
+              </a:rPr>
+              <a:t>FCS SE</a:t>
+            </a:r>
+            <a:endParaRPr b="0" lang="en-US" sz="1200" spc="-1" strike="noStrike">
+              <a:latin typeface="Arial"/>
+            </a:endParaRPr>
+          </a:p>
+        </p:txBody>
+      </p:sp>
+      <p:sp>
+        <p:nvSpPr>
+          <p:cNvPr id="292" name="PlaceHolder 2"/>
+          <p:cNvSpPr>
+            <a:spLocks noGrp="1"/>
+          </p:cNvSpPr>
+          <p:nvPr>
+            <p:ph/>
+          </p:nvPr>
+        </p:nvSpPr>
+        <p:spPr>
+          <a:xfrm>
+            <a:off x="2594520" y="411480"/>
+            <a:ext cx="1551240" cy="304920"/>
+          </a:xfrm>
+          <a:prstGeom prst="rect">
+            <a:avLst/>
+          </a:prstGeom>
+          <a:noFill/>
+          <a:ln w="0">
+            <a:noFill/>
+          </a:ln>
+        </p:spPr>
+        <p:txBody>
+          <a:bodyPr lIns="0" rIns="0" tIns="0" bIns="0" anchor="t">
+            <a:noAutofit/>
+          </a:bodyPr>
+          <a:p>
+            <a:pPr>
+              <a:lnSpc>
+                <a:spcPct val="90000"/>
+              </a:lnSpc>
+              <a:buNone/>
+              <a:tabLst>
+                <a:tab algn="l" pos="0"/>
+              </a:tabLst>
+            </a:pPr>
+            <a:r>
+              <a:rPr b="0" lang="ru" sz="1200" spc="-1" strike="noStrike">
+                <a:solidFill>
+                  <a:srgbClr val="0f2c68"/>
+                </a:solidFill>
+                <a:latin typeface="Calibri"/>
+                <a:ea typeface="Calibri"/>
+              </a:rPr>
+              <a:t>Project Proposal</a:t>
+            </a:r>
+            <a:endParaRPr b="0" lang="en-US" sz="1200" spc="-1" strike="noStrike">
+              <a:latin typeface="Arial"/>
+            </a:endParaRPr>
+          </a:p>
+          <a:p>
+            <a:pPr>
+              <a:lnSpc>
+                <a:spcPct val="90000"/>
+              </a:lnSpc>
+              <a:buNone/>
+              <a:tabLst>
+                <a:tab algn="l" pos="0"/>
+              </a:tabLst>
+            </a:pPr>
+            <a:r>
+              <a:rPr b="0" lang="ru" sz="1200" spc="-1" strike="noStrike">
+                <a:solidFill>
+                  <a:srgbClr val="0f2c68"/>
+                </a:solidFill>
+                <a:latin typeface="Calibri"/>
+                <a:ea typeface="Calibri"/>
+              </a:rPr>
+              <a:t>Protection</a:t>
+            </a:r>
+            <a:endParaRPr b="0" lang="en-US" sz="1200" spc="-1" strike="noStrike">
+              <a:latin typeface="Arial"/>
+            </a:endParaRPr>
+          </a:p>
+        </p:txBody>
+      </p:sp>
+      <p:sp>
+        <p:nvSpPr>
+          <p:cNvPr id="293" name="PlaceHolder 3"/>
+          <p:cNvSpPr>
+            <a:spLocks noGrp="1"/>
+          </p:cNvSpPr>
+          <p:nvPr>
+            <p:ph type="title"/>
+          </p:nvPr>
+        </p:nvSpPr>
+        <p:spPr>
+          <a:xfrm>
+            <a:off x="423360" y="1086120"/>
+            <a:ext cx="8034840" cy="581400"/>
+          </a:xfrm>
+          <a:prstGeom prst="rect">
+            <a:avLst/>
+          </a:prstGeom>
+          <a:noFill/>
+          <a:ln w="0">
+            <a:noFill/>
+          </a:ln>
+        </p:spPr>
+        <p:txBody>
+          <a:bodyPr lIns="0" rIns="0" tIns="0" bIns="0" anchor="t">
+            <a:noAutofit/>
+          </a:bodyPr>
+          <a:p>
+            <a:pPr>
+              <a:lnSpc>
+                <a:spcPct val="100000"/>
+              </a:lnSpc>
+              <a:buNone/>
+              <a:tabLst>
+                <a:tab algn="l" pos="0"/>
+              </a:tabLst>
+            </a:pPr>
+            <a:r>
+              <a:rPr b="1" lang="ru" sz="2000" spc="-1" strike="noStrike">
+                <a:solidFill>
+                  <a:srgbClr val="0f2c68"/>
+                </a:solidFill>
+                <a:latin typeface="Roboto"/>
+                <a:ea typeface="Roboto"/>
+              </a:rPr>
+              <a:t>RESEARCH METHODS</a:t>
+            </a:r>
+            <a:endParaRPr b="0" lang="en-US" sz="2000" spc="-1" strike="noStrike">
+              <a:latin typeface="Arial"/>
+            </a:endParaRPr>
+          </a:p>
+        </p:txBody>
+      </p:sp>
+      <p:sp>
+        <p:nvSpPr>
+          <p:cNvPr id="294" name="PlaceHolder 4"/>
+          <p:cNvSpPr>
+            <a:spLocks noGrp="1"/>
+          </p:cNvSpPr>
+          <p:nvPr>
+            <p:ph/>
+          </p:nvPr>
+        </p:nvSpPr>
+        <p:spPr>
+          <a:xfrm>
+            <a:off x="4695120" y="411480"/>
+            <a:ext cx="1551240" cy="304920"/>
+          </a:xfrm>
+          <a:prstGeom prst="rect">
+            <a:avLst/>
+          </a:prstGeom>
+          <a:noFill/>
+          <a:ln w="0">
+            <a:noFill/>
+          </a:ln>
+        </p:spPr>
+        <p:txBody>
+          <a:bodyPr lIns="0" rIns="0" tIns="0" bIns="0" anchor="t">
+            <a:noAutofit/>
+          </a:bodyPr>
+          <a:p>
+            <a:pPr>
+              <a:lnSpc>
+                <a:spcPct val="90000"/>
+              </a:lnSpc>
+              <a:buNone/>
+              <a:tabLst>
+                <a:tab algn="l" pos="0"/>
+              </a:tabLst>
+            </a:pPr>
+            <a:r>
+              <a:rPr b="0" lang="ru" sz="1200" spc="-1" strike="noStrike">
+                <a:solidFill>
+                  <a:srgbClr val="0f2c68"/>
+                </a:solidFill>
+                <a:latin typeface="Calibri"/>
+                <a:ea typeface="Calibri"/>
+              </a:rPr>
+              <a:t>Moscow</a:t>
+            </a:r>
+            <a:endParaRPr b="0" lang="en-US" sz="1200" spc="-1" strike="noStrike">
+              <a:latin typeface="Arial"/>
+            </a:endParaRPr>
+          </a:p>
+          <a:p>
+            <a:pPr>
+              <a:lnSpc>
+                <a:spcPct val="90000"/>
+              </a:lnSpc>
+              <a:buNone/>
+              <a:tabLst>
+                <a:tab algn="l" pos="0"/>
+              </a:tabLst>
+            </a:pPr>
+            <a:r>
+              <a:rPr b="0" lang="ru" sz="1200" spc="-1" strike="noStrike">
+                <a:solidFill>
+                  <a:srgbClr val="0f2c68"/>
+                </a:solidFill>
+                <a:latin typeface="Calibri"/>
+                <a:ea typeface="Calibri"/>
+              </a:rPr>
+              <a:t>2024</a:t>
+            </a:r>
+            <a:endParaRPr b="0" lang="en-US" sz="1200" spc="-1" strike="noStrike">
+              <a:latin typeface="Arial"/>
+            </a:endParaRPr>
+          </a:p>
+        </p:txBody>
+      </p:sp>
+      <p:sp>
+        <p:nvSpPr>
+          <p:cNvPr id="295" name="PlaceHolder 7"/>
+          <p:cNvSpPr txBox="1"/>
+          <p:nvPr/>
+        </p:nvSpPr>
+        <p:spPr>
+          <a:xfrm>
+            <a:off x="439200" y="1371600"/>
+            <a:ext cx="2304000" cy="4775040"/>
+          </a:xfrm>
+          <a:prstGeom prst="rect">
+            <a:avLst/>
+          </a:prstGeom>
+          <a:noFill/>
+          <a:ln w="0">
+            <a:noFill/>
+          </a:ln>
+        </p:spPr>
+        <p:txBody>
+          <a:bodyPr lIns="0" rIns="0" tIns="0" bIns="34200" anchor="t">
+            <a:noAutofit/>
+          </a:bodyPr>
+          <a:p>
+            <a:pPr>
+              <a:lnSpc>
+                <a:spcPct val="90000"/>
+              </a:lnSpc>
+              <a:buNone/>
+              <a:tabLst>
+                <a:tab algn="l" pos="0"/>
+              </a:tabLst>
+            </a:pPr>
+            <a:r>
+              <a:rPr b="0" lang="ru" sz="1500" spc="-1" strike="noStrike">
+                <a:solidFill>
+                  <a:srgbClr val="0f2c68"/>
+                </a:solidFill>
+                <a:latin typeface="Roboto"/>
+                <a:ea typeface="Roboto"/>
+              </a:rPr>
+              <a:t>• </a:t>
+            </a:r>
+            <a:r>
+              <a:rPr b="0" lang="ru" sz="1500" spc="-1" strike="noStrike">
+                <a:solidFill>
+                  <a:srgbClr val="0f2c68"/>
+                </a:solidFill>
+                <a:latin typeface="Roboto"/>
+                <a:ea typeface="Roboto"/>
+              </a:rPr>
+              <a:t>Study of the subject area</a:t>
+            </a:r>
+            <a:br>
+              <a:rPr sz="1500"/>
+            </a:br>
+            <a:endParaRPr b="0" lang="en-US" sz="1500" spc="-1" strike="noStrike">
+              <a:latin typeface="Arial"/>
+            </a:endParaRPr>
+          </a:p>
+          <a:p>
+            <a:pPr>
+              <a:lnSpc>
+                <a:spcPct val="90000"/>
+              </a:lnSpc>
+              <a:buNone/>
+              <a:tabLst>
+                <a:tab algn="l" pos="0"/>
+              </a:tabLst>
+            </a:pPr>
+            <a:r>
+              <a:rPr b="0" lang="ru" sz="1500" spc="-1" strike="noStrike">
+                <a:solidFill>
+                  <a:srgbClr val="0f2c68"/>
+                </a:solidFill>
+                <a:latin typeface="Roboto"/>
+                <a:ea typeface="Roboto"/>
+              </a:rPr>
+              <a:t>• </a:t>
+            </a:r>
+            <a:r>
+              <a:rPr b="0" lang="ru" sz="1500" spc="-1" strike="noStrike">
+                <a:solidFill>
+                  <a:srgbClr val="0f2c68"/>
+                </a:solidFill>
+                <a:latin typeface="Roboto"/>
+                <a:ea typeface="Roboto"/>
+              </a:rPr>
+              <a:t>Choosing the types of fuzzy sets</a:t>
+            </a:r>
+            <a:endParaRPr b="0" lang="en-US" sz="1500" spc="-1" strike="noStrike">
+              <a:latin typeface="Arial"/>
+            </a:endParaRPr>
+          </a:p>
+          <a:p>
+            <a:pPr>
+              <a:lnSpc>
+                <a:spcPct val="90000"/>
+              </a:lnSpc>
+              <a:buNone/>
+              <a:tabLst>
+                <a:tab algn="l" pos="0"/>
+              </a:tabLst>
+            </a:pPr>
+            <a:br>
+              <a:rPr sz="1500"/>
+            </a:br>
+            <a:r>
+              <a:rPr b="0" lang="ru" sz="1500" spc="-1" strike="noStrike">
+                <a:solidFill>
+                  <a:srgbClr val="0f2c68"/>
+                </a:solidFill>
+                <a:latin typeface="Roboto"/>
+                <a:ea typeface="Roboto"/>
+              </a:rPr>
+              <a:t>• </a:t>
+            </a:r>
+            <a:r>
+              <a:rPr b="0" lang="ru" sz="1500" spc="-1" strike="noStrike">
+                <a:solidFill>
+                  <a:srgbClr val="0f2c68"/>
+                </a:solidFill>
+                <a:latin typeface="Roboto"/>
+                <a:ea typeface="Roboto"/>
+              </a:rPr>
+              <a:t>Сhoosing a platform for creating a program</a:t>
+            </a:r>
+            <a:endParaRPr b="0" lang="en-US" sz="1500" spc="-1" strike="noStrike">
+              <a:latin typeface="Arial"/>
+            </a:endParaRPr>
+          </a:p>
+          <a:p>
+            <a:pPr>
+              <a:lnSpc>
+                <a:spcPct val="90000"/>
+              </a:lnSpc>
+              <a:buNone/>
+              <a:tabLst>
+                <a:tab algn="l" pos="0"/>
+              </a:tabLst>
+            </a:pPr>
+            <a:br>
+              <a:rPr sz="1500"/>
+            </a:br>
+            <a:r>
+              <a:rPr b="0" lang="ru" sz="1500" spc="-1" strike="noStrike">
+                <a:solidFill>
+                  <a:srgbClr val="0f2c68"/>
+                </a:solidFill>
+                <a:latin typeface="Roboto"/>
+                <a:ea typeface="Roboto"/>
+              </a:rPr>
+              <a:t>• </a:t>
+            </a:r>
+            <a:r>
+              <a:rPr b="0" lang="ru" sz="1500" spc="-1" strike="noStrike">
+                <a:solidFill>
+                  <a:srgbClr val="0f2c68"/>
+                </a:solidFill>
+                <a:latin typeface="Roboto"/>
+                <a:ea typeface="Roboto"/>
+              </a:rPr>
+              <a:t>Сhoosing a programming language and frameworks</a:t>
+            </a:r>
+            <a:endParaRPr b="0" lang="en-US" sz="1500" spc="-1" strike="noStrike">
+              <a:latin typeface="Arial"/>
+            </a:endParaRPr>
+          </a:p>
+          <a:p>
+            <a:pPr>
+              <a:lnSpc>
+                <a:spcPct val="90000"/>
+              </a:lnSpc>
+              <a:buNone/>
+              <a:tabLst>
+                <a:tab algn="l" pos="0"/>
+              </a:tabLst>
+            </a:pPr>
+            <a:br>
+              <a:rPr sz="1500"/>
+            </a:br>
+            <a:r>
+              <a:rPr b="0" lang="ru" sz="1500" spc="-1" strike="noStrike">
+                <a:solidFill>
+                  <a:srgbClr val="0f2c68"/>
+                </a:solidFill>
+                <a:latin typeface="Roboto"/>
+                <a:ea typeface="Roboto"/>
+              </a:rPr>
+              <a:t>• </a:t>
+            </a:r>
+            <a:r>
+              <a:rPr b="0" lang="ru" sz="1500" spc="-1" strike="noStrike">
+                <a:solidFill>
+                  <a:srgbClr val="0f2c68"/>
+                </a:solidFill>
+                <a:latin typeface="Roboto"/>
+                <a:ea typeface="Roboto"/>
+              </a:rPr>
+              <a:t>Development of the program architecture</a:t>
+            </a:r>
+            <a:endParaRPr b="0" lang="en-US" sz="1500" spc="-1" strike="noStrike">
+              <a:latin typeface="Arial"/>
+            </a:endParaRPr>
+          </a:p>
+          <a:p>
+            <a:pPr>
+              <a:lnSpc>
+                <a:spcPct val="90000"/>
+              </a:lnSpc>
+              <a:buNone/>
+              <a:tabLst>
+                <a:tab algn="l" pos="0"/>
+              </a:tabLst>
+            </a:pPr>
+            <a:endParaRPr b="0" lang="en-US" sz="1500" spc="-1" strike="noStrike">
+              <a:latin typeface="Arial"/>
+            </a:endParaRPr>
+          </a:p>
+          <a:p>
+            <a:pPr>
+              <a:lnSpc>
+                <a:spcPct val="90000"/>
+              </a:lnSpc>
+              <a:buNone/>
+              <a:tabLst>
+                <a:tab algn="l" pos="0"/>
+              </a:tabLst>
+            </a:pPr>
+            <a:r>
+              <a:rPr b="0" lang="ru" sz="1500" spc="-1" strike="noStrike">
+                <a:solidFill>
+                  <a:srgbClr val="0f2c68"/>
+                </a:solidFill>
+                <a:latin typeface="Roboto"/>
+                <a:ea typeface="Roboto"/>
+              </a:rPr>
+              <a:t>• </a:t>
+            </a:r>
+            <a:r>
+              <a:rPr b="0" lang="ru" sz="1500" spc="-1" strike="noStrike">
+                <a:solidFill>
+                  <a:srgbClr val="0f2c68"/>
+                </a:solidFill>
+                <a:latin typeface="Roboto"/>
+                <a:ea typeface="Roboto"/>
+              </a:rPr>
+              <a:t>Analysis of the received program</a:t>
+            </a:r>
+            <a:endParaRPr b="0" lang="en-US" sz="1500" spc="-1" strike="noStrike">
+              <a:latin typeface="Arial"/>
+            </a:endParaRPr>
+          </a:p>
+          <a:p>
+            <a:pPr>
+              <a:lnSpc>
+                <a:spcPct val="90000"/>
+              </a:lnSpc>
+              <a:buNone/>
+              <a:tabLst>
+                <a:tab algn="l" pos="0"/>
+              </a:tabLst>
+            </a:pPr>
+            <a:endParaRPr b="0" lang="en-US" sz="1500" spc="-1" strike="noStrike">
+              <a:latin typeface="Arial"/>
+            </a:endParaRPr>
+          </a:p>
+          <a:p>
+            <a:pPr>
+              <a:lnSpc>
+                <a:spcPct val="90000"/>
+              </a:lnSpc>
+              <a:buNone/>
+              <a:tabLst>
+                <a:tab algn="l" pos="0"/>
+              </a:tabLst>
+            </a:pPr>
+            <a:endParaRPr b="0" lang="en-US" sz="1500" spc="-1" strike="noStrike">
+              <a:latin typeface="Arial"/>
+            </a:endParaRPr>
+          </a:p>
+        </p:txBody>
+      </p:sp>
+      <p:pic>
+        <p:nvPicPr>
+          <p:cNvPr id="296" name="" descr=""/>
+          <p:cNvPicPr/>
+          <p:nvPr/>
+        </p:nvPicPr>
+        <p:blipFill>
+          <a:blip r:embed="rId1"/>
+          <a:stretch/>
+        </p:blipFill>
+        <p:spPr>
+          <a:xfrm>
+            <a:off x="2286000" y="795960"/>
+            <a:ext cx="6629400" cy="4313160"/>
+          </a:xfrm>
+          <a:prstGeom prst="rect">
+            <a:avLst/>
+          </a:prstGeom>
+          <a:ln w="0">
+            <a:noFill/>
+          </a:ln>
+        </p:spPr>
+      </p:pic>
+      <p:pic>
+        <p:nvPicPr>
+          <p:cNvPr id="297" name="" descr=""/>
+          <p:cNvPicPr/>
+          <p:nvPr/>
+        </p:nvPicPr>
+        <p:blipFill>
+          <a:blip r:embed="rId2"/>
+          <a:stretch/>
+        </p:blipFill>
+        <p:spPr>
+          <a:xfrm>
+            <a:off x="3200400" y="914400"/>
+            <a:ext cx="4861080" cy="3200400"/>
+          </a:xfrm>
+          <a:prstGeom prst="rect">
+            <a:avLst/>
+          </a:prstGeom>
+          <a:ln w="0">
+            <a:noFill/>
+          </a:ln>
+        </p:spPr>
+      </p:pic>
+    </p:spTree>
+  </p:cSld>
+  <mc:AlternateContent>
+    <mc:Choice Requires="p14">
+      <p:transition spd="slow" p14:dur="2000"/>
+    </mc:Choice>
+    <mc:Fallback>
+      <p:transition spd="slow"/>
+    </mc:Fallback>
+  </mc:AlternateContent>
+</p:sld>
+</file>
+
+<file path=ppt/slides/slide7.xml><?xml version="1.0" encoding="utf-8"?>
+<p:sld xmlns:a="http://schemas.openxmlformats.org/drawingml/2006/main" xmlns:p="http://schemas.openxmlformats.org/presentationml/2006/main" xmlns:r="http://schemas.openxmlformats.org/officeDocument/2006/relationships" xmlns:p14="http://schemas.microsoft.com/office/powerpoint/2010/main" xmlns:p15="http://schemas.microsoft.com/office/powerpoint/2012/main" xmlns:mc="http://schemas.openxmlformats.org/markup-compatibility/2006">
+  <p:cSld>
+    <p:spTree>
+      <p:nvGrpSpPr>
+        <p:cNvPr id="1" name=""/>
+        <p:cNvGrpSpPr/>
+        <p:nvPr/>
+      </p:nvGrpSpPr>
+      <p:grpSpPr>
+        <a:xfrm>
+          <a:off x="0" y="0"/>
+          <a:ext cx="0" cy="0"/>
+          <a:chOff x="0" y="0"/>
+          <a:chExt cx="0" cy="0"/>
+        </a:xfrm>
+      </p:grpSpPr>
+      <p:sp>
+        <p:nvSpPr>
+          <p:cNvPr id="298" name="PlaceHolder 1"/>
+          <p:cNvSpPr>
+            <a:spLocks noGrp="1"/>
+          </p:cNvSpPr>
+          <p:nvPr>
+            <p:ph/>
+          </p:nvPr>
+        </p:nvSpPr>
+        <p:spPr>
+          <a:xfrm>
+            <a:off x="857880" y="405720"/>
+            <a:ext cx="1425240" cy="310680"/>
+          </a:xfrm>
+          <a:prstGeom prst="rect">
+            <a:avLst/>
+          </a:prstGeom>
+          <a:noFill/>
+          <a:ln w="0">
+            <a:noFill/>
+          </a:ln>
+        </p:spPr>
+        <p:txBody>
+          <a:bodyPr lIns="0" rIns="0" tIns="0" bIns="0" anchor="t">
+            <a:noAutofit/>
+          </a:bodyPr>
+          <a:p>
+            <a:pPr>
+              <a:lnSpc>
+                <a:spcPct val="90000"/>
+              </a:lnSpc>
+              <a:buNone/>
+              <a:tabLst>
+                <a:tab algn="l" pos="0"/>
+              </a:tabLst>
+            </a:pPr>
+            <a:r>
+              <a:rPr b="0" lang="ru" sz="1200" spc="-1" strike="noStrike">
+                <a:solidFill>
+                  <a:srgbClr val="0f2c68"/>
+                </a:solidFill>
+                <a:latin typeface="Calibri"/>
+                <a:ea typeface="Calibri"/>
+              </a:rPr>
+              <a:t>HSE University</a:t>
+            </a:r>
+            <a:endParaRPr b="0" lang="en-US" sz="1200" spc="-1" strike="noStrike">
+              <a:latin typeface="Arial"/>
+            </a:endParaRPr>
+          </a:p>
+          <a:p>
+            <a:pPr>
+              <a:lnSpc>
+                <a:spcPct val="90000"/>
+              </a:lnSpc>
+              <a:buNone/>
+              <a:tabLst>
+                <a:tab algn="l" pos="0"/>
+              </a:tabLst>
+            </a:pPr>
+            <a:r>
+              <a:rPr b="0" lang="ru" sz="1200" spc="-1" strike="noStrike">
+                <a:solidFill>
+                  <a:srgbClr val="0f2c68"/>
+                </a:solidFill>
+                <a:latin typeface="Calibri"/>
+                <a:ea typeface="Calibri"/>
+              </a:rPr>
+              <a:t>FCS SE</a:t>
+            </a:r>
+            <a:endParaRPr b="0" lang="en-US" sz="1200" spc="-1" strike="noStrike">
+              <a:latin typeface="Arial"/>
+            </a:endParaRPr>
+          </a:p>
+        </p:txBody>
+      </p:sp>
+      <p:sp>
+        <p:nvSpPr>
+          <p:cNvPr id="299" name="PlaceHolder 2"/>
+          <p:cNvSpPr>
+            <a:spLocks noGrp="1"/>
+          </p:cNvSpPr>
+          <p:nvPr>
+            <p:ph/>
+          </p:nvPr>
+        </p:nvSpPr>
+        <p:spPr>
+          <a:xfrm>
+            <a:off x="2594520" y="411480"/>
+            <a:ext cx="1551240" cy="304920"/>
+          </a:xfrm>
+          <a:prstGeom prst="rect">
+            <a:avLst/>
+          </a:prstGeom>
+          <a:noFill/>
+          <a:ln w="0">
+            <a:noFill/>
+          </a:ln>
+        </p:spPr>
+        <p:txBody>
+          <a:bodyPr lIns="0" rIns="0" tIns="0" bIns="0" anchor="t">
+            <a:noAutofit/>
+          </a:bodyPr>
+          <a:p>
+            <a:pPr>
+              <a:lnSpc>
+                <a:spcPct val="90000"/>
+              </a:lnSpc>
+              <a:buNone/>
+              <a:tabLst>
+                <a:tab algn="l" pos="0"/>
+              </a:tabLst>
+            </a:pPr>
+            <a:r>
+              <a:rPr b="0" lang="ru" sz="1200" spc="-1" strike="noStrike">
+                <a:solidFill>
+                  <a:srgbClr val="0f2c68"/>
+                </a:solidFill>
+                <a:latin typeface="Calibri"/>
+                <a:ea typeface="Calibri"/>
+              </a:rPr>
+              <a:t>Project Proposal</a:t>
+            </a:r>
+            <a:endParaRPr b="0" lang="en-US" sz="1200" spc="-1" strike="noStrike">
+              <a:latin typeface="Arial"/>
+            </a:endParaRPr>
+          </a:p>
+          <a:p>
+            <a:pPr>
+              <a:lnSpc>
+                <a:spcPct val="90000"/>
+              </a:lnSpc>
+              <a:buNone/>
+              <a:tabLst>
+                <a:tab algn="l" pos="0"/>
+              </a:tabLst>
+            </a:pPr>
+            <a:r>
+              <a:rPr b="0" lang="ru" sz="1200" spc="-1" strike="noStrike">
+                <a:solidFill>
+                  <a:srgbClr val="0f2c68"/>
+                </a:solidFill>
+                <a:latin typeface="Calibri"/>
+                <a:ea typeface="Calibri"/>
+              </a:rPr>
+              <a:t>Protection</a:t>
+            </a:r>
+            <a:endParaRPr b="0" lang="en-US" sz="1200" spc="-1" strike="noStrike">
+              <a:latin typeface="Arial"/>
+            </a:endParaRPr>
+          </a:p>
+        </p:txBody>
+      </p:sp>
+      <p:sp>
+        <p:nvSpPr>
+          <p:cNvPr id="300" name="PlaceHolder 3"/>
+          <p:cNvSpPr>
+            <a:spLocks noGrp="1"/>
+          </p:cNvSpPr>
+          <p:nvPr>
+            <p:ph type="title"/>
+          </p:nvPr>
+        </p:nvSpPr>
+        <p:spPr>
+          <a:xfrm>
+            <a:off x="439200" y="1086120"/>
+            <a:ext cx="8034840" cy="581400"/>
+          </a:xfrm>
+          <a:prstGeom prst="rect">
+            <a:avLst/>
+          </a:prstGeom>
+          <a:noFill/>
+          <a:ln w="0">
+            <a:noFill/>
+          </a:ln>
+        </p:spPr>
+        <p:txBody>
+          <a:bodyPr lIns="0" rIns="0" tIns="0" bIns="0" anchor="t">
+            <a:noAutofit/>
+          </a:bodyPr>
+          <a:p>
+            <a:pPr>
+              <a:lnSpc>
+                <a:spcPct val="100000"/>
+              </a:lnSpc>
+              <a:buNone/>
+              <a:tabLst>
+                <a:tab algn="l" pos="0"/>
+              </a:tabLst>
+            </a:pPr>
+            <a:r>
+              <a:rPr b="1" lang="ru" sz="2000" spc="-1" strike="noStrike">
+                <a:solidFill>
+                  <a:srgbClr val="0f2c68"/>
+                </a:solidFill>
+                <a:latin typeface="Roboto"/>
+                <a:ea typeface="Roboto"/>
+              </a:rPr>
+              <a:t>RESULTS ANTICIPATED</a:t>
+            </a:r>
+            <a:endParaRPr b="0" lang="en-US" sz="2000" spc="-1" strike="noStrike">
+              <a:latin typeface="Arial"/>
+            </a:endParaRPr>
+          </a:p>
+        </p:txBody>
+      </p:sp>
+      <p:sp>
+        <p:nvSpPr>
+          <p:cNvPr id="301" name="PlaceHolder 4"/>
+          <p:cNvSpPr>
+            <a:spLocks noGrp="1"/>
+          </p:cNvSpPr>
+          <p:nvPr>
+            <p:ph/>
+          </p:nvPr>
+        </p:nvSpPr>
+        <p:spPr>
+          <a:xfrm>
+            <a:off x="439200" y="1503720"/>
+            <a:ext cx="3598920" cy="3257280"/>
+          </a:xfrm>
+          <a:prstGeom prst="rect">
+            <a:avLst/>
+          </a:prstGeom>
+          <a:noFill/>
+          <a:ln w="0">
+            <a:noFill/>
+          </a:ln>
+        </p:spPr>
+        <p:txBody>
+          <a:bodyPr lIns="0" rIns="0" tIns="0" bIns="0" anchor="t">
+            <a:noAutofit/>
+          </a:bodyPr>
+          <a:p>
+            <a:pPr>
+              <a:lnSpc>
+                <a:spcPct val="90000"/>
+              </a:lnSpc>
+              <a:buNone/>
+            </a:pPr>
+            <a:r>
+              <a:rPr b="0" lang="ru" sz="1900" spc="-1" strike="noStrike">
+                <a:solidFill>
+                  <a:srgbClr val="0f2c68"/>
+                </a:solidFill>
+                <a:latin typeface="Roboto"/>
+                <a:ea typeface="Roboto"/>
+              </a:rPr>
+              <a:t>1. Technical specification of the program</a:t>
+            </a:r>
+            <a:endParaRPr b="0" lang="en-US" sz="1900" spc="-1" strike="noStrike">
+              <a:latin typeface="Arial"/>
+            </a:endParaRPr>
+          </a:p>
+          <a:p>
+            <a:pPr>
+              <a:lnSpc>
+                <a:spcPct val="90000"/>
+              </a:lnSpc>
+              <a:buNone/>
+            </a:pPr>
+            <a:endParaRPr b="0" lang="en-US" sz="1900" spc="-1" strike="noStrike">
+              <a:latin typeface="Arial"/>
+            </a:endParaRPr>
+          </a:p>
+          <a:p>
+            <a:pPr>
+              <a:lnSpc>
+                <a:spcPct val="90000"/>
+              </a:lnSpc>
+              <a:buNone/>
+            </a:pPr>
+            <a:r>
+              <a:rPr b="0" lang="ru" sz="1900" spc="-1" strike="noStrike">
+                <a:solidFill>
+                  <a:srgbClr val="0f2c68"/>
+                </a:solidFill>
+                <a:latin typeface="Roboto"/>
+                <a:ea typeface="Roboto"/>
+              </a:rPr>
+              <a:t>2. A program for modeling the perception of success factors of an IT project using fuzzy cognitive maps with flexible settings</a:t>
+            </a:r>
+            <a:endParaRPr b="0" lang="en-US" sz="1900" spc="-1" strike="noStrike">
+              <a:latin typeface="Arial"/>
+            </a:endParaRPr>
+          </a:p>
+          <a:p>
+            <a:pPr>
+              <a:lnSpc>
+                <a:spcPct val="90000"/>
+              </a:lnSpc>
+              <a:buNone/>
+            </a:pPr>
+            <a:endParaRPr b="0" lang="en-US" sz="1900" spc="-1" strike="noStrike">
+              <a:latin typeface="Arial"/>
+            </a:endParaRPr>
+          </a:p>
+          <a:p>
+            <a:pPr>
+              <a:lnSpc>
+                <a:spcPct val="90000"/>
+              </a:lnSpc>
+              <a:buNone/>
+            </a:pPr>
+            <a:r>
+              <a:rPr b="0" lang="ru" sz="1900" spc="-1" strike="noStrike">
+                <a:solidFill>
+                  <a:srgbClr val="0f2c68"/>
+                </a:solidFill>
+                <a:latin typeface="Roboto"/>
+                <a:ea typeface="Roboto"/>
+              </a:rPr>
+              <a:t>3. Program documentation (explanatory note, operator's manual)</a:t>
+            </a:r>
+            <a:endParaRPr b="0" lang="en-US" sz="1900" spc="-1" strike="noStrike">
+              <a:latin typeface="Arial"/>
+            </a:endParaRPr>
+          </a:p>
+        </p:txBody>
+      </p:sp>
+      <p:sp>
+        <p:nvSpPr>
+          <p:cNvPr id="302" name="PlaceHolder 5"/>
+          <p:cNvSpPr>
+            <a:spLocks noGrp="1"/>
+          </p:cNvSpPr>
+          <p:nvPr>
+            <p:ph/>
+          </p:nvPr>
+        </p:nvSpPr>
+        <p:spPr>
+          <a:xfrm>
+            <a:off x="4695120" y="411480"/>
+            <a:ext cx="1551240" cy="304920"/>
+          </a:xfrm>
+          <a:prstGeom prst="rect">
+            <a:avLst/>
+          </a:prstGeom>
+          <a:noFill/>
+          <a:ln w="0">
+            <a:noFill/>
+          </a:ln>
+        </p:spPr>
+        <p:txBody>
+          <a:bodyPr lIns="0" rIns="0" tIns="0" bIns="0" anchor="t">
+            <a:noAutofit/>
+          </a:bodyPr>
+          <a:p>
+            <a:pPr>
+              <a:lnSpc>
+                <a:spcPct val="90000"/>
+              </a:lnSpc>
+              <a:buNone/>
+              <a:tabLst>
+                <a:tab algn="l" pos="0"/>
+              </a:tabLst>
+            </a:pPr>
+            <a:r>
+              <a:rPr b="0" lang="ru" sz="1200" spc="-1" strike="noStrike">
+                <a:solidFill>
+                  <a:srgbClr val="0f2c68"/>
+                </a:solidFill>
+                <a:latin typeface="Calibri"/>
+                <a:ea typeface="Calibri"/>
+              </a:rPr>
+              <a:t>Moscow</a:t>
+            </a:r>
+            <a:endParaRPr b="0" lang="en-US" sz="1200" spc="-1" strike="noStrike">
+              <a:latin typeface="Arial"/>
+            </a:endParaRPr>
+          </a:p>
+          <a:p>
+            <a:pPr>
+              <a:lnSpc>
+                <a:spcPct val="90000"/>
+              </a:lnSpc>
+              <a:buNone/>
+              <a:tabLst>
+                <a:tab algn="l" pos="0"/>
+              </a:tabLst>
+            </a:pPr>
+            <a:r>
+              <a:rPr b="0" lang="ru" sz="1200" spc="-1" strike="noStrike">
+                <a:solidFill>
+                  <a:srgbClr val="0f2c68"/>
+                </a:solidFill>
+                <a:latin typeface="Calibri"/>
+                <a:ea typeface="Calibri"/>
+              </a:rPr>
+              <a:t>2024</a:t>
+            </a:r>
+            <a:endParaRPr b="0" lang="en-US" sz="1200" spc="-1" strike="noStrike">
+              <a:latin typeface="Arial"/>
+            </a:endParaRPr>
+          </a:p>
+        </p:txBody>
+      </p:sp>
+      <p:pic>
+        <p:nvPicPr>
+          <p:cNvPr id="303" name="Google Shape;407;p83" descr=""/>
+          <p:cNvPicPr/>
+          <p:nvPr/>
+        </p:nvPicPr>
+        <p:blipFill>
+          <a:blip r:embed="rId1"/>
+          <a:stretch/>
+        </p:blipFill>
+        <p:spPr>
+          <a:xfrm>
+            <a:off x="4471920" y="1585080"/>
+            <a:ext cx="4310640" cy="2424240"/>
+          </a:xfrm>
+          <a:prstGeom prst="rect">
+            <a:avLst/>
+          </a:prstGeom>
+          <a:ln w="0">
+            <a:noFill/>
+          </a:ln>
+        </p:spPr>
+      </p:pic>
+    </p:spTree>
+  </p:cSld>
+  <mc:AlternateContent>
+    <mc:Choice Requires="p14">
+      <p:transition spd="slow" p14:dur="2000"/>
+    </mc:Choice>
+    <mc:Fallback>
+      <p:transition spd="slow"/>
+    </mc:Fallback>
+  </mc:AlternateContent>
+</p:sld>
+</file>
+
 <file path=ppt/slides/slide8.xml><?xml version="1.0" encoding="utf-8"?>
 <p:sld xmlns:a="http://schemas.openxmlformats.org/drawingml/2006/main" xmlns:p="http://schemas.openxmlformats.org/presentationml/2006/main" xmlns:r="http://schemas.openxmlformats.org/officeDocument/2006/relationships" xmlns:p14="http://schemas.microsoft.com/office/powerpoint/2010/main" xmlns:p15="http://schemas.microsoft.com/office/powerpoint/2012/main" xmlns:mc="http://schemas.openxmlformats.org/markup-compatibility/2006">
   <p:cSld>
@@ -17019,7 +19373,7 @@
       </p:grpSpPr>
       <p:sp>
         <p:nvSpPr>
-          <p:cNvPr id="260" name="PlaceHolder 1"/>
+          <p:cNvPr id="304" name="PlaceHolder 1"/>
           <p:cNvSpPr>
             <a:spLocks noGrp="1"/>
           </p:cNvSpPr>
@@ -17096,7 +19450,7 @@
       </p:sp>
       <p:sp>
         <p:nvSpPr>
-          <p:cNvPr id="261" name="PlaceHolder 2"/>
+          <p:cNvPr id="305" name="PlaceHolder 2"/>
           <p:cNvSpPr>
             <a:spLocks noGrp="1"/>
           </p:cNvSpPr>
@@ -17173,7 +19527,7 @@
       </p:sp>
       <p:sp>
         <p:nvSpPr>
-          <p:cNvPr id="262" name="PlaceHolder 3"/>
+          <p:cNvPr id="306" name="PlaceHolder 3"/>
           <p:cNvSpPr>
             <a:spLocks noGrp="1"/>
           </p:cNvSpPr>
@@ -17226,7 +19580,7 @@
       </p:sp>
       <p:sp>
         <p:nvSpPr>
-          <p:cNvPr id="263" name="PlaceHolder 4"/>
+          <p:cNvPr id="307" name="PlaceHolder 4"/>
           <p:cNvSpPr>
             <a:spLocks noGrp="1"/>
           </p:cNvSpPr>
@@ -17713,7 +20067,7 @@
       </p:sp>
       <p:sp>
         <p:nvSpPr>
-          <p:cNvPr id="264" name="PlaceHolder 5"/>
+          <p:cNvPr id="308" name="PlaceHolder 5"/>
           <p:cNvSpPr>
             <a:spLocks noGrp="1"/>
           </p:cNvSpPr>
@@ -17820,7 +20174,7 @@
       </p:grpSpPr>
       <p:sp>
         <p:nvSpPr>
-          <p:cNvPr id="265" name="Google Shape;421;p85"/>
+          <p:cNvPr id="309" name="Google Shape;421;p85"/>
           <p:cNvSpPr/>
           <p:nvPr/>
         </p:nvSpPr>
@@ -19014,4 +21368,230 @@
     </a:fmtScheme>
   </a:themeElements>
 </a:theme>
+</file>
+
+<file path=ppt/theme/theme6.xml><?xml version="1.0" encoding="utf-8"?>
+<a:theme xmlns:a="http://schemas.openxmlformats.org/drawingml/2006/main" name="Office Theme">
+  <a:themeElements>
+    <a:clrScheme name="Office">
+      <a:dk1>
+        <a:sysClr val="windowText" lastClr="000000"/>
+      </a:dk1>
+      <a:lt1>
+        <a:sysClr val="window" lastClr="FFFFFF"/>
+      </a:lt1>
+      <a:dk2>
+        <a:srgbClr val="44546a"/>
+      </a:dk2>
+      <a:lt2>
+        <a:srgbClr val="e7e6e6"/>
+      </a:lt2>
+      <a:accent1>
+        <a:srgbClr val="4472c4"/>
+      </a:accent1>
+      <a:accent2>
+        <a:srgbClr val="ed7d31"/>
+      </a:accent2>
+      <a:accent3>
+        <a:srgbClr val="a5a5a5"/>
+      </a:accent3>
+      <a:accent4>
+        <a:srgbClr val="ffc000"/>
+      </a:accent4>
+      <a:accent5>
+        <a:srgbClr val="5b9bd5"/>
+      </a:accent5>
+      <a:accent6>
+        <a:srgbClr val="70ad47"/>
+      </a:accent6>
+      <a:hlink>
+        <a:srgbClr val="0563c1"/>
+      </a:hlink>
+      <a:folHlink>
+        <a:srgbClr val="954f72"/>
+      </a:folHlink>
+    </a:clrScheme>
+    <a:fontScheme name="Office">
+      <a:majorFont>
+        <a:latin typeface="Arial"/>
+        <a:ea typeface="DejaVu Sans"/>
+        <a:cs typeface="DejaVu Sans"/>
+      </a:majorFont>
+      <a:minorFont>
+        <a:latin typeface="Arial"/>
+        <a:ea typeface="DejaVu Sans"/>
+        <a:cs typeface="DejaVu Sans"/>
+      </a:minorFont>
+    </a:fontScheme>
+    <a:fmtScheme name="Office">
+      <a:fillStyleLst>
+        <a:solidFill>
+          <a:schemeClr val="phClr"/>
+        </a:solidFill>
+        <a:gradFill rotWithShape="1">
+          <a:gsLst>
+            <a:gs pos="0">
+              <a:schemeClr val="phClr">
+                <a:tint val="50000"/>
+                <a:satMod val="300000"/>
+              </a:schemeClr>
+            </a:gs>
+            <a:gs pos="35000">
+              <a:schemeClr val="phClr">
+                <a:tint val="37000"/>
+                <a:satMod val="300000"/>
+              </a:schemeClr>
+            </a:gs>
+            <a:gs pos="100000">
+              <a:schemeClr val="phClr">
+                <a:tint val="15000"/>
+                <a:satMod val="350000"/>
+              </a:schemeClr>
+            </a:gs>
+          </a:gsLst>
+          <a:lin ang="16200000" scaled="1"/>
+        </a:gradFill>
+        <a:gradFill rotWithShape="1">
+          <a:gsLst>
+            <a:gs pos="0">
+              <a:schemeClr val="phClr">
+                <a:shade val="51000"/>
+                <a:satMod val="130000"/>
+              </a:schemeClr>
+            </a:gs>
+            <a:gs pos="80000">
+              <a:schemeClr val="phClr">
+                <a:shade val="93000"/>
+                <a:satMod val="130000"/>
+              </a:schemeClr>
+            </a:gs>
+            <a:gs pos="100000">
+              <a:schemeClr val="phClr">
+                <a:shade val="94000"/>
+                <a:satMod val="135000"/>
+              </a:schemeClr>
+            </a:gs>
+          </a:gsLst>
+          <a:lin ang="16200000" scaled="0"/>
+        </a:gradFill>
+      </a:fillStyleLst>
+      <a:lnStyleLst>
+        <a:ln w="9525" cap="flat" cmpd="sng" algn="ctr">
+          <a:solidFill>
+            <a:schemeClr val="phClr">
+              <a:shade val="95000"/>
+              <a:satMod val="105000"/>
+            </a:schemeClr>
+          </a:solidFill>
+          <a:prstDash val="solid"/>
+          <a:miter/>
+        </a:ln>
+        <a:ln w="25400" cap="flat" cmpd="sng" algn="ctr">
+          <a:solidFill>
+            <a:schemeClr val="phClr"/>
+          </a:solidFill>
+          <a:prstDash val="solid"/>
+          <a:miter/>
+        </a:ln>
+        <a:ln w="38100" cap="flat" cmpd="sng" algn="ctr">
+          <a:solidFill>
+            <a:schemeClr val="phClr"/>
+          </a:solidFill>
+          <a:prstDash val="solid"/>
+          <a:miter/>
+        </a:ln>
+      </a:lnStyleLst>
+      <a:effectStyleLst>
+        <a:effectStyle>
+          <a:effectLst>
+            <a:outerShdw blurRad="40000" dist="20000" dir="5400000" rotWithShape="0">
+              <a:srgbClr val="000000">
+                <a:alpha val="38000"/>
+              </a:srgbClr>
+            </a:outerShdw>
+          </a:effectLst>
+        </a:effectStyle>
+        <a:effectStyle>
+          <a:effectLst>
+            <a:outerShdw blurRad="40000" dist="23000" dir="5400000" rotWithShape="0">
+              <a:srgbClr val="000000">
+                <a:alpha val="35000"/>
+              </a:srgbClr>
+            </a:outerShdw>
+          </a:effectLst>
+        </a:effectStyle>
+        <a:effectStyle>
+          <a:effectLst>
+            <a:outerShdw blurRad="40000" dist="23000" dir="5400000" rotWithShape="0">
+              <a:srgbClr val="000000">
+                <a:alpha val="35000"/>
+              </a:srgbClr>
+            </a:outerShdw>
+          </a:effectLst>
+          <a:scene3d>
+            <a:camera prst="orthographicFront">
+              <a:rot lat="0" lon="0" rev="0"/>
+            </a:camera>
+            <a:lightRig rig="threePt" dir="t">
+              <a:rot lat="0" lon="0" rev="1200000"/>
+            </a:lightRig>
+          </a:scene3d>
+          <a:sp3d>
+            <a:bevelT w="63500" h="25400"/>
+          </a:sp3d>
+        </a:effectStyle>
+      </a:effectStyleLst>
+      <a:bgFillStyleLst>
+        <a:solidFill>
+          <a:schemeClr val="phClr"/>
+        </a:solidFill>
+        <a:gradFill rotWithShape="1">
+          <a:gsLst>
+            <a:gs pos="0">
+              <a:schemeClr val="phClr">
+                <a:tint val="40000"/>
+                <a:satMod val="350000"/>
+              </a:schemeClr>
+            </a:gs>
+            <a:gs pos="40000">
+              <a:schemeClr val="phClr">
+                <a:tint val="45000"/>
+                <a:shade val="99000"/>
+                <a:satMod val="350000"/>
+              </a:schemeClr>
+            </a:gs>
+            <a:gs pos="100000">
+              <a:schemeClr val="phClr">
+                <a:shade val="20000"/>
+                <a:satMod val="255000"/>
+              </a:schemeClr>
+            </a:gs>
+          </a:gsLst>
+          <a:path path="circle">
+            <a:fillToRect l="50000" t="-80000" r="50000" b="180000"/>
+          </a:path>
+        </a:gradFill>
+        <a:gradFill rotWithShape="1">
+          <a:gsLst>
+            <a:gs pos="0">
+              <a:schemeClr val="phClr">
+                <a:tint val="80000"/>
+                <a:satMod val="300000"/>
+              </a:schemeClr>
+            </a:gs>
+            <a:gs pos="100000">
+              <a:schemeClr val="phClr">
+                <a:shade val="30000"/>
+                <a:satMod val="200000"/>
+              </a:schemeClr>
+            </a:gs>
+          </a:gsLst>
+          <a:path path="circle">
+            <a:fillToRect l="50000" t="50000" r="50000" b="50000"/>
+          </a:path>
+        </a:gradFill>
+      </a:bgFillStyleLst>
+    </a:fmtScheme>
+  </a:themeElements>
+</a:theme>
 </file>